--- a/examples/cnpre.pptx
+++ b/examples/cnpre.pptx
@@ -3748,7 +3748,7 @@
                 </a:pPr>
                 <a:r>
                   <a:rPr i="1"/>
-                  <a:t>证明</a:t>
+                  <a:t>证</a:t>
                 </a:r>
                 <a:r>
                   <a:rPr/>
@@ -3848,7 +3848,7 @@
                 </a:pPr>
                 <a:r>
                   <a:rPr i="1"/>
-                  <a:t>证明</a:t>
+                  <a:t>证</a:t>
                 </a:r>
                 <a:r>
                   <a:rPr/>

--- a/examples/cnpre.pptx
+++ b/examples/cnpre.pptx
@@ -3135,7 +3135,7 @@
             </a:r>
             <a:r>
               <a:rPr/>
-              <a:t>-cnpre 测试文档</a:t>
+              <a:t> Example - cnpre</a:t>
             </a:r>
           </a:p>
         </p:txBody>

--- a/examples/cnpre.pptx
+++ b/examples/cnpre.pptx
@@ -4855,6 +4855,25 @@
           <a:bodyPr/>
           <a:lstStyle/>
           <a:p>
+            <a:pPr lvl="0" indent="0" marL="0">
+              <a:buNone/>
+            </a:pPr>
+            <a:r>
+              <a:rPr/>
+              <a:t>行间代码 </a:t>
+            </a:r>
+            <a:r>
+              <a:rPr>
+                <a:latin typeface="Courier"/>
+              </a:rPr>
+              <a:t>print("Hello, SunQuarTeX")</a:t>
+            </a:r>
+            <a:r>
+              <a:rPr/>
+              <a:t>.</a:t>
+            </a:r>
+          </a:p>
+          <a:p>
             <a:pPr lvl="0" indent="0">
               <a:buNone/>
             </a:pPr>
@@ -4997,6 +5016,24 @@
               </a:rPr>
               <a:t>;</a:t>
             </a:r>
+            <a:r>
+              <a:rPr>
+                <a:solidFill>
+                  <a:srgbClr val="003B4F"/>
+                </a:solidFill>
+                <a:latin typeface="Courier"/>
+              </a:rPr>
+              <a:t> </a:t>
+            </a:r>
+            <a:r>
+              <a:rPr>
+                <a:solidFill>
+                  <a:srgbClr val="5E5E5E"/>
+                </a:solidFill>
+                <a:latin typeface="Courier"/>
+              </a:rPr>
+              <a:t>// 返回 0</a:t>
+            </a:r>
             <a:br/>
             <a:r>
               <a:rPr>
@@ -5006,6 +5043,157 @@
                 <a:latin typeface="Courier"/>
               </a:rPr>
               <a:t>}</a:t>
+            </a:r>
+          </a:p>
+          <a:p>
+            <a:pPr lvl="0" indent="0">
+              <a:buNone/>
+            </a:pPr>
+            <a:r>
+              <a:rPr b="1">
+                <a:solidFill>
+                  <a:srgbClr val="003B4F"/>
+                </a:solidFill>
+                <a:latin typeface="Courier"/>
+              </a:rPr>
+              <a:t>example</a:t>
+            </a:r>
+            <a:r>
+              <a:rPr>
+                <a:solidFill>
+                  <a:srgbClr val="003B4F"/>
+                </a:solidFill>
+                <a:latin typeface="Courier"/>
+              </a:rPr>
+              <a:t> : (</a:t>
+            </a:r>
+            <a:r>
+              <a:rPr b="1">
+                <a:solidFill>
+                  <a:srgbClr val="003B4F"/>
+                </a:solidFill>
+                <a:latin typeface="Courier"/>
+              </a:rPr>
+              <a:t>∀</a:t>
+            </a:r>
+            <a:r>
+              <a:rPr>
+                <a:solidFill>
+                  <a:srgbClr val="003B4F"/>
+                </a:solidFill>
+                <a:latin typeface="Courier"/>
+              </a:rPr>
+              <a:t> x, p x → r) → ((</a:t>
+            </a:r>
+            <a:r>
+              <a:rPr b="1">
+                <a:solidFill>
+                  <a:srgbClr val="003B4F"/>
+                </a:solidFill>
+                <a:latin typeface="Courier"/>
+              </a:rPr>
+              <a:t>∃</a:t>
+            </a:r>
+            <a:r>
+              <a:rPr>
+                <a:solidFill>
+                  <a:srgbClr val="003B4F"/>
+                </a:solidFill>
+                <a:latin typeface="Courier"/>
+              </a:rPr>
+              <a:t> x, p x) → r) </a:t>
+            </a:r>
+            <a:r>
+              <a:rPr>
+                <a:solidFill>
+                  <a:srgbClr val="5E5E5E"/>
+                </a:solidFill>
+                <a:latin typeface="Courier"/>
+              </a:rPr>
+              <a:t>:=</a:t>
+            </a:r>
+            <a:r>
+              <a:rPr>
+                <a:solidFill>
+                  <a:srgbClr val="003B4F"/>
+                </a:solidFill>
+                <a:latin typeface="Courier"/>
+              </a:rPr>
+              <a:t> </a:t>
+            </a:r>
+            <a:r>
+              <a:rPr b="1">
+                <a:solidFill>
+                  <a:srgbClr val="003B4F"/>
+                </a:solidFill>
+                <a:latin typeface="Courier"/>
+              </a:rPr>
+              <a:t>by</a:t>
+            </a:r>
+            <a:br/>
+            <a:r>
+              <a:rPr>
+                <a:solidFill>
+                  <a:srgbClr val="003B4F"/>
+                </a:solidFill>
+                <a:latin typeface="Courier"/>
+              </a:rPr>
+              <a:t>  </a:t>
+            </a:r>
+            <a:r>
+              <a:rPr>
+                <a:solidFill>
+                  <a:srgbClr val="4758AB"/>
+                </a:solidFill>
+                <a:latin typeface="Courier"/>
+              </a:rPr>
+              <a:t>intro</a:t>
+            </a:r>
+            <a:r>
+              <a:rPr>
+                <a:solidFill>
+                  <a:srgbClr val="003B4F"/>
+                </a:solidFill>
+                <a:latin typeface="Courier"/>
+              </a:rPr>
+              <a:t> h ⟨a, hpa⟩ </a:t>
+            </a:r>
+            <a:r>
+              <a:rPr>
+                <a:solidFill>
+                  <a:srgbClr val="5E5E5E"/>
+                </a:solidFill>
+                <a:latin typeface="Courier"/>
+              </a:rPr>
+              <a:t>-- you may also `rcases` explicitly</a:t>
+            </a:r>
+            <a:br/>
+            <a:r>
+              <a:rPr>
+                <a:solidFill>
+                  <a:srgbClr val="003B4F"/>
+                </a:solidFill>
+                <a:latin typeface="Courier"/>
+              </a:rPr>
+              <a:t>  </a:t>
+            </a:r>
+            <a:r>
+              <a:rPr>
+                <a:solidFill>
+                  <a:srgbClr val="4758AB"/>
+                </a:solidFill>
+                <a:latin typeface="Courier"/>
+              </a:rPr>
+              <a:t>exact</a:t>
+            </a:r>
+            <a:r>
+              <a:rPr>
+                <a:solidFill>
+                  <a:srgbClr val="003B4F"/>
+                </a:solidFill>
+                <a:latin typeface="Courier"/>
+              </a:rPr>
+              <a:t> h a hpa</a:t>
             </a:r>
           </a:p>
         </p:txBody>

--- a/examples/cnpre.pptx
+++ b/examples/cnpre.pptx
@@ -3131,11 +3131,7 @@
             </a:pPr>
             <a:r>
               <a:rPr/>
-              <a:t>$\SunQuarTeX$</a:t>
-            </a:r>
-            <a:r>
-              <a:rPr/>
-              <a:t> Example - cnpre</a:t>
+              <a:t>SunQuarTeX Example - cnpre</a:t>
             </a:r>
           </a:p>
         </p:txBody>

--- a/examples/cnpre.pptx
+++ b/examples/cnpre.pptx
@@ -22,6 +22,14 @@
     <p:sldId id="270" r:id="rId16"/>
     <p:sldId id="271" r:id="rId17"/>
     <p:sldId id="272" r:id="rId18"/>
+    <p:sldId id="273" r:id="rId19"/>
+    <p:sldId id="274" r:id="rId20"/>
+    <p:sldId id="275" r:id="rId21"/>
+    <p:sldId id="276" r:id="rId22"/>
+    <p:sldId id="277" r:id="rId23"/>
+    <p:sldId id="278" r:id="rId24"/>
+    <p:sldId id="279" r:id="rId25"/>
+    <p:sldId id="280" r:id="rId26"/>
   </p:sldIdLst>
   <p:sldSz cx="9144000" cy="5143500" type="screen16x9"/>
   <p:notesSz cx="6858000" cy="9144000"/>
@@ -3229,7 +3237,12 @@
             <p:ph type="title"/>
           </p:nvPr>
         </p:nvSpPr>
-        <p:spPr/>
+        <p:spPr>
+          <a:xfrm>
+            <a:off x="722313" y="3305176"/>
+            <a:ext cx="7772400" cy="1021556"/>
+          </a:xfrm>
+        </p:spPr>
         <p:txBody>
           <a:bodyPr/>
           <a:lstStyle/>
@@ -3239,32 +3252,7 @@
             </a:pPr>
             <a:r>
               <a:rPr/>
-              <a:t>表</a:t>
-            </a:r>
-          </a:p>
-        </p:txBody>
-      </p:sp>
-      <p:sp>
-        <p:nvSpPr>
-          <p:cNvPr id="3" name="Content Placeholder 2"/>
-          <p:cNvSpPr>
-            <a:spLocks noGrp="1"/>
-          </p:cNvSpPr>
-          <p:nvPr>
-            <p:ph idx="1"/>
-          </p:nvPr>
-        </p:nvSpPr>
-        <p:spPr/>
-        <p:txBody>
-          <a:bodyPr/>
-          <a:lstStyle/>
-          <a:p>
-            <a:pPr lvl="0" indent="0" marL="0">
-              <a:buNone/>
-            </a:pPr>
-            <a:r>
-              <a:rPr/>
-              <a:t>引用一下 表 1 (a)．</a:t>
+              <a:t>Section B</a:t>
             </a:r>
           </a:p>
         </p:txBody>
@@ -3301,7 +3289,595 @@
             <p:ph type="title"/>
           </p:nvPr>
         </p:nvSpPr>
+        <p:spPr>
+          <a:xfrm>
+            <a:off x="722313" y="3305176"/>
+            <a:ext cx="7772400" cy="1021556"/>
+          </a:xfrm>
+        </p:spPr>
+        <p:txBody>
+          <a:bodyPr/>
+          <a:lstStyle/>
+          <a:p>
+            <a:pPr lvl="0" indent="0" marL="0">
+              <a:buNone/>
+            </a:pPr>
+            <a:r>
+              <a:rPr/>
+              <a:t>Subsection 1</a:t>
+            </a:r>
+          </a:p>
+        </p:txBody>
+      </p:sp>
+    </p:spTree>
+  </p:cSld>
+</p:sld>
+</file>
+
+<file path=ppt/slides/slide12.xml><?xml version="1.0" encoding="utf-8"?>
+<p:sld xmlns:a="http://schemas.openxmlformats.org/drawingml/2006/main" xmlns:r="http://schemas.openxmlformats.org/officeDocument/2006/relationships" xmlns:p="http://schemas.openxmlformats.org/presentationml/2006/main">
+  <p:cSld>
+    <p:spTree>
+      <p:nvGrpSpPr>
+        <p:cNvPr id="1" name=""/>
+        <p:cNvGrpSpPr/>
+        <p:nvPr/>
+      </p:nvGrpSpPr>
+      <p:grpSpPr>
+        <a:xfrm>
+          <a:off x="0" y="0"/>
+          <a:ext cx="0" cy="0"/>
+          <a:chOff x="0" y="0"/>
+          <a:chExt cx="0" cy="0"/>
+        </a:xfrm>
+      </p:grpSpPr>
+      <p:sp>
+        <p:nvSpPr>
+          <p:cNvPr id="2" name="Title 1"/>
+          <p:cNvSpPr>
+            <a:spLocks noGrp="1"/>
+          </p:cNvSpPr>
+          <p:nvPr>
+            <p:ph type="title"/>
+          </p:nvPr>
+        </p:nvSpPr>
+        <p:spPr>
+          <a:xfrm>
+            <a:off x="722313" y="3305176"/>
+            <a:ext cx="7772400" cy="1021556"/>
+          </a:xfrm>
+        </p:spPr>
+        <p:txBody>
+          <a:bodyPr/>
+          <a:lstStyle/>
+          <a:p>
+            <a:pPr lvl="0" indent="0" marL="0">
+              <a:buNone/>
+            </a:pPr>
+            <a:r>
+              <a:rPr/>
+              <a:t>代码块</a:t>
+            </a:r>
+          </a:p>
+        </p:txBody>
+      </p:sp>
+    </p:spTree>
+  </p:cSld>
+</p:sld>
+</file>
+
+<file path=ppt/slides/slide13.xml><?xml version="1.0" encoding="utf-8"?>
+<p:sld xmlns:a="http://schemas.openxmlformats.org/drawingml/2006/main" xmlns:r="http://schemas.openxmlformats.org/officeDocument/2006/relationships" xmlns:p="http://schemas.openxmlformats.org/presentationml/2006/main">
+  <p:cSld>
+    <p:spTree>
+      <p:nvGrpSpPr>
+        <p:cNvPr id="1" name=""/>
+        <p:cNvGrpSpPr/>
+        <p:nvPr/>
+      </p:nvGrpSpPr>
+      <p:grpSpPr>
+        <a:xfrm>
+          <a:off x="0" y="0"/>
+          <a:ext cx="0" cy="0"/>
+          <a:chOff x="0" y="0"/>
+          <a:chExt cx="0" cy="0"/>
+        </a:xfrm>
+      </p:grpSpPr>
+      <p:sp>
+        <p:nvSpPr>
+          <p:cNvPr id="3" name="Content Placeholder 2"/>
+          <p:cNvSpPr>
+            <a:spLocks noGrp="1"/>
+          </p:cNvSpPr>
+          <p:nvPr>
+            <p:ph idx="1"/>
+          </p:nvPr>
+        </p:nvSpPr>
         <p:spPr/>
+        <p:txBody>
+          <a:bodyPr/>
+          <a:lstStyle/>
+          <a:p>
+            <a:pPr lvl="0" indent="0" marL="0">
+              <a:buNone/>
+            </a:pPr>
+            <a:r>
+              <a:rPr/>
+              <a:t>行间代码 </a:t>
+            </a:r>
+            <a:r>
+              <a:rPr>
+                <a:latin typeface="Courier"/>
+              </a:rPr>
+              <a:t>print("Hello, SunQuarTeX")</a:t>
+            </a:r>
+            <a:r>
+              <a:rPr/>
+              <a:t>.</a:t>
+            </a:r>
+          </a:p>
+          <a:p>
+            <a:pPr lvl="0" indent="0">
+              <a:buNone/>
+            </a:pPr>
+            <a:r>
+              <a:rPr>
+                <a:solidFill>
+                  <a:srgbClr val="AD0000"/>
+                </a:solidFill>
+                <a:latin typeface="Courier"/>
+              </a:rPr>
+              <a:t>#include</a:t>
+            </a:r>
+            <a:r>
+              <a:rPr>
+                <a:solidFill>
+                  <a:srgbClr val="00769E"/>
+                </a:solidFill>
+                <a:latin typeface="Courier"/>
+              </a:rPr>
+              <a:t>&lt;bits/stdc++.h&gt;</a:t>
+            </a:r>
+            <a:br/>
+            <a:r>
+              <a:rPr b="1">
+                <a:solidFill>
+                  <a:srgbClr val="003B4F"/>
+                </a:solidFill>
+                <a:latin typeface="Courier"/>
+              </a:rPr>
+              <a:t>using</a:t>
+            </a:r>
+            <a:r>
+              <a:rPr>
+                <a:solidFill>
+                  <a:srgbClr val="003B4F"/>
+                </a:solidFill>
+                <a:latin typeface="Courier"/>
+              </a:rPr>
+              <a:t> </a:t>
+            </a:r>
+            <a:r>
+              <a:rPr b="1">
+                <a:solidFill>
+                  <a:srgbClr val="003B4F"/>
+                </a:solidFill>
+                <a:latin typeface="Courier"/>
+              </a:rPr>
+              <a:t>namespace</a:t>
+            </a:r>
+            <a:r>
+              <a:rPr>
+                <a:solidFill>
+                  <a:srgbClr val="003B4F"/>
+                </a:solidFill>
+                <a:latin typeface="Courier"/>
+              </a:rPr>
+              <a:t> std</a:t>
+            </a:r>
+            <a:r>
+              <a:rPr>
+                <a:solidFill>
+                  <a:srgbClr val="5E5E5E"/>
+                </a:solidFill>
+                <a:latin typeface="Courier"/>
+              </a:rPr>
+              <a:t>;</a:t>
+            </a:r>
+            <a:br/>
+            <a:br/>
+            <a:r>
+              <a:rPr>
+                <a:solidFill>
+                  <a:srgbClr val="AD0000"/>
+                </a:solidFill>
+                <a:latin typeface="Courier"/>
+              </a:rPr>
+              <a:t>int</a:t>
+            </a:r>
+            <a:r>
+              <a:rPr>
+                <a:solidFill>
+                  <a:srgbClr val="003B4F"/>
+                </a:solidFill>
+                <a:latin typeface="Courier"/>
+              </a:rPr>
+              <a:t> main</a:t>
+            </a:r>
+            <a:r>
+              <a:rPr>
+                <a:solidFill>
+                  <a:srgbClr val="5E5E5E"/>
+                </a:solidFill>
+                <a:latin typeface="Courier"/>
+              </a:rPr>
+              <a:t>(){</a:t>
+            </a:r>
+            <a:br/>
+            <a:r>
+              <a:rPr>
+                <a:solidFill>
+                  <a:srgbClr val="003B4F"/>
+                </a:solidFill>
+                <a:latin typeface="Courier"/>
+              </a:rPr>
+              <a:t>    </a:t>
+            </a:r>
+            <a:r>
+              <a:rPr b="1">
+                <a:solidFill>
+                  <a:srgbClr val="003B4F"/>
+                </a:solidFill>
+                <a:latin typeface="Courier"/>
+              </a:rPr>
+              <a:t>return</a:t>
+            </a:r>
+            <a:r>
+              <a:rPr>
+                <a:solidFill>
+                  <a:srgbClr val="003B4F"/>
+                </a:solidFill>
+                <a:latin typeface="Courier"/>
+              </a:rPr>
+              <a:t> </a:t>
+            </a:r>
+            <a:r>
+              <a:rPr>
+                <a:solidFill>
+                  <a:srgbClr val="AD0000"/>
+                </a:solidFill>
+                <a:latin typeface="Courier"/>
+              </a:rPr>
+              <a:t>0</a:t>
+            </a:r>
+            <a:r>
+              <a:rPr>
+                <a:solidFill>
+                  <a:srgbClr val="5E5E5E"/>
+                </a:solidFill>
+                <a:latin typeface="Courier"/>
+              </a:rPr>
+              <a:t>;</a:t>
+            </a:r>
+            <a:r>
+              <a:rPr>
+                <a:solidFill>
+                  <a:srgbClr val="003B4F"/>
+                </a:solidFill>
+                <a:latin typeface="Courier"/>
+              </a:rPr>
+              <a:t> </a:t>
+            </a:r>
+            <a:r>
+              <a:rPr>
+                <a:solidFill>
+                  <a:srgbClr val="5E5E5E"/>
+                </a:solidFill>
+                <a:latin typeface="Courier"/>
+              </a:rPr>
+              <a:t>// 返回 0</a:t>
+            </a:r>
+            <a:br/>
+            <a:r>
+              <a:rPr>
+                <a:solidFill>
+                  <a:srgbClr val="5E5E5E"/>
+                </a:solidFill>
+                <a:latin typeface="Courier"/>
+              </a:rPr>
+              <a:t>}</a:t>
+            </a:r>
+          </a:p>
+          <a:p>
+            <a:pPr lvl="0" indent="0">
+              <a:buNone/>
+            </a:pPr>
+            <a:r>
+              <a:rPr b="1">
+                <a:solidFill>
+                  <a:srgbClr val="003B4F"/>
+                </a:solidFill>
+                <a:latin typeface="Courier"/>
+              </a:rPr>
+              <a:t>example</a:t>
+            </a:r>
+            <a:r>
+              <a:rPr>
+                <a:solidFill>
+                  <a:srgbClr val="003B4F"/>
+                </a:solidFill>
+                <a:latin typeface="Courier"/>
+              </a:rPr>
+              <a:t> : (</a:t>
+            </a:r>
+            <a:r>
+              <a:rPr b="1">
+                <a:solidFill>
+                  <a:srgbClr val="003B4F"/>
+                </a:solidFill>
+                <a:latin typeface="Courier"/>
+              </a:rPr>
+              <a:t>∀</a:t>
+            </a:r>
+            <a:r>
+              <a:rPr>
+                <a:solidFill>
+                  <a:srgbClr val="003B4F"/>
+                </a:solidFill>
+                <a:latin typeface="Courier"/>
+              </a:rPr>
+              <a:t> x, p x → r) → ((</a:t>
+            </a:r>
+            <a:r>
+              <a:rPr b="1">
+                <a:solidFill>
+                  <a:srgbClr val="003B4F"/>
+                </a:solidFill>
+                <a:latin typeface="Courier"/>
+              </a:rPr>
+              <a:t>∃</a:t>
+            </a:r>
+            <a:r>
+              <a:rPr>
+                <a:solidFill>
+                  <a:srgbClr val="003B4F"/>
+                </a:solidFill>
+                <a:latin typeface="Courier"/>
+              </a:rPr>
+              <a:t> x, p x) → r) </a:t>
+            </a:r>
+            <a:r>
+              <a:rPr>
+                <a:solidFill>
+                  <a:srgbClr val="5E5E5E"/>
+                </a:solidFill>
+                <a:latin typeface="Courier"/>
+              </a:rPr>
+              <a:t>:=</a:t>
+            </a:r>
+            <a:r>
+              <a:rPr>
+                <a:solidFill>
+                  <a:srgbClr val="003B4F"/>
+                </a:solidFill>
+                <a:latin typeface="Courier"/>
+              </a:rPr>
+              <a:t> </a:t>
+            </a:r>
+            <a:r>
+              <a:rPr b="1">
+                <a:solidFill>
+                  <a:srgbClr val="003B4F"/>
+                </a:solidFill>
+                <a:latin typeface="Courier"/>
+              </a:rPr>
+              <a:t>by</a:t>
+            </a:r>
+            <a:br/>
+            <a:r>
+              <a:rPr>
+                <a:solidFill>
+                  <a:srgbClr val="003B4F"/>
+                </a:solidFill>
+                <a:latin typeface="Courier"/>
+              </a:rPr>
+              <a:t>  </a:t>
+            </a:r>
+            <a:r>
+              <a:rPr>
+                <a:solidFill>
+                  <a:srgbClr val="4758AB"/>
+                </a:solidFill>
+                <a:latin typeface="Courier"/>
+              </a:rPr>
+              <a:t>intro</a:t>
+            </a:r>
+            <a:r>
+              <a:rPr>
+                <a:solidFill>
+                  <a:srgbClr val="003B4F"/>
+                </a:solidFill>
+                <a:latin typeface="Courier"/>
+              </a:rPr>
+              <a:t> h ⟨a, hpa⟩ </a:t>
+            </a:r>
+            <a:r>
+              <a:rPr>
+                <a:solidFill>
+                  <a:srgbClr val="5E5E5E"/>
+                </a:solidFill>
+                <a:latin typeface="Courier"/>
+              </a:rPr>
+              <a:t>-- you may also `rcases` explicitly</a:t>
+            </a:r>
+            <a:br/>
+            <a:r>
+              <a:rPr>
+                <a:solidFill>
+                  <a:srgbClr val="003B4F"/>
+                </a:solidFill>
+                <a:latin typeface="Courier"/>
+              </a:rPr>
+              <a:t>  </a:t>
+            </a:r>
+            <a:r>
+              <a:rPr>
+                <a:solidFill>
+                  <a:srgbClr val="4758AB"/>
+                </a:solidFill>
+                <a:latin typeface="Courier"/>
+              </a:rPr>
+              <a:t>exact</a:t>
+            </a:r>
+            <a:r>
+              <a:rPr>
+                <a:solidFill>
+                  <a:srgbClr val="003B4F"/>
+                </a:solidFill>
+                <a:latin typeface="Courier"/>
+              </a:rPr>
+              <a:t> h a hpa</a:t>
+            </a:r>
+          </a:p>
+        </p:txBody>
+      </p:sp>
+    </p:spTree>
+  </p:cSld>
+</p:sld>
+</file>
+
+<file path=ppt/slides/slide14.xml><?xml version="1.0" encoding="utf-8"?>
+<p:sld xmlns:a="http://schemas.openxmlformats.org/drawingml/2006/main" xmlns:r="http://schemas.openxmlformats.org/officeDocument/2006/relationships" xmlns:p="http://schemas.openxmlformats.org/presentationml/2006/main">
+  <p:cSld>
+    <p:spTree>
+      <p:nvGrpSpPr>
+        <p:cNvPr id="1" name=""/>
+        <p:cNvGrpSpPr/>
+        <p:nvPr/>
+      </p:nvGrpSpPr>
+      <p:grpSpPr>
+        <a:xfrm>
+          <a:off x="0" y="0"/>
+          <a:ext cx="0" cy="0"/>
+          <a:chOff x="0" y="0"/>
+          <a:chExt cx="0" cy="0"/>
+        </a:xfrm>
+      </p:grpSpPr>
+      <p:sp>
+        <p:nvSpPr>
+          <p:cNvPr id="2" name="Title 1"/>
+          <p:cNvSpPr>
+            <a:spLocks noGrp="1"/>
+          </p:cNvSpPr>
+          <p:nvPr>
+            <p:ph type="title"/>
+          </p:nvPr>
+        </p:nvSpPr>
+        <p:spPr>
+          <a:xfrm>
+            <a:off x="722313" y="3305176"/>
+            <a:ext cx="7772400" cy="1021556"/>
+          </a:xfrm>
+        </p:spPr>
+        <p:txBody>
+          <a:bodyPr/>
+          <a:lstStyle/>
+          <a:p>
+            <a:pPr lvl="0" indent="0" marL="0">
+              <a:buNone/>
+            </a:pPr>
+            <a:r>
+              <a:rPr/>
+              <a:t>表</a:t>
+            </a:r>
+          </a:p>
+        </p:txBody>
+      </p:sp>
+    </p:spTree>
+  </p:cSld>
+</p:sld>
+</file>
+
+<file path=ppt/slides/slide15.xml><?xml version="1.0" encoding="utf-8"?>
+<p:sld xmlns:a="http://schemas.openxmlformats.org/drawingml/2006/main" xmlns:r="http://schemas.openxmlformats.org/officeDocument/2006/relationships" xmlns:p="http://schemas.openxmlformats.org/presentationml/2006/main">
+  <p:cSld>
+    <p:spTree>
+      <p:nvGrpSpPr>
+        <p:cNvPr id="1" name=""/>
+        <p:cNvGrpSpPr/>
+        <p:nvPr/>
+      </p:nvGrpSpPr>
+      <p:grpSpPr>
+        <a:xfrm>
+          <a:off x="0" y="0"/>
+          <a:ext cx="0" cy="0"/>
+          <a:chOff x="0" y="0"/>
+          <a:chExt cx="0" cy="0"/>
+        </a:xfrm>
+      </p:grpSpPr>
+      <p:sp>
+        <p:nvSpPr>
+          <p:cNvPr id="3" name="Content Placeholder 2"/>
+          <p:cNvSpPr>
+            <a:spLocks noGrp="1"/>
+          </p:cNvSpPr>
+          <p:nvPr>
+            <p:ph idx="1"/>
+          </p:nvPr>
+        </p:nvSpPr>
+        <p:spPr/>
+        <p:txBody>
+          <a:bodyPr/>
+          <a:lstStyle/>
+          <a:p>
+            <a:pPr lvl="0" indent="0" marL="0">
+              <a:buNone/>
+            </a:pPr>
+            <a:r>
+              <a:rPr/>
+              <a:t>引用一下 表 1 (a)．</a:t>
+            </a:r>
+          </a:p>
+        </p:txBody>
+      </p:sp>
+    </p:spTree>
+  </p:cSld>
+</p:sld>
+</file>
+
+<file path=ppt/slides/slide16.xml><?xml version="1.0" encoding="utf-8"?>
+<p:sld xmlns:a="http://schemas.openxmlformats.org/drawingml/2006/main" xmlns:r="http://schemas.openxmlformats.org/officeDocument/2006/relationships" xmlns:p="http://schemas.openxmlformats.org/presentationml/2006/main">
+  <p:cSld>
+    <p:spTree>
+      <p:nvGrpSpPr>
+        <p:cNvPr id="1" name=""/>
+        <p:cNvGrpSpPr/>
+        <p:nvPr/>
+      </p:nvGrpSpPr>
+      <p:grpSpPr>
+        <a:xfrm>
+          <a:off x="0" y="0"/>
+          <a:ext cx="0" cy="0"/>
+          <a:chOff x="0" y="0"/>
+          <a:chExt cx="0" cy="0"/>
+        </a:xfrm>
+      </p:grpSpPr>
+      <p:sp>
+        <p:nvSpPr>
+          <p:cNvPr id="2" name="Title 1"/>
+          <p:cNvSpPr>
+            <a:spLocks noGrp="1"/>
+          </p:cNvSpPr>
+          <p:nvPr>
+            <p:ph type="title"/>
+          </p:nvPr>
+        </p:nvSpPr>
+        <p:spPr>
+          <a:xfrm>
+            <a:off x="722313" y="3305176"/>
+            <a:ext cx="7772400" cy="1021556"/>
+          </a:xfrm>
+        </p:spPr>
         <p:txBody>
           <a:bodyPr/>
           <a:lstStyle/>
@@ -3316,6 +3892,28 @@
           </a:p>
         </p:txBody>
       </p:sp>
+    </p:spTree>
+  </p:cSld>
+</p:sld>
+</file>
+
+<file path=ppt/slides/slide17.xml><?xml version="1.0" encoding="utf-8"?>
+<p:sld xmlns:a="http://schemas.openxmlformats.org/drawingml/2006/main" xmlns:r="http://schemas.openxmlformats.org/officeDocument/2006/relationships" xmlns:p="http://schemas.openxmlformats.org/presentationml/2006/main">
+  <p:cSld>
+    <p:spTree>
+      <p:nvGrpSpPr>
+        <p:cNvPr id="1" name=""/>
+        <p:cNvGrpSpPr/>
+        <p:nvPr/>
+      </p:nvGrpSpPr>
+      <p:grpSpPr>
+        <a:xfrm>
+          <a:off x="0" y="0"/>
+          <a:ext cx="0" cy="0"/>
+          <a:chOff x="0" y="0"/>
+          <a:chExt cx="0" cy="0"/>
+        </a:xfrm>
+      </p:grpSpPr>
       <p:pic>
         <p:nvPicPr>
           <p:cNvPr descr="figure.png" id="0" name="Picture 1"/>
@@ -3381,7 +3979,7 @@
 </p:sld>
 </file>
 
-<file path=ppt/slides/slide12.xml><?xml version="1.0" encoding="utf-8"?>
+<file path=ppt/slides/slide18.xml><?xml version="1.0" encoding="utf-8"?>
 <p:sld xmlns:a="http://schemas.openxmlformats.org/drawingml/2006/main" xmlns:r="http://schemas.openxmlformats.org/officeDocument/2006/relationships" xmlns:p="http://schemas.openxmlformats.org/presentationml/2006/main">
   <p:cSld>
     <p:spTree>
@@ -3428,7 +4026,7 @@
 </p:sld>
 </file>
 
-<file path=ppt/slides/slide13.xml><?xml version="1.0" encoding="utf-8"?>
+<file path=ppt/slides/slide19.xml><?xml version="1.0" encoding="utf-8"?>
 <p:sld xmlns:a="http://schemas.openxmlformats.org/drawingml/2006/main" xmlns:r="http://schemas.openxmlformats.org/officeDocument/2006/relationships" xmlns:p="http://schemas.openxmlformats.org/presentationml/2006/main">
   <p:cSld>
     <p:spTree>
@@ -3455,7 +4053,12 @@
             <p:ph type="title"/>
           </p:nvPr>
         </p:nvSpPr>
-        <p:spPr/>
+        <p:spPr>
+          <a:xfrm>
+            <a:off x="722313" y="3305176"/>
+            <a:ext cx="7772400" cy="1021556"/>
+          </a:xfrm>
+        </p:spPr>
         <p:txBody>
           <a:bodyPr/>
           <a:lstStyle/>
@@ -3466,31 +4069,6 @@
             <a:r>
               <a:rPr/>
               <a:t>计算图</a:t>
-            </a:r>
-          </a:p>
-        </p:txBody>
-      </p:sp>
-      <p:sp>
-        <p:nvSpPr>
-          <p:cNvPr id="3" name="Content Placeholder 2"/>
-          <p:cNvSpPr>
-            <a:spLocks noGrp="1"/>
-          </p:cNvSpPr>
-          <p:nvPr>
-            <p:ph idx="1"/>
-          </p:nvPr>
-        </p:nvSpPr>
-        <p:spPr/>
-        <p:txBody>
-          <a:bodyPr/>
-          <a:lstStyle/>
-          <a:p>
-            <a:pPr lvl="0" indent="0" marL="0">
-              <a:buNone/>
-            </a:pPr>
-            <a:r>
-              <a:rPr/>
-              <a:t>复杂的并列效果．（图 2, 图 2 (a), 图 2 (b)）</a:t>
             </a:r>
           </a:p>
         </p:txBody>
@@ -3500,7 +4078,7 @@
 </p:sld>
 </file>
 
-<file path=ppt/slides/slide14.xml><?xml version="1.0" encoding="utf-8"?>
+<file path=ppt/slides/slide2.xml><?xml version="1.0" encoding="utf-8"?>
 <p:sld xmlns:a="http://schemas.openxmlformats.org/drawingml/2006/main" xmlns:r="http://schemas.openxmlformats.org/officeDocument/2006/relationships" xmlns:p="http://schemas.openxmlformats.org/presentationml/2006/main">
   <p:cSld>
     <p:spTree>
@@ -3527,7 +4105,12 @@
             <p:ph type="title"/>
           </p:nvPr>
         </p:nvSpPr>
-        <p:spPr/>
+        <p:spPr>
+          <a:xfrm>
+            <a:off x="722313" y="3305176"/>
+            <a:ext cx="7772400" cy="1021556"/>
+          </a:xfrm>
+        </p:spPr>
         <p:txBody>
           <a:bodyPr/>
           <a:lstStyle/>
@@ -3537,7 +4120,7 @@
             </a:pPr>
             <a:r>
               <a:rPr/>
-              <a:t>TikZ</a:t>
+              <a:t>Section A</a:t>
             </a:r>
           </a:p>
         </p:txBody>
@@ -3547,7 +4130,7 @@
 </p:sld>
 </file>
 
-<file path=ppt/slides/slide15.xml><?xml version="1.0" encoding="utf-8"?>
+<file path=ppt/slides/slide20.xml><?xml version="1.0" encoding="utf-8"?>
 <p:sld xmlns:a="http://schemas.openxmlformats.org/drawingml/2006/main" xmlns:r="http://schemas.openxmlformats.org/officeDocument/2006/relationships" xmlns:p="http://schemas.openxmlformats.org/presentationml/2006/main">
   <p:cSld>
     <p:spTree>
@@ -3566,20 +4149,15 @@
       </p:grpSpPr>
       <p:sp>
         <p:nvSpPr>
-          <p:cNvPr id="2" name="Title 1"/>
-          <p:cNvSpPr>
-            <a:spLocks noGrp="1"/>
-          </p:cNvSpPr>
-          <p:nvPr>
-            <p:ph type="title"/>
-          </p:nvPr>
-        </p:nvSpPr>
-        <p:spPr>
-          <a:xfrm>
-            <a:off x="722313" y="3305176"/>
-            <a:ext cx="7772400" cy="1021556"/>
-          </a:xfrm>
-        </p:spPr>
+          <p:cNvPr id="3" name="Content Placeholder 2"/>
+          <p:cNvSpPr>
+            <a:spLocks noGrp="1"/>
+          </p:cNvSpPr>
+          <p:nvPr>
+            <p:ph idx="1"/>
+          </p:nvPr>
+        </p:nvSpPr>
+        <p:spPr/>
         <p:txBody>
           <a:bodyPr/>
           <a:lstStyle/>
@@ -3589,7 +4167,7 @@
             </a:pPr>
             <a:r>
               <a:rPr/>
-              <a:t>Subsection 2</a:t>
+              <a:t>复杂的并列效果．（图 2, 图 2 (a), 图 2 (b)）</a:t>
             </a:r>
           </a:p>
         </p:txBody>
@@ -3599,7 +4177,7 @@
 </p:sld>
 </file>
 
-<file path=ppt/slides/slide16.xml><?xml version="1.0" encoding="utf-8"?>
+<file path=ppt/slides/slide21.xml><?xml version="1.0" encoding="utf-8"?>
 <p:sld xmlns:a="http://schemas.openxmlformats.org/drawingml/2006/main" xmlns:r="http://schemas.openxmlformats.org/officeDocument/2006/relationships" xmlns:p="http://schemas.openxmlformats.org/presentationml/2006/main">
   <p:cSld>
     <p:spTree>
@@ -3626,7 +4204,116 @@
             <p:ph type="title"/>
           </p:nvPr>
         </p:nvSpPr>
-        <p:spPr/>
+        <p:spPr>
+          <a:xfrm>
+            <a:off x="722313" y="3305176"/>
+            <a:ext cx="7772400" cy="1021556"/>
+          </a:xfrm>
+        </p:spPr>
+        <p:txBody>
+          <a:bodyPr/>
+          <a:lstStyle/>
+          <a:p>
+            <a:pPr lvl="0" indent="0" marL="0">
+              <a:buNone/>
+            </a:pPr>
+            <a:r>
+              <a:rPr/>
+              <a:t>TikZ</a:t>
+            </a:r>
+          </a:p>
+        </p:txBody>
+      </p:sp>
+    </p:spTree>
+  </p:cSld>
+</p:sld>
+</file>
+
+<file path=ppt/slides/slide22.xml><?xml version="1.0" encoding="utf-8"?>
+<p:sld xmlns:a="http://schemas.openxmlformats.org/drawingml/2006/main" xmlns:r="http://schemas.openxmlformats.org/officeDocument/2006/relationships" xmlns:p="http://schemas.openxmlformats.org/presentationml/2006/main">
+  <p:cSld>
+    <p:spTree>
+      <p:nvGrpSpPr>
+        <p:cNvPr id="1" name=""/>
+        <p:cNvGrpSpPr/>
+        <p:nvPr/>
+      </p:nvGrpSpPr>
+      <p:grpSpPr>
+        <a:xfrm>
+          <a:off x="0" y="0"/>
+          <a:ext cx="0" cy="0"/>
+          <a:chOff x="0" y="0"/>
+          <a:chExt cx="0" cy="0"/>
+        </a:xfrm>
+      </p:grpSpPr>
+      <p:sp>
+        <p:nvSpPr>
+          <p:cNvPr id="2" name="Title 1"/>
+          <p:cNvSpPr>
+            <a:spLocks noGrp="1"/>
+          </p:cNvSpPr>
+          <p:nvPr>
+            <p:ph type="title"/>
+          </p:nvPr>
+        </p:nvSpPr>
+        <p:spPr>
+          <a:xfrm>
+            <a:off x="722313" y="3305176"/>
+            <a:ext cx="7772400" cy="1021556"/>
+          </a:xfrm>
+        </p:spPr>
+        <p:txBody>
+          <a:bodyPr/>
+          <a:lstStyle/>
+          <a:p>
+            <a:pPr lvl="0" indent="0" marL="0">
+              <a:buNone/>
+            </a:pPr>
+            <a:r>
+              <a:rPr/>
+              <a:t>Subsection 2</a:t>
+            </a:r>
+          </a:p>
+        </p:txBody>
+      </p:sp>
+    </p:spTree>
+  </p:cSld>
+</p:sld>
+</file>
+
+<file path=ppt/slides/slide23.xml><?xml version="1.0" encoding="utf-8"?>
+<p:sld xmlns:a="http://schemas.openxmlformats.org/drawingml/2006/main" xmlns:r="http://schemas.openxmlformats.org/officeDocument/2006/relationships" xmlns:p="http://schemas.openxmlformats.org/presentationml/2006/main">
+  <p:cSld>
+    <p:spTree>
+      <p:nvGrpSpPr>
+        <p:cNvPr id="1" name=""/>
+        <p:cNvGrpSpPr/>
+        <p:nvPr/>
+      </p:nvGrpSpPr>
+      <p:grpSpPr>
+        <a:xfrm>
+          <a:off x="0" y="0"/>
+          <a:ext cx="0" cy="0"/>
+          <a:chOff x="0" y="0"/>
+          <a:chExt cx="0" cy="0"/>
+        </a:xfrm>
+      </p:grpSpPr>
+      <p:sp>
+        <p:nvSpPr>
+          <p:cNvPr id="2" name="Title 1"/>
+          <p:cNvSpPr>
+            <a:spLocks noGrp="1"/>
+          </p:cNvSpPr>
+          <p:nvPr>
+            <p:ph type="title"/>
+          </p:nvPr>
+        </p:nvSpPr>
+        <p:spPr>
+          <a:xfrm>
+            <a:off x="722313" y="3305176"/>
+            <a:ext cx="7772400" cy="1021556"/>
+          </a:xfrm>
+        </p:spPr>
         <p:txBody>
           <a:bodyPr/>
           <a:lstStyle/>
@@ -3641,6 +4328,28 @@
           </a:p>
         </p:txBody>
       </p:sp>
+    </p:spTree>
+  </p:cSld>
+</p:sld>
+</file>
+
+<file path=ppt/slides/slide24.xml><?xml version="1.0" encoding="utf-8"?>
+<p:sld xmlns:a="http://schemas.openxmlformats.org/drawingml/2006/main" xmlns:r="http://schemas.openxmlformats.org/officeDocument/2006/relationships" xmlns:p="http://schemas.openxmlformats.org/presentationml/2006/main">
+  <p:cSld>
+    <p:spTree>
+      <p:nvGrpSpPr>
+        <p:cNvPr id="1" name=""/>
+        <p:cNvGrpSpPr/>
+        <p:nvPr/>
+      </p:nvGrpSpPr>
+      <p:grpSpPr>
+        <a:xfrm>
+          <a:off x="0" y="0"/>
+          <a:ext cx="0" cy="0"/>
+          <a:chOff x="0" y="0"/>
+          <a:chExt cx="0" cy="0"/>
+        </a:xfrm>
+      </p:grpSpPr>
       <mc:AlternateContent xmlns:mc="http://schemas.openxmlformats.org/markup-compatibility/2006">
         <mc:Choice xmlns:a14="http://schemas.microsoft.com/office/drawing/2010/main" Requires="a14">
           <p:sp>
@@ -4030,7 +4739,7 @@
 </p:sld>
 </file>
 
-<file path=ppt/slides/slide17.xml><?xml version="1.0" encoding="utf-8"?>
+<file path=ppt/slides/slide25.xml><?xml version="1.0" encoding="utf-8"?>
 <p:sld xmlns:a="http://schemas.openxmlformats.org/drawingml/2006/main" xmlns:r="http://schemas.openxmlformats.org/officeDocument/2006/relationships" xmlns:p="http://schemas.openxmlformats.org/presentationml/2006/main">
   <p:cSld>
     <p:spTree>
@@ -4093,58 +4802,6 @@
             <a:r>
               <a:rPr sz="1800"/>
               <a:t>1. 这是一个脚注．</a:t>
-            </a:r>
-          </a:p>
-        </p:txBody>
-      </p:sp>
-    </p:spTree>
-  </p:cSld>
-</p:sld>
-</file>
-
-<file path=ppt/slides/slide2.xml><?xml version="1.0" encoding="utf-8"?>
-<p:sld xmlns:a="http://schemas.openxmlformats.org/drawingml/2006/main" xmlns:r="http://schemas.openxmlformats.org/officeDocument/2006/relationships" xmlns:p="http://schemas.openxmlformats.org/presentationml/2006/main">
-  <p:cSld>
-    <p:spTree>
-      <p:nvGrpSpPr>
-        <p:cNvPr id="1" name=""/>
-        <p:cNvGrpSpPr/>
-        <p:nvPr/>
-      </p:nvGrpSpPr>
-      <p:grpSpPr>
-        <a:xfrm>
-          <a:off x="0" y="0"/>
-          <a:ext cx="0" cy="0"/>
-          <a:chOff x="0" y="0"/>
-          <a:chExt cx="0" cy="0"/>
-        </a:xfrm>
-      </p:grpSpPr>
-      <p:sp>
-        <p:nvSpPr>
-          <p:cNvPr id="2" name="Title 1"/>
-          <p:cNvSpPr>
-            <a:spLocks noGrp="1"/>
-          </p:cNvSpPr>
-          <p:nvPr>
-            <p:ph type="title"/>
-          </p:nvPr>
-        </p:nvSpPr>
-        <p:spPr>
-          <a:xfrm>
-            <a:off x="722313" y="3305176"/>
-            <a:ext cx="7772400" cy="1021556"/>
-          </a:xfrm>
-        </p:spPr>
-        <p:txBody>
-          <a:bodyPr/>
-          <a:lstStyle/>
-          <a:p>
-            <a:pPr lvl="0" indent="0" marL="0">
-              <a:buNone/>
-            </a:pPr>
-            <a:r>
-              <a:rPr/>
-              <a:t>Section A</a:t>
             </a:r>
           </a:p>
         </p:txBody>
@@ -4181,7 +4838,12 @@
             <p:ph type="title"/>
           </p:nvPr>
         </p:nvSpPr>
-        <p:spPr/>
+        <p:spPr>
+          <a:xfrm>
+            <a:off x="722313" y="3305176"/>
+            <a:ext cx="7772400" cy="1021556"/>
+          </a:xfrm>
+        </p:spPr>
         <p:txBody>
           <a:bodyPr/>
           <a:lstStyle/>
@@ -4192,56 +4854,6 @@
             <a:r>
               <a:rPr/>
               <a:t>文字</a:t>
-            </a:r>
-          </a:p>
-        </p:txBody>
-      </p:sp>
-      <p:sp>
-        <p:nvSpPr>
-          <p:cNvPr id="3" name="Content Placeholder 2"/>
-          <p:cNvSpPr>
-            <a:spLocks noGrp="1"/>
-          </p:cNvSpPr>
-          <p:nvPr>
-            <p:ph idx="1"/>
-          </p:nvPr>
-        </p:nvSpPr>
-        <p:spPr/>
-        <p:txBody>
-          <a:bodyPr/>
-          <a:lstStyle/>
-          <a:p>
-            <a:pPr lvl="0" indent="0" marL="0">
-              <a:buNone/>
-            </a:pPr>
-            <a:r>
-              <a:rPr/>
-              <a:t>长长长</a:t>
-            </a:r>
-            <a:r>
-              <a:rPr b="1"/>
-              <a:t>长长 long 长长</a:t>
-            </a:r>
-            <a:r>
-              <a:rPr/>
-              <a:t>长长长长长</a:t>
-            </a:r>
-            <a:r>
-              <a:rPr i="1"/>
-              <a:t>长长 long 长长</a:t>
-            </a:r>
-            <a:r>
-              <a:rPr/>
-              <a:t>长长长长长长长长长长长长长长长长长长长长长长长长长长长句子．</a:t>
-            </a:r>
-          </a:p>
-          <a:p>
-            <a:pPr lvl="0" indent="0" marL="0">
-              <a:buNone/>
-            </a:pPr>
-            <a:r>
-              <a:rPr/>
-              <a:t>长长长长长长长长长长长长长长长长长长长长长长长长长长长长长长长长长长长长长长长长长长长段落．</a:t>
             </a:r>
           </a:p>
         </p:txBody>
@@ -4275,7 +4887,7 @@
             <a:spLocks noGrp="1"/>
           </p:cNvSpPr>
           <p:nvPr>
-            <p:ph idx="1" sz="half"/>
+            <p:ph idx="1"/>
           </p:nvPr>
         </p:nvSpPr>
         <p:spPr/>
@@ -4283,47 +4895,37 @@
           <a:bodyPr/>
           <a:lstStyle/>
           <a:p>
-            <a:pPr lvl="0"/>
+            <a:pPr lvl="0" indent="0" marL="0">
+              <a:buNone/>
+            </a:pPr>
             <a:r>
               <a:rPr/>
-              <a:t>左栏．</a:t>
-            </a:r>
-          </a:p>
-          <a:p>
-            <a:pPr lvl="0"/>
+              <a:t>长长长</a:t>
+            </a:r>
+            <a:r>
+              <a:rPr b="1"/>
+              <a:t>长长 long 长长</a:t>
+            </a:r>
             <a:r>
               <a:rPr/>
-              <a:t>窄窄窄窄窄窄窄窄窄窄窄窄窄窄窄窄窄的左栏．</a:t>
-            </a:r>
-          </a:p>
-        </p:txBody>
-      </p:sp>
-      <p:sp>
-        <p:nvSpPr>
-          <p:cNvPr id="4" name="Content Placeholder 3"/>
-          <p:cNvSpPr>
-            <a:spLocks noGrp="1"/>
-          </p:cNvSpPr>
-          <p:nvPr>
-            <p:ph idx="2" sz="half"/>
-          </p:nvPr>
-        </p:nvSpPr>
-        <p:spPr/>
-        <p:txBody>
-          <a:bodyPr/>
-          <a:lstStyle/>
-          <a:p>
-            <a:pPr lvl="0"/>
+              <a:t>长长长长长</a:t>
+            </a:r>
+            <a:r>
+              <a:rPr i="1"/>
+              <a:t>长长 long 长长</a:t>
+            </a:r>
             <a:r>
               <a:rPr/>
-              <a:t>右栏．</a:t>
-            </a:r>
-          </a:p>
-          <a:p>
-            <a:pPr lvl="0"/>
+              <a:t>长长长长长长长长长长长长长长长长长长长长长长长长长长长句子．</a:t>
+            </a:r>
+          </a:p>
+          <a:p>
+            <a:pPr lvl="0" indent="0" marL="0">
+              <a:buNone/>
+            </a:pPr>
             <a:r>
               <a:rPr/>
-              <a:t>宽宽宽宽宽宽宽宽宽宽宽宽宽宽宽宽宽宽宽宽宽宽宽宽宽宽宽宽宽宽宽的右栏．</a:t>
+              <a:t>长长长长长长长长长长长长长长长长长长长长长长长长长长长长长长长长长长长长长长长长长长长段落．</a:t>
             </a:r>
           </a:p>
         </p:txBody>
@@ -4352,6 +4954,88 @@
       </p:grpSpPr>
       <p:sp>
         <p:nvSpPr>
+          <p:cNvPr id="3" name="Content Placeholder 2"/>
+          <p:cNvSpPr>
+            <a:spLocks noGrp="1"/>
+          </p:cNvSpPr>
+          <p:nvPr>
+            <p:ph idx="1" sz="half"/>
+          </p:nvPr>
+        </p:nvSpPr>
+        <p:spPr/>
+        <p:txBody>
+          <a:bodyPr/>
+          <a:lstStyle/>
+          <a:p>
+            <a:pPr lvl="0"/>
+            <a:r>
+              <a:rPr/>
+              <a:t>左栏．</a:t>
+            </a:r>
+          </a:p>
+          <a:p>
+            <a:pPr lvl="0"/>
+            <a:r>
+              <a:rPr/>
+              <a:t>窄窄窄窄窄窄窄窄窄窄窄窄窄窄窄窄窄的左栏．</a:t>
+            </a:r>
+          </a:p>
+        </p:txBody>
+      </p:sp>
+      <p:sp>
+        <p:nvSpPr>
+          <p:cNvPr id="4" name="Content Placeholder 3"/>
+          <p:cNvSpPr>
+            <a:spLocks noGrp="1"/>
+          </p:cNvSpPr>
+          <p:nvPr>
+            <p:ph idx="2" sz="half"/>
+          </p:nvPr>
+        </p:nvSpPr>
+        <p:spPr/>
+        <p:txBody>
+          <a:bodyPr/>
+          <a:lstStyle/>
+          <a:p>
+            <a:pPr lvl="0"/>
+            <a:r>
+              <a:rPr/>
+              <a:t>右栏．</a:t>
+            </a:r>
+          </a:p>
+          <a:p>
+            <a:pPr lvl="0"/>
+            <a:r>
+              <a:rPr/>
+              <a:t>宽宽宽宽宽宽宽宽宽宽宽宽宽宽宽宽宽宽宽宽宽宽宽宽宽宽宽宽宽宽宽的右栏．</a:t>
+            </a:r>
+          </a:p>
+        </p:txBody>
+      </p:sp>
+    </p:spTree>
+  </p:cSld>
+</p:sld>
+</file>
+
+<file path=ppt/slides/slide6.xml><?xml version="1.0" encoding="utf-8"?>
+<p:sld xmlns:a="http://schemas.openxmlformats.org/drawingml/2006/main" xmlns:r="http://schemas.openxmlformats.org/officeDocument/2006/relationships" xmlns:p="http://schemas.openxmlformats.org/presentationml/2006/main">
+  <p:cSld>
+    <p:spTree>
+      <p:nvGrpSpPr>
+        <p:cNvPr id="1" name=""/>
+        <p:cNvGrpSpPr/>
+        <p:nvPr/>
+      </p:nvGrpSpPr>
+      <p:grpSpPr>
+        <a:xfrm>
+          <a:off x="0" y="0"/>
+          <a:ext cx="0" cy="0"/>
+          <a:chOff x="0" y="0"/>
+          <a:chExt cx="0" cy="0"/>
+        </a:xfrm>
+      </p:grpSpPr>
+      <p:sp>
+        <p:nvSpPr>
           <p:cNvPr id="2" name="Title 1"/>
           <p:cNvSpPr>
             <a:spLocks noGrp="1"/>
@@ -4360,7 +5044,12 @@
             <p:ph type="title"/>
           </p:nvPr>
         </p:nvSpPr>
-        <p:spPr/>
+        <p:spPr>
+          <a:xfrm>
+            <a:off x="722313" y="3305176"/>
+            <a:ext cx="7772400" cy="1021556"/>
+          </a:xfrm>
+        </p:spPr>
         <p:txBody>
           <a:bodyPr/>
           <a:lstStyle/>
@@ -4375,6 +5064,28 @@
           </a:p>
         </p:txBody>
       </p:sp>
+    </p:spTree>
+  </p:cSld>
+</p:sld>
+</file>
+
+<file path=ppt/slides/slide7.xml><?xml version="1.0" encoding="utf-8"?>
+<p:sld xmlns:a="http://schemas.openxmlformats.org/drawingml/2006/main" xmlns:r="http://schemas.openxmlformats.org/officeDocument/2006/relationships" xmlns:p="http://schemas.openxmlformats.org/presentationml/2006/main">
+  <p:cSld>
+    <p:spTree>
+      <p:nvGrpSpPr>
+        <p:cNvPr id="1" name=""/>
+        <p:cNvGrpSpPr/>
+        <p:nvPr/>
+      </p:nvGrpSpPr>
+      <p:grpSpPr>
+        <a:xfrm>
+          <a:off x="0" y="0"/>
+          <a:ext cx="0" cy="0"/>
+          <a:chOff x="0" y="0"/>
+          <a:chExt cx="0" cy="0"/>
+        </a:xfrm>
+      </p:grpSpPr>
       <mc:AlternateContent xmlns:mc="http://schemas.openxmlformats.org/markup-compatibility/2006">
         <mc:Choice xmlns:a14="http://schemas.microsoft.com/office/drawing/2010/main" Requires="a14">
           <p:sp>
@@ -4608,140 +5319,6 @@
 </p:sld>
 </file>
 
-<file path=ppt/slides/slide6.xml><?xml version="1.0" encoding="utf-8"?>
-<p:sld xmlns:a="http://schemas.openxmlformats.org/drawingml/2006/main" xmlns:r="http://schemas.openxmlformats.org/officeDocument/2006/relationships" xmlns:p="http://schemas.openxmlformats.org/presentationml/2006/main">
-  <p:cSld>
-    <p:spTree>
-      <p:nvGrpSpPr>
-        <p:cNvPr id="1" name=""/>
-        <p:cNvGrpSpPr/>
-        <p:nvPr/>
-      </p:nvGrpSpPr>
-      <p:grpSpPr>
-        <a:xfrm>
-          <a:off x="0" y="0"/>
-          <a:ext cx="0" cy="0"/>
-          <a:chOff x="0" y="0"/>
-          <a:chExt cx="0" cy="0"/>
-        </a:xfrm>
-      </p:grpSpPr>
-      <p:sp>
-        <p:nvSpPr>
-          <p:cNvPr id="2" name="Title 1"/>
-          <p:cNvSpPr>
-            <a:spLocks noGrp="1"/>
-          </p:cNvSpPr>
-          <p:nvPr>
-            <p:ph type="title"/>
-          </p:nvPr>
-        </p:nvSpPr>
-        <p:spPr/>
-        <p:txBody>
-          <a:bodyPr/>
-          <a:lstStyle/>
-          <a:p>
-            <a:pPr lvl="0" indent="0" marL="0">
-              <a:buNone/>
-            </a:pPr>
-            <a:r>
-              <a:rPr/>
-              <a:t>引用</a:t>
-            </a:r>
-          </a:p>
-        </p:txBody>
-      </p:sp>
-      <p:sp>
-        <p:nvSpPr>
-          <p:cNvPr id="3" name="Content Placeholder 2"/>
-          <p:cNvSpPr>
-            <a:spLocks noGrp="1"/>
-          </p:cNvSpPr>
-          <p:nvPr>
-            <p:ph idx="1"/>
-          </p:nvPr>
-        </p:nvSpPr>
-        <p:spPr/>
-        <p:txBody>
-          <a:bodyPr/>
-          <a:lstStyle/>
-          <a:p>
-            <a:pPr lvl="0" indent="0" marL="0">
-              <a:buNone/>
-            </a:pPr>
-            <a:r>
-              <a:rPr/>
-              <a:t>哇[1, p.1]．哇哦[2], [3]．嗨</a:t>
-            </a:r>
-            <a:r>
-              <a:rPr baseline="30000">
-                <a:hlinkClick r:id="rId2" action="ppaction://hlinksldjump"/>
-              </a:rPr>
-              <a:t>1</a:t>
-            </a:r>
-            <a:r>
-              <a:rPr/>
-              <a:t>．</a:t>
-            </a:r>
-          </a:p>
-        </p:txBody>
-      </p:sp>
-    </p:spTree>
-  </p:cSld>
-</p:sld>
-</file>
-
-<file path=ppt/slides/slide7.xml><?xml version="1.0" encoding="utf-8"?>
-<p:sld xmlns:a="http://schemas.openxmlformats.org/drawingml/2006/main" xmlns:r="http://schemas.openxmlformats.org/officeDocument/2006/relationships" xmlns:p="http://schemas.openxmlformats.org/presentationml/2006/main">
-  <p:cSld>
-    <p:spTree>
-      <p:nvGrpSpPr>
-        <p:cNvPr id="1" name=""/>
-        <p:cNvGrpSpPr/>
-        <p:nvPr/>
-      </p:nvGrpSpPr>
-      <p:grpSpPr>
-        <a:xfrm>
-          <a:off x="0" y="0"/>
-          <a:ext cx="0" cy="0"/>
-          <a:chOff x="0" y="0"/>
-          <a:chExt cx="0" cy="0"/>
-        </a:xfrm>
-      </p:grpSpPr>
-      <p:sp>
-        <p:nvSpPr>
-          <p:cNvPr id="2" name="Title 1"/>
-          <p:cNvSpPr>
-            <a:spLocks noGrp="1"/>
-          </p:cNvSpPr>
-          <p:nvPr>
-            <p:ph type="title"/>
-          </p:nvPr>
-        </p:nvSpPr>
-        <p:spPr>
-          <a:xfrm>
-            <a:off x="722313" y="3305176"/>
-            <a:ext cx="7772400" cy="1021556"/>
-          </a:xfrm>
-        </p:spPr>
-        <p:txBody>
-          <a:bodyPr/>
-          <a:lstStyle/>
-          <a:p>
-            <a:pPr lvl="0" indent="0" marL="0">
-              <a:buNone/>
-            </a:pPr>
-            <a:r>
-              <a:rPr/>
-              <a:t>Section B</a:t>
-            </a:r>
-          </a:p>
-        </p:txBody>
-      </p:sp>
-    </p:spTree>
-  </p:cSld>
-</p:sld>
-</file>
-
 <file path=ppt/slides/slide8.xml><?xml version="1.0" encoding="utf-8"?>
 <p:sld xmlns:a="http://schemas.openxmlformats.org/drawingml/2006/main" xmlns:r="http://schemas.openxmlformats.org/officeDocument/2006/relationships" xmlns:p="http://schemas.openxmlformats.org/presentationml/2006/main">
   <p:cSld>
@@ -4784,7 +5361,7 @@
             </a:pPr>
             <a:r>
               <a:rPr/>
-              <a:t>Subsection 1</a:t>
+              <a:t>引用</a:t>
             </a:r>
           </a:p>
         </p:txBody>
@@ -4813,12 +5390,12 @@
       </p:grpSpPr>
       <p:sp>
         <p:nvSpPr>
-          <p:cNvPr id="2" name="Title 1"/>
-          <p:cNvSpPr>
-            <a:spLocks noGrp="1"/>
-          </p:cNvSpPr>
-          <p:nvPr>
-            <p:ph type="title"/>
+          <p:cNvPr id="3" name="Content Placeholder 2"/>
+          <p:cNvSpPr>
+            <a:spLocks noGrp="1"/>
+          </p:cNvSpPr>
+          <p:nvPr>
+            <p:ph idx="1"/>
           </p:nvPr>
         </p:nvSpPr>
         <p:spPr/>
@@ -4831,365 +5408,17 @@
             </a:pPr>
             <a:r>
               <a:rPr/>
-              <a:t>代码块</a:t>
-            </a:r>
-          </a:p>
-        </p:txBody>
-      </p:sp>
-      <p:sp>
-        <p:nvSpPr>
-          <p:cNvPr id="3" name="Content Placeholder 2"/>
-          <p:cNvSpPr>
-            <a:spLocks noGrp="1"/>
-          </p:cNvSpPr>
-          <p:nvPr>
-            <p:ph idx="1"/>
-          </p:nvPr>
-        </p:nvSpPr>
-        <p:spPr/>
-        <p:txBody>
-          <a:bodyPr/>
-          <a:lstStyle/>
-          <a:p>
-            <a:pPr lvl="0" indent="0" marL="0">
-              <a:buNone/>
-            </a:pPr>
+              <a:t>哇[1, p.1]．哇哦[2], [3]．嗨</a:t>
+            </a:r>
+            <a:r>
+              <a:rPr baseline="30000">
+                <a:hlinkClick r:id="rId2" action="ppaction://hlinksldjump"/>
+              </a:rPr>
+              <a:t>1</a:t>
+            </a:r>
             <a:r>
               <a:rPr/>
-              <a:t>行间代码 </a:t>
-            </a:r>
-            <a:r>
-              <a:rPr>
-                <a:latin typeface="Courier"/>
-              </a:rPr>
-              <a:t>print("Hello, SunQuarTeX")</a:t>
-            </a:r>
-            <a:r>
-              <a:rPr/>
-              <a:t>.</a:t>
-            </a:r>
-          </a:p>
-          <a:p>
-            <a:pPr lvl="0" indent="0">
-              <a:buNone/>
-            </a:pPr>
-            <a:r>
-              <a:rPr>
-                <a:solidFill>
-                  <a:srgbClr val="AD0000"/>
-                </a:solidFill>
-                <a:latin typeface="Courier"/>
-              </a:rPr>
-              <a:t>#include</a:t>
-            </a:r>
-            <a:r>
-              <a:rPr>
-                <a:solidFill>
-                  <a:srgbClr val="00769E"/>
-                </a:solidFill>
-                <a:latin typeface="Courier"/>
-              </a:rPr>
-              <a:t>&lt;bits/stdc++.h&gt;</a:t>
-            </a:r>
-            <a:br/>
-            <a:r>
-              <a:rPr b="1">
-                <a:solidFill>
-                  <a:srgbClr val="003B4F"/>
-                </a:solidFill>
-                <a:latin typeface="Courier"/>
-              </a:rPr>
-              <a:t>using</a:t>
-            </a:r>
-            <a:r>
-              <a:rPr>
-                <a:solidFill>
-                  <a:srgbClr val="003B4F"/>
-                </a:solidFill>
-                <a:latin typeface="Courier"/>
-              </a:rPr>
-              <a:t> </a:t>
-            </a:r>
-            <a:r>
-              <a:rPr b="1">
-                <a:solidFill>
-                  <a:srgbClr val="003B4F"/>
-                </a:solidFill>
-                <a:latin typeface="Courier"/>
-              </a:rPr>
-              <a:t>namespace</a:t>
-            </a:r>
-            <a:r>
-              <a:rPr>
-                <a:solidFill>
-                  <a:srgbClr val="003B4F"/>
-                </a:solidFill>
-                <a:latin typeface="Courier"/>
-              </a:rPr>
-              <a:t> std</a:t>
-            </a:r>
-            <a:r>
-              <a:rPr>
-                <a:solidFill>
-                  <a:srgbClr val="5E5E5E"/>
-                </a:solidFill>
-                <a:latin typeface="Courier"/>
-              </a:rPr>
-              <a:t>;</a:t>
-            </a:r>
-            <a:br/>
-            <a:br/>
-            <a:r>
-              <a:rPr>
-                <a:solidFill>
-                  <a:srgbClr val="AD0000"/>
-                </a:solidFill>
-                <a:latin typeface="Courier"/>
-              </a:rPr>
-              <a:t>int</a:t>
-            </a:r>
-            <a:r>
-              <a:rPr>
-                <a:solidFill>
-                  <a:srgbClr val="003B4F"/>
-                </a:solidFill>
-                <a:latin typeface="Courier"/>
-              </a:rPr>
-              <a:t> main</a:t>
-            </a:r>
-            <a:r>
-              <a:rPr>
-                <a:solidFill>
-                  <a:srgbClr val="5E5E5E"/>
-                </a:solidFill>
-                <a:latin typeface="Courier"/>
-              </a:rPr>
-              <a:t>(){</a:t>
-            </a:r>
-            <a:br/>
-            <a:r>
-              <a:rPr>
-                <a:solidFill>
-                  <a:srgbClr val="003B4F"/>
-                </a:solidFill>
-                <a:latin typeface="Courier"/>
-              </a:rPr>
-              <a:t>    </a:t>
-            </a:r>
-            <a:r>
-              <a:rPr b="1">
-                <a:solidFill>
-                  <a:srgbClr val="003B4F"/>
-                </a:solidFill>
-                <a:latin typeface="Courier"/>
-              </a:rPr>
-              <a:t>return</a:t>
-            </a:r>
-            <a:r>
-              <a:rPr>
-                <a:solidFill>
-                  <a:srgbClr val="003B4F"/>
-                </a:solidFill>
-                <a:latin typeface="Courier"/>
-              </a:rPr>
-              <a:t> </a:t>
-            </a:r>
-            <a:r>
-              <a:rPr>
-                <a:solidFill>
-                  <a:srgbClr val="AD0000"/>
-                </a:solidFill>
-                <a:latin typeface="Courier"/>
-              </a:rPr>
-              <a:t>0</a:t>
-            </a:r>
-            <a:r>
-              <a:rPr>
-                <a:solidFill>
-                  <a:srgbClr val="5E5E5E"/>
-                </a:solidFill>
-                <a:latin typeface="Courier"/>
-              </a:rPr>
-              <a:t>;</a:t>
-            </a:r>
-            <a:r>
-              <a:rPr>
-                <a:solidFill>
-                  <a:srgbClr val="003B4F"/>
-                </a:solidFill>
-                <a:latin typeface="Courier"/>
-              </a:rPr>
-              <a:t> </a:t>
-            </a:r>
-            <a:r>
-              <a:rPr>
-                <a:solidFill>
-                  <a:srgbClr val="5E5E5E"/>
-                </a:solidFill>
-                <a:latin typeface="Courier"/>
-              </a:rPr>
-              <a:t>// 返回 0</a:t>
-            </a:r>
-            <a:br/>
-            <a:r>
-              <a:rPr>
-                <a:solidFill>
-                  <a:srgbClr val="5E5E5E"/>
-                </a:solidFill>
-                <a:latin typeface="Courier"/>
-              </a:rPr>
-              <a:t>}</a:t>
-            </a:r>
-          </a:p>
-          <a:p>
-            <a:pPr lvl="0" indent="0">
-              <a:buNone/>
-            </a:pPr>
-            <a:r>
-              <a:rPr b="1">
-                <a:solidFill>
-                  <a:srgbClr val="003B4F"/>
-                </a:solidFill>
-                <a:latin typeface="Courier"/>
-              </a:rPr>
-              <a:t>example</a:t>
-            </a:r>
-            <a:r>
-              <a:rPr>
-                <a:solidFill>
-                  <a:srgbClr val="003B4F"/>
-                </a:solidFill>
-                <a:latin typeface="Courier"/>
-              </a:rPr>
-              <a:t> : (</a:t>
-            </a:r>
-            <a:r>
-              <a:rPr b="1">
-                <a:solidFill>
-                  <a:srgbClr val="003B4F"/>
-                </a:solidFill>
-                <a:latin typeface="Courier"/>
-              </a:rPr>
-              <a:t>∀</a:t>
-            </a:r>
-            <a:r>
-              <a:rPr>
-                <a:solidFill>
-                  <a:srgbClr val="003B4F"/>
-                </a:solidFill>
-                <a:latin typeface="Courier"/>
-              </a:rPr>
-              <a:t> x, p x → r) → ((</a:t>
-            </a:r>
-            <a:r>
-              <a:rPr b="1">
-                <a:solidFill>
-                  <a:srgbClr val="003B4F"/>
-                </a:solidFill>
-                <a:latin typeface="Courier"/>
-              </a:rPr>
-              <a:t>∃</a:t>
-            </a:r>
-            <a:r>
-              <a:rPr>
-                <a:solidFill>
-                  <a:srgbClr val="003B4F"/>
-                </a:solidFill>
-                <a:latin typeface="Courier"/>
-              </a:rPr>
-              <a:t> x, p x) → r) </a:t>
-            </a:r>
-            <a:r>
-              <a:rPr>
-                <a:solidFill>
-                  <a:srgbClr val="5E5E5E"/>
-                </a:solidFill>
-                <a:latin typeface="Courier"/>
-              </a:rPr>
-              <a:t>:=</a:t>
-            </a:r>
-            <a:r>
-              <a:rPr>
-                <a:solidFill>
-                  <a:srgbClr val="003B4F"/>
-                </a:solidFill>
-                <a:latin typeface="Courier"/>
-              </a:rPr>
-              <a:t> </a:t>
-            </a:r>
-            <a:r>
-              <a:rPr b="1">
-                <a:solidFill>
-                  <a:srgbClr val="003B4F"/>
-                </a:solidFill>
-                <a:latin typeface="Courier"/>
-              </a:rPr>
-              <a:t>by</a:t>
-            </a:r>
-            <a:br/>
-            <a:r>
-              <a:rPr>
-                <a:solidFill>
-                  <a:srgbClr val="003B4F"/>
-                </a:solidFill>
-                <a:latin typeface="Courier"/>
-              </a:rPr>
-              <a:t>  </a:t>
-            </a:r>
-            <a:r>
-              <a:rPr>
-                <a:solidFill>
-                  <a:srgbClr val="4758AB"/>
-                </a:solidFill>
-                <a:latin typeface="Courier"/>
-              </a:rPr>
-              <a:t>intro</a:t>
-            </a:r>
-            <a:r>
-              <a:rPr>
-                <a:solidFill>
-                  <a:srgbClr val="003B4F"/>
-                </a:solidFill>
-                <a:latin typeface="Courier"/>
-              </a:rPr>
-              <a:t> h ⟨a, hpa⟩ </a:t>
-            </a:r>
-            <a:r>
-              <a:rPr>
-                <a:solidFill>
-                  <a:srgbClr val="5E5E5E"/>
-                </a:solidFill>
-                <a:latin typeface="Courier"/>
-              </a:rPr>
-              <a:t>-- you may also `rcases` explicitly</a:t>
-            </a:r>
-            <a:br/>
-            <a:r>
-              <a:rPr>
-                <a:solidFill>
-                  <a:srgbClr val="003B4F"/>
-                </a:solidFill>
-                <a:latin typeface="Courier"/>
-              </a:rPr>
-              <a:t>  </a:t>
-            </a:r>
-            <a:r>
-              <a:rPr>
-                <a:solidFill>
-                  <a:srgbClr val="4758AB"/>
-                </a:solidFill>
-                <a:latin typeface="Courier"/>
-              </a:rPr>
-              <a:t>exact</a:t>
-            </a:r>
-            <a:r>
-              <a:rPr>
-                <a:solidFill>
-                  <a:srgbClr val="003B4F"/>
-                </a:solidFill>
-                <a:latin typeface="Courier"/>
-              </a:rPr>
-              <a:t> h a hpa</a:t>
+              <a:t>．</a:t>
             </a:r>
           </a:p>
         </p:txBody>

--- a/examples/cnpre.pptx
+++ b/examples/cnpre.pptx
@@ -22,14 +22,6 @@
     <p:sldId id="270" r:id="rId16"/>
     <p:sldId id="271" r:id="rId17"/>
     <p:sldId id="272" r:id="rId18"/>
-    <p:sldId id="273" r:id="rId19"/>
-    <p:sldId id="274" r:id="rId20"/>
-    <p:sldId id="275" r:id="rId21"/>
-    <p:sldId id="276" r:id="rId22"/>
-    <p:sldId id="277" r:id="rId23"/>
-    <p:sldId id="278" r:id="rId24"/>
-    <p:sldId id="279" r:id="rId25"/>
-    <p:sldId id="280" r:id="rId26"/>
   </p:sldIdLst>
   <p:sldSz cx="9144000" cy="5143500" type="screen16x9"/>
   <p:notesSz cx="6858000" cy="9144000"/>
@@ -3237,12 +3229,7 @@
             <p:ph type="title"/>
           </p:nvPr>
         </p:nvSpPr>
-        <p:spPr>
-          <a:xfrm>
-            <a:off x="722313" y="3305176"/>
-            <a:ext cx="7772400" cy="1021556"/>
-          </a:xfrm>
-        </p:spPr>
+        <p:spPr/>
         <p:txBody>
           <a:bodyPr/>
           <a:lstStyle/>
@@ -3252,7 +3239,32 @@
             </a:pPr>
             <a:r>
               <a:rPr/>
-              <a:t>Section B</a:t>
+              <a:t>表</a:t>
+            </a:r>
+          </a:p>
+        </p:txBody>
+      </p:sp>
+      <p:sp>
+        <p:nvSpPr>
+          <p:cNvPr id="3" name="Content Placeholder 2"/>
+          <p:cNvSpPr>
+            <a:spLocks noGrp="1"/>
+          </p:cNvSpPr>
+          <p:nvPr>
+            <p:ph idx="1"/>
+          </p:nvPr>
+        </p:nvSpPr>
+        <p:spPr/>
+        <p:txBody>
+          <a:bodyPr/>
+          <a:lstStyle/>
+          <a:p>
+            <a:pPr lvl="0" indent="0" marL="0">
+              <a:buNone/>
+            </a:pPr>
+            <a:r>
+              <a:rPr/>
+              <a:t>引用一下 表 1 (a)．</a:t>
             </a:r>
           </a:p>
         </p:txBody>
@@ -3289,595 +3301,7 @@
             <p:ph type="title"/>
           </p:nvPr>
         </p:nvSpPr>
-        <p:spPr>
-          <a:xfrm>
-            <a:off x="722313" y="3305176"/>
-            <a:ext cx="7772400" cy="1021556"/>
-          </a:xfrm>
-        </p:spPr>
-        <p:txBody>
-          <a:bodyPr/>
-          <a:lstStyle/>
-          <a:p>
-            <a:pPr lvl="0" indent="0" marL="0">
-              <a:buNone/>
-            </a:pPr>
-            <a:r>
-              <a:rPr/>
-              <a:t>Subsection 1</a:t>
-            </a:r>
-          </a:p>
-        </p:txBody>
-      </p:sp>
-    </p:spTree>
-  </p:cSld>
-</p:sld>
-</file>
-
-<file path=ppt/slides/slide12.xml><?xml version="1.0" encoding="utf-8"?>
-<p:sld xmlns:a="http://schemas.openxmlformats.org/drawingml/2006/main" xmlns:r="http://schemas.openxmlformats.org/officeDocument/2006/relationships" xmlns:p="http://schemas.openxmlformats.org/presentationml/2006/main">
-  <p:cSld>
-    <p:spTree>
-      <p:nvGrpSpPr>
-        <p:cNvPr id="1" name=""/>
-        <p:cNvGrpSpPr/>
-        <p:nvPr/>
-      </p:nvGrpSpPr>
-      <p:grpSpPr>
-        <a:xfrm>
-          <a:off x="0" y="0"/>
-          <a:ext cx="0" cy="0"/>
-          <a:chOff x="0" y="0"/>
-          <a:chExt cx="0" cy="0"/>
-        </a:xfrm>
-      </p:grpSpPr>
-      <p:sp>
-        <p:nvSpPr>
-          <p:cNvPr id="2" name="Title 1"/>
-          <p:cNvSpPr>
-            <a:spLocks noGrp="1"/>
-          </p:cNvSpPr>
-          <p:nvPr>
-            <p:ph type="title"/>
-          </p:nvPr>
-        </p:nvSpPr>
-        <p:spPr>
-          <a:xfrm>
-            <a:off x="722313" y="3305176"/>
-            <a:ext cx="7772400" cy="1021556"/>
-          </a:xfrm>
-        </p:spPr>
-        <p:txBody>
-          <a:bodyPr/>
-          <a:lstStyle/>
-          <a:p>
-            <a:pPr lvl="0" indent="0" marL="0">
-              <a:buNone/>
-            </a:pPr>
-            <a:r>
-              <a:rPr/>
-              <a:t>代码块</a:t>
-            </a:r>
-          </a:p>
-        </p:txBody>
-      </p:sp>
-    </p:spTree>
-  </p:cSld>
-</p:sld>
-</file>
-
-<file path=ppt/slides/slide13.xml><?xml version="1.0" encoding="utf-8"?>
-<p:sld xmlns:a="http://schemas.openxmlformats.org/drawingml/2006/main" xmlns:r="http://schemas.openxmlformats.org/officeDocument/2006/relationships" xmlns:p="http://schemas.openxmlformats.org/presentationml/2006/main">
-  <p:cSld>
-    <p:spTree>
-      <p:nvGrpSpPr>
-        <p:cNvPr id="1" name=""/>
-        <p:cNvGrpSpPr/>
-        <p:nvPr/>
-      </p:nvGrpSpPr>
-      <p:grpSpPr>
-        <a:xfrm>
-          <a:off x="0" y="0"/>
-          <a:ext cx="0" cy="0"/>
-          <a:chOff x="0" y="0"/>
-          <a:chExt cx="0" cy="0"/>
-        </a:xfrm>
-      </p:grpSpPr>
-      <p:sp>
-        <p:nvSpPr>
-          <p:cNvPr id="3" name="Content Placeholder 2"/>
-          <p:cNvSpPr>
-            <a:spLocks noGrp="1"/>
-          </p:cNvSpPr>
-          <p:nvPr>
-            <p:ph idx="1"/>
-          </p:nvPr>
-        </p:nvSpPr>
-        <p:spPr/>
-        <p:txBody>
-          <a:bodyPr/>
-          <a:lstStyle/>
-          <a:p>
-            <a:pPr lvl="0" indent="0" marL="0">
-              <a:buNone/>
-            </a:pPr>
-            <a:r>
-              <a:rPr/>
-              <a:t>行间代码 </a:t>
-            </a:r>
-            <a:r>
-              <a:rPr>
-                <a:latin typeface="Courier"/>
-              </a:rPr>
-              <a:t>print("Hello, SunQuarTeX")</a:t>
-            </a:r>
-            <a:r>
-              <a:rPr/>
-              <a:t>.</a:t>
-            </a:r>
-          </a:p>
-          <a:p>
-            <a:pPr lvl="0" indent="0">
-              <a:buNone/>
-            </a:pPr>
-            <a:r>
-              <a:rPr>
-                <a:solidFill>
-                  <a:srgbClr val="AD0000"/>
-                </a:solidFill>
-                <a:latin typeface="Courier"/>
-              </a:rPr>
-              <a:t>#include</a:t>
-            </a:r>
-            <a:r>
-              <a:rPr>
-                <a:solidFill>
-                  <a:srgbClr val="00769E"/>
-                </a:solidFill>
-                <a:latin typeface="Courier"/>
-              </a:rPr>
-              <a:t>&lt;bits/stdc++.h&gt;</a:t>
-            </a:r>
-            <a:br/>
-            <a:r>
-              <a:rPr b="1">
-                <a:solidFill>
-                  <a:srgbClr val="003B4F"/>
-                </a:solidFill>
-                <a:latin typeface="Courier"/>
-              </a:rPr>
-              <a:t>using</a:t>
-            </a:r>
-            <a:r>
-              <a:rPr>
-                <a:solidFill>
-                  <a:srgbClr val="003B4F"/>
-                </a:solidFill>
-                <a:latin typeface="Courier"/>
-              </a:rPr>
-              <a:t> </a:t>
-            </a:r>
-            <a:r>
-              <a:rPr b="1">
-                <a:solidFill>
-                  <a:srgbClr val="003B4F"/>
-                </a:solidFill>
-                <a:latin typeface="Courier"/>
-              </a:rPr>
-              <a:t>namespace</a:t>
-            </a:r>
-            <a:r>
-              <a:rPr>
-                <a:solidFill>
-                  <a:srgbClr val="003B4F"/>
-                </a:solidFill>
-                <a:latin typeface="Courier"/>
-              </a:rPr>
-              <a:t> std</a:t>
-            </a:r>
-            <a:r>
-              <a:rPr>
-                <a:solidFill>
-                  <a:srgbClr val="5E5E5E"/>
-                </a:solidFill>
-                <a:latin typeface="Courier"/>
-              </a:rPr>
-              <a:t>;</a:t>
-            </a:r>
-            <a:br/>
-            <a:br/>
-            <a:r>
-              <a:rPr>
-                <a:solidFill>
-                  <a:srgbClr val="AD0000"/>
-                </a:solidFill>
-                <a:latin typeface="Courier"/>
-              </a:rPr>
-              <a:t>int</a:t>
-            </a:r>
-            <a:r>
-              <a:rPr>
-                <a:solidFill>
-                  <a:srgbClr val="003B4F"/>
-                </a:solidFill>
-                <a:latin typeface="Courier"/>
-              </a:rPr>
-              <a:t> main</a:t>
-            </a:r>
-            <a:r>
-              <a:rPr>
-                <a:solidFill>
-                  <a:srgbClr val="5E5E5E"/>
-                </a:solidFill>
-                <a:latin typeface="Courier"/>
-              </a:rPr>
-              <a:t>(){</a:t>
-            </a:r>
-            <a:br/>
-            <a:r>
-              <a:rPr>
-                <a:solidFill>
-                  <a:srgbClr val="003B4F"/>
-                </a:solidFill>
-                <a:latin typeface="Courier"/>
-              </a:rPr>
-              <a:t>    </a:t>
-            </a:r>
-            <a:r>
-              <a:rPr b="1">
-                <a:solidFill>
-                  <a:srgbClr val="003B4F"/>
-                </a:solidFill>
-                <a:latin typeface="Courier"/>
-              </a:rPr>
-              <a:t>return</a:t>
-            </a:r>
-            <a:r>
-              <a:rPr>
-                <a:solidFill>
-                  <a:srgbClr val="003B4F"/>
-                </a:solidFill>
-                <a:latin typeface="Courier"/>
-              </a:rPr>
-              <a:t> </a:t>
-            </a:r>
-            <a:r>
-              <a:rPr>
-                <a:solidFill>
-                  <a:srgbClr val="AD0000"/>
-                </a:solidFill>
-                <a:latin typeface="Courier"/>
-              </a:rPr>
-              <a:t>0</a:t>
-            </a:r>
-            <a:r>
-              <a:rPr>
-                <a:solidFill>
-                  <a:srgbClr val="5E5E5E"/>
-                </a:solidFill>
-                <a:latin typeface="Courier"/>
-              </a:rPr>
-              <a:t>;</a:t>
-            </a:r>
-            <a:r>
-              <a:rPr>
-                <a:solidFill>
-                  <a:srgbClr val="003B4F"/>
-                </a:solidFill>
-                <a:latin typeface="Courier"/>
-              </a:rPr>
-              <a:t> </a:t>
-            </a:r>
-            <a:r>
-              <a:rPr>
-                <a:solidFill>
-                  <a:srgbClr val="5E5E5E"/>
-                </a:solidFill>
-                <a:latin typeface="Courier"/>
-              </a:rPr>
-              <a:t>// 返回 0</a:t>
-            </a:r>
-            <a:br/>
-            <a:r>
-              <a:rPr>
-                <a:solidFill>
-                  <a:srgbClr val="5E5E5E"/>
-                </a:solidFill>
-                <a:latin typeface="Courier"/>
-              </a:rPr>
-              <a:t>}</a:t>
-            </a:r>
-          </a:p>
-          <a:p>
-            <a:pPr lvl="0" indent="0">
-              <a:buNone/>
-            </a:pPr>
-            <a:r>
-              <a:rPr b="1">
-                <a:solidFill>
-                  <a:srgbClr val="003B4F"/>
-                </a:solidFill>
-                <a:latin typeface="Courier"/>
-              </a:rPr>
-              <a:t>example</a:t>
-            </a:r>
-            <a:r>
-              <a:rPr>
-                <a:solidFill>
-                  <a:srgbClr val="003B4F"/>
-                </a:solidFill>
-                <a:latin typeface="Courier"/>
-              </a:rPr>
-              <a:t> : (</a:t>
-            </a:r>
-            <a:r>
-              <a:rPr b="1">
-                <a:solidFill>
-                  <a:srgbClr val="003B4F"/>
-                </a:solidFill>
-                <a:latin typeface="Courier"/>
-              </a:rPr>
-              <a:t>∀</a:t>
-            </a:r>
-            <a:r>
-              <a:rPr>
-                <a:solidFill>
-                  <a:srgbClr val="003B4F"/>
-                </a:solidFill>
-                <a:latin typeface="Courier"/>
-              </a:rPr>
-              <a:t> x, p x → r) → ((</a:t>
-            </a:r>
-            <a:r>
-              <a:rPr b="1">
-                <a:solidFill>
-                  <a:srgbClr val="003B4F"/>
-                </a:solidFill>
-                <a:latin typeface="Courier"/>
-              </a:rPr>
-              <a:t>∃</a:t>
-            </a:r>
-            <a:r>
-              <a:rPr>
-                <a:solidFill>
-                  <a:srgbClr val="003B4F"/>
-                </a:solidFill>
-                <a:latin typeface="Courier"/>
-              </a:rPr>
-              <a:t> x, p x) → r) </a:t>
-            </a:r>
-            <a:r>
-              <a:rPr>
-                <a:solidFill>
-                  <a:srgbClr val="5E5E5E"/>
-                </a:solidFill>
-                <a:latin typeface="Courier"/>
-              </a:rPr>
-              <a:t>:=</a:t>
-            </a:r>
-            <a:r>
-              <a:rPr>
-                <a:solidFill>
-                  <a:srgbClr val="003B4F"/>
-                </a:solidFill>
-                <a:latin typeface="Courier"/>
-              </a:rPr>
-              <a:t> </a:t>
-            </a:r>
-            <a:r>
-              <a:rPr b="1">
-                <a:solidFill>
-                  <a:srgbClr val="003B4F"/>
-                </a:solidFill>
-                <a:latin typeface="Courier"/>
-              </a:rPr>
-              <a:t>by</a:t>
-            </a:r>
-            <a:br/>
-            <a:r>
-              <a:rPr>
-                <a:solidFill>
-                  <a:srgbClr val="003B4F"/>
-                </a:solidFill>
-                <a:latin typeface="Courier"/>
-              </a:rPr>
-              <a:t>  </a:t>
-            </a:r>
-            <a:r>
-              <a:rPr>
-                <a:solidFill>
-                  <a:srgbClr val="4758AB"/>
-                </a:solidFill>
-                <a:latin typeface="Courier"/>
-              </a:rPr>
-              <a:t>intro</a:t>
-            </a:r>
-            <a:r>
-              <a:rPr>
-                <a:solidFill>
-                  <a:srgbClr val="003B4F"/>
-                </a:solidFill>
-                <a:latin typeface="Courier"/>
-              </a:rPr>
-              <a:t> h ⟨a, hpa⟩ </a:t>
-            </a:r>
-            <a:r>
-              <a:rPr>
-                <a:solidFill>
-                  <a:srgbClr val="5E5E5E"/>
-                </a:solidFill>
-                <a:latin typeface="Courier"/>
-              </a:rPr>
-              <a:t>-- you may also `rcases` explicitly</a:t>
-            </a:r>
-            <a:br/>
-            <a:r>
-              <a:rPr>
-                <a:solidFill>
-                  <a:srgbClr val="003B4F"/>
-                </a:solidFill>
-                <a:latin typeface="Courier"/>
-              </a:rPr>
-              <a:t>  </a:t>
-            </a:r>
-            <a:r>
-              <a:rPr>
-                <a:solidFill>
-                  <a:srgbClr val="4758AB"/>
-                </a:solidFill>
-                <a:latin typeface="Courier"/>
-              </a:rPr>
-              <a:t>exact</a:t>
-            </a:r>
-            <a:r>
-              <a:rPr>
-                <a:solidFill>
-                  <a:srgbClr val="003B4F"/>
-                </a:solidFill>
-                <a:latin typeface="Courier"/>
-              </a:rPr>
-              <a:t> h a hpa</a:t>
-            </a:r>
-          </a:p>
-        </p:txBody>
-      </p:sp>
-    </p:spTree>
-  </p:cSld>
-</p:sld>
-</file>
-
-<file path=ppt/slides/slide14.xml><?xml version="1.0" encoding="utf-8"?>
-<p:sld xmlns:a="http://schemas.openxmlformats.org/drawingml/2006/main" xmlns:r="http://schemas.openxmlformats.org/officeDocument/2006/relationships" xmlns:p="http://schemas.openxmlformats.org/presentationml/2006/main">
-  <p:cSld>
-    <p:spTree>
-      <p:nvGrpSpPr>
-        <p:cNvPr id="1" name=""/>
-        <p:cNvGrpSpPr/>
-        <p:nvPr/>
-      </p:nvGrpSpPr>
-      <p:grpSpPr>
-        <a:xfrm>
-          <a:off x="0" y="0"/>
-          <a:ext cx="0" cy="0"/>
-          <a:chOff x="0" y="0"/>
-          <a:chExt cx="0" cy="0"/>
-        </a:xfrm>
-      </p:grpSpPr>
-      <p:sp>
-        <p:nvSpPr>
-          <p:cNvPr id="2" name="Title 1"/>
-          <p:cNvSpPr>
-            <a:spLocks noGrp="1"/>
-          </p:cNvSpPr>
-          <p:nvPr>
-            <p:ph type="title"/>
-          </p:nvPr>
-        </p:nvSpPr>
-        <p:spPr>
-          <a:xfrm>
-            <a:off x="722313" y="3305176"/>
-            <a:ext cx="7772400" cy="1021556"/>
-          </a:xfrm>
-        </p:spPr>
-        <p:txBody>
-          <a:bodyPr/>
-          <a:lstStyle/>
-          <a:p>
-            <a:pPr lvl="0" indent="0" marL="0">
-              <a:buNone/>
-            </a:pPr>
-            <a:r>
-              <a:rPr/>
-              <a:t>表</a:t>
-            </a:r>
-          </a:p>
-        </p:txBody>
-      </p:sp>
-    </p:spTree>
-  </p:cSld>
-</p:sld>
-</file>
-
-<file path=ppt/slides/slide15.xml><?xml version="1.0" encoding="utf-8"?>
-<p:sld xmlns:a="http://schemas.openxmlformats.org/drawingml/2006/main" xmlns:r="http://schemas.openxmlformats.org/officeDocument/2006/relationships" xmlns:p="http://schemas.openxmlformats.org/presentationml/2006/main">
-  <p:cSld>
-    <p:spTree>
-      <p:nvGrpSpPr>
-        <p:cNvPr id="1" name=""/>
-        <p:cNvGrpSpPr/>
-        <p:nvPr/>
-      </p:nvGrpSpPr>
-      <p:grpSpPr>
-        <a:xfrm>
-          <a:off x="0" y="0"/>
-          <a:ext cx="0" cy="0"/>
-          <a:chOff x="0" y="0"/>
-          <a:chExt cx="0" cy="0"/>
-        </a:xfrm>
-      </p:grpSpPr>
-      <p:sp>
-        <p:nvSpPr>
-          <p:cNvPr id="3" name="Content Placeholder 2"/>
-          <p:cNvSpPr>
-            <a:spLocks noGrp="1"/>
-          </p:cNvSpPr>
-          <p:nvPr>
-            <p:ph idx="1"/>
-          </p:nvPr>
-        </p:nvSpPr>
-        <p:spPr/>
-        <p:txBody>
-          <a:bodyPr/>
-          <a:lstStyle/>
-          <a:p>
-            <a:pPr lvl="0" indent="0" marL="0">
-              <a:buNone/>
-            </a:pPr>
-            <a:r>
-              <a:rPr/>
-              <a:t>引用一下 表 1 (a)．</a:t>
-            </a:r>
-          </a:p>
-        </p:txBody>
-      </p:sp>
-    </p:spTree>
-  </p:cSld>
-</p:sld>
-</file>
-
-<file path=ppt/slides/slide16.xml><?xml version="1.0" encoding="utf-8"?>
-<p:sld xmlns:a="http://schemas.openxmlformats.org/drawingml/2006/main" xmlns:r="http://schemas.openxmlformats.org/officeDocument/2006/relationships" xmlns:p="http://schemas.openxmlformats.org/presentationml/2006/main">
-  <p:cSld>
-    <p:spTree>
-      <p:nvGrpSpPr>
-        <p:cNvPr id="1" name=""/>
-        <p:cNvGrpSpPr/>
-        <p:nvPr/>
-      </p:nvGrpSpPr>
-      <p:grpSpPr>
-        <a:xfrm>
-          <a:off x="0" y="0"/>
-          <a:ext cx="0" cy="0"/>
-          <a:chOff x="0" y="0"/>
-          <a:chExt cx="0" cy="0"/>
-        </a:xfrm>
-      </p:grpSpPr>
-      <p:sp>
-        <p:nvSpPr>
-          <p:cNvPr id="2" name="Title 1"/>
-          <p:cNvSpPr>
-            <a:spLocks noGrp="1"/>
-          </p:cNvSpPr>
-          <p:nvPr>
-            <p:ph type="title"/>
-          </p:nvPr>
-        </p:nvSpPr>
-        <p:spPr>
-          <a:xfrm>
-            <a:off x="722313" y="3305176"/>
-            <a:ext cx="7772400" cy="1021556"/>
-          </a:xfrm>
-        </p:spPr>
+        <p:spPr/>
         <p:txBody>
           <a:bodyPr/>
           <a:lstStyle/>
@@ -3892,28 +3316,6 @@
           </a:p>
         </p:txBody>
       </p:sp>
-    </p:spTree>
-  </p:cSld>
-</p:sld>
-</file>
-
-<file path=ppt/slides/slide17.xml><?xml version="1.0" encoding="utf-8"?>
-<p:sld xmlns:a="http://schemas.openxmlformats.org/drawingml/2006/main" xmlns:r="http://schemas.openxmlformats.org/officeDocument/2006/relationships" xmlns:p="http://schemas.openxmlformats.org/presentationml/2006/main">
-  <p:cSld>
-    <p:spTree>
-      <p:nvGrpSpPr>
-        <p:cNvPr id="1" name=""/>
-        <p:cNvGrpSpPr/>
-        <p:nvPr/>
-      </p:nvGrpSpPr>
-      <p:grpSpPr>
-        <a:xfrm>
-          <a:off x="0" y="0"/>
-          <a:ext cx="0" cy="0"/>
-          <a:chOff x="0" y="0"/>
-          <a:chExt cx="0" cy="0"/>
-        </a:xfrm>
-      </p:grpSpPr>
       <p:pic>
         <p:nvPicPr>
           <p:cNvPr descr="figure.png" id="0" name="Picture 1"/>
@@ -3979,7 +3381,7 @@
 </p:sld>
 </file>
 
-<file path=ppt/slides/slide18.xml><?xml version="1.0" encoding="utf-8"?>
+<file path=ppt/slides/slide12.xml><?xml version="1.0" encoding="utf-8"?>
 <p:sld xmlns:a="http://schemas.openxmlformats.org/drawingml/2006/main" xmlns:r="http://schemas.openxmlformats.org/officeDocument/2006/relationships" xmlns:p="http://schemas.openxmlformats.org/presentationml/2006/main">
   <p:cSld>
     <p:spTree>
@@ -4026,7 +3428,7 @@
 </p:sld>
 </file>
 
-<file path=ppt/slides/slide19.xml><?xml version="1.0" encoding="utf-8"?>
+<file path=ppt/slides/slide13.xml><?xml version="1.0" encoding="utf-8"?>
 <p:sld xmlns:a="http://schemas.openxmlformats.org/drawingml/2006/main" xmlns:r="http://schemas.openxmlformats.org/officeDocument/2006/relationships" xmlns:p="http://schemas.openxmlformats.org/presentationml/2006/main">
   <p:cSld>
     <p:spTree>
@@ -4053,12 +3455,7 @@
             <p:ph type="title"/>
           </p:nvPr>
         </p:nvSpPr>
-        <p:spPr>
-          <a:xfrm>
-            <a:off x="722313" y="3305176"/>
-            <a:ext cx="7772400" cy="1021556"/>
-          </a:xfrm>
-        </p:spPr>
+        <p:spPr/>
         <p:txBody>
           <a:bodyPr/>
           <a:lstStyle/>
@@ -4069,6 +3466,31 @@
             <a:r>
               <a:rPr/>
               <a:t>计算图</a:t>
+            </a:r>
+          </a:p>
+        </p:txBody>
+      </p:sp>
+      <p:sp>
+        <p:nvSpPr>
+          <p:cNvPr id="3" name="Content Placeholder 2"/>
+          <p:cNvSpPr>
+            <a:spLocks noGrp="1"/>
+          </p:cNvSpPr>
+          <p:nvPr>
+            <p:ph idx="1"/>
+          </p:nvPr>
+        </p:nvSpPr>
+        <p:spPr/>
+        <p:txBody>
+          <a:bodyPr/>
+          <a:lstStyle/>
+          <a:p>
+            <a:pPr lvl="0" indent="0" marL="0">
+              <a:buNone/>
+            </a:pPr>
+            <a:r>
+              <a:rPr/>
+              <a:t>复杂的并列效果．（图 2, 图 2 (a), 图 2 (b)）</a:t>
             </a:r>
           </a:p>
         </p:txBody>
@@ -4078,7 +3500,7 @@
 </p:sld>
 </file>
 
-<file path=ppt/slides/slide2.xml><?xml version="1.0" encoding="utf-8"?>
+<file path=ppt/slides/slide14.xml><?xml version="1.0" encoding="utf-8"?>
 <p:sld xmlns:a="http://schemas.openxmlformats.org/drawingml/2006/main" xmlns:r="http://schemas.openxmlformats.org/officeDocument/2006/relationships" xmlns:p="http://schemas.openxmlformats.org/presentationml/2006/main">
   <p:cSld>
     <p:spTree>
@@ -4105,12 +3527,7 @@
             <p:ph type="title"/>
           </p:nvPr>
         </p:nvSpPr>
-        <p:spPr>
-          <a:xfrm>
-            <a:off x="722313" y="3305176"/>
-            <a:ext cx="7772400" cy="1021556"/>
-          </a:xfrm>
-        </p:spPr>
+        <p:spPr/>
         <p:txBody>
           <a:bodyPr/>
           <a:lstStyle/>
@@ -4120,7 +3537,7 @@
             </a:pPr>
             <a:r>
               <a:rPr/>
-              <a:t>Section A</a:t>
+              <a:t>TikZ</a:t>
             </a:r>
           </a:p>
         </p:txBody>
@@ -4130,7 +3547,7 @@
 </p:sld>
 </file>
 
-<file path=ppt/slides/slide20.xml><?xml version="1.0" encoding="utf-8"?>
+<file path=ppt/slides/slide15.xml><?xml version="1.0" encoding="utf-8"?>
 <p:sld xmlns:a="http://schemas.openxmlformats.org/drawingml/2006/main" xmlns:r="http://schemas.openxmlformats.org/officeDocument/2006/relationships" xmlns:p="http://schemas.openxmlformats.org/presentationml/2006/main">
   <p:cSld>
     <p:spTree>
@@ -4149,15 +3566,20 @@
       </p:grpSpPr>
       <p:sp>
         <p:nvSpPr>
-          <p:cNvPr id="3" name="Content Placeholder 2"/>
-          <p:cNvSpPr>
-            <a:spLocks noGrp="1"/>
-          </p:cNvSpPr>
-          <p:nvPr>
-            <p:ph idx="1"/>
-          </p:nvPr>
-        </p:nvSpPr>
-        <p:spPr/>
+          <p:cNvPr id="2" name="Title 1"/>
+          <p:cNvSpPr>
+            <a:spLocks noGrp="1"/>
+          </p:cNvSpPr>
+          <p:nvPr>
+            <p:ph type="title"/>
+          </p:nvPr>
+        </p:nvSpPr>
+        <p:spPr>
+          <a:xfrm>
+            <a:off x="722313" y="3305176"/>
+            <a:ext cx="7772400" cy="1021556"/>
+          </a:xfrm>
+        </p:spPr>
         <p:txBody>
           <a:bodyPr/>
           <a:lstStyle/>
@@ -4167,7 +3589,7 @@
             </a:pPr>
             <a:r>
               <a:rPr/>
-              <a:t>复杂的并列效果．（图 2, 图 2 (a), 图 2 (b)）</a:t>
+              <a:t>Subsection 2</a:t>
             </a:r>
           </a:p>
         </p:txBody>
@@ -4177,7 +3599,7 @@
 </p:sld>
 </file>
 
-<file path=ppt/slides/slide21.xml><?xml version="1.0" encoding="utf-8"?>
+<file path=ppt/slides/slide16.xml><?xml version="1.0" encoding="utf-8"?>
 <p:sld xmlns:a="http://schemas.openxmlformats.org/drawingml/2006/main" xmlns:r="http://schemas.openxmlformats.org/officeDocument/2006/relationships" xmlns:p="http://schemas.openxmlformats.org/presentationml/2006/main">
   <p:cSld>
     <p:spTree>
@@ -4204,116 +3626,7 @@
             <p:ph type="title"/>
           </p:nvPr>
         </p:nvSpPr>
-        <p:spPr>
-          <a:xfrm>
-            <a:off x="722313" y="3305176"/>
-            <a:ext cx="7772400" cy="1021556"/>
-          </a:xfrm>
-        </p:spPr>
-        <p:txBody>
-          <a:bodyPr/>
-          <a:lstStyle/>
-          <a:p>
-            <a:pPr lvl="0" indent="0" marL="0">
-              <a:buNone/>
-            </a:pPr>
-            <a:r>
-              <a:rPr/>
-              <a:t>TikZ</a:t>
-            </a:r>
-          </a:p>
-        </p:txBody>
-      </p:sp>
-    </p:spTree>
-  </p:cSld>
-</p:sld>
-</file>
-
-<file path=ppt/slides/slide22.xml><?xml version="1.0" encoding="utf-8"?>
-<p:sld xmlns:a="http://schemas.openxmlformats.org/drawingml/2006/main" xmlns:r="http://schemas.openxmlformats.org/officeDocument/2006/relationships" xmlns:p="http://schemas.openxmlformats.org/presentationml/2006/main">
-  <p:cSld>
-    <p:spTree>
-      <p:nvGrpSpPr>
-        <p:cNvPr id="1" name=""/>
-        <p:cNvGrpSpPr/>
-        <p:nvPr/>
-      </p:nvGrpSpPr>
-      <p:grpSpPr>
-        <a:xfrm>
-          <a:off x="0" y="0"/>
-          <a:ext cx="0" cy="0"/>
-          <a:chOff x="0" y="0"/>
-          <a:chExt cx="0" cy="0"/>
-        </a:xfrm>
-      </p:grpSpPr>
-      <p:sp>
-        <p:nvSpPr>
-          <p:cNvPr id="2" name="Title 1"/>
-          <p:cNvSpPr>
-            <a:spLocks noGrp="1"/>
-          </p:cNvSpPr>
-          <p:nvPr>
-            <p:ph type="title"/>
-          </p:nvPr>
-        </p:nvSpPr>
-        <p:spPr>
-          <a:xfrm>
-            <a:off x="722313" y="3305176"/>
-            <a:ext cx="7772400" cy="1021556"/>
-          </a:xfrm>
-        </p:spPr>
-        <p:txBody>
-          <a:bodyPr/>
-          <a:lstStyle/>
-          <a:p>
-            <a:pPr lvl="0" indent="0" marL="0">
-              <a:buNone/>
-            </a:pPr>
-            <a:r>
-              <a:rPr/>
-              <a:t>Subsection 2</a:t>
-            </a:r>
-          </a:p>
-        </p:txBody>
-      </p:sp>
-    </p:spTree>
-  </p:cSld>
-</p:sld>
-</file>
-
-<file path=ppt/slides/slide23.xml><?xml version="1.0" encoding="utf-8"?>
-<p:sld xmlns:a="http://schemas.openxmlformats.org/drawingml/2006/main" xmlns:r="http://schemas.openxmlformats.org/officeDocument/2006/relationships" xmlns:p="http://schemas.openxmlformats.org/presentationml/2006/main">
-  <p:cSld>
-    <p:spTree>
-      <p:nvGrpSpPr>
-        <p:cNvPr id="1" name=""/>
-        <p:cNvGrpSpPr/>
-        <p:nvPr/>
-      </p:nvGrpSpPr>
-      <p:grpSpPr>
-        <a:xfrm>
-          <a:off x="0" y="0"/>
-          <a:ext cx="0" cy="0"/>
-          <a:chOff x="0" y="0"/>
-          <a:chExt cx="0" cy="0"/>
-        </a:xfrm>
-      </p:grpSpPr>
-      <p:sp>
-        <p:nvSpPr>
-          <p:cNvPr id="2" name="Title 1"/>
-          <p:cNvSpPr>
-            <a:spLocks noGrp="1"/>
-          </p:cNvSpPr>
-          <p:nvPr>
-            <p:ph type="title"/>
-          </p:nvPr>
-        </p:nvSpPr>
-        <p:spPr>
-          <a:xfrm>
-            <a:off x="722313" y="3305176"/>
-            <a:ext cx="7772400" cy="1021556"/>
-          </a:xfrm>
-        </p:spPr>
+        <p:spPr/>
         <p:txBody>
           <a:bodyPr/>
           <a:lstStyle/>
@@ -4328,28 +3641,6 @@
           </a:p>
         </p:txBody>
       </p:sp>
-    </p:spTree>
-  </p:cSld>
-</p:sld>
-</file>
-
-<file path=ppt/slides/slide24.xml><?xml version="1.0" encoding="utf-8"?>
-<p:sld xmlns:a="http://schemas.openxmlformats.org/drawingml/2006/main" xmlns:r="http://schemas.openxmlformats.org/officeDocument/2006/relationships" xmlns:p="http://schemas.openxmlformats.org/presentationml/2006/main">
-  <p:cSld>
-    <p:spTree>
-      <p:nvGrpSpPr>
-        <p:cNvPr id="1" name=""/>
-        <p:cNvGrpSpPr/>
-        <p:nvPr/>
-      </p:nvGrpSpPr>
-      <p:grpSpPr>
-        <a:xfrm>
-          <a:off x="0" y="0"/>
-          <a:ext cx="0" cy="0"/>
-          <a:chOff x="0" y="0"/>
-          <a:chExt cx="0" cy="0"/>
-        </a:xfrm>
-      </p:grpSpPr>
       <mc:AlternateContent xmlns:mc="http://schemas.openxmlformats.org/markup-compatibility/2006">
         <mc:Choice xmlns:a14="http://schemas.microsoft.com/office/drawing/2010/main" Requires="a14">
           <p:sp>
@@ -4739,7 +4030,7 @@
 </p:sld>
 </file>
 
-<file path=ppt/slides/slide25.xml><?xml version="1.0" encoding="utf-8"?>
+<file path=ppt/slides/slide17.xml><?xml version="1.0" encoding="utf-8"?>
 <p:sld xmlns:a="http://schemas.openxmlformats.org/drawingml/2006/main" xmlns:r="http://schemas.openxmlformats.org/officeDocument/2006/relationships" xmlns:p="http://schemas.openxmlformats.org/presentationml/2006/main">
   <p:cSld>
     <p:spTree>
@@ -4802,6 +4093,58 @@
             <a:r>
               <a:rPr sz="1800"/>
               <a:t>1. 这是一个脚注．</a:t>
+            </a:r>
+          </a:p>
+        </p:txBody>
+      </p:sp>
+    </p:spTree>
+  </p:cSld>
+</p:sld>
+</file>
+
+<file path=ppt/slides/slide2.xml><?xml version="1.0" encoding="utf-8"?>
+<p:sld xmlns:a="http://schemas.openxmlformats.org/drawingml/2006/main" xmlns:r="http://schemas.openxmlformats.org/officeDocument/2006/relationships" xmlns:p="http://schemas.openxmlformats.org/presentationml/2006/main">
+  <p:cSld>
+    <p:spTree>
+      <p:nvGrpSpPr>
+        <p:cNvPr id="1" name=""/>
+        <p:cNvGrpSpPr/>
+        <p:nvPr/>
+      </p:nvGrpSpPr>
+      <p:grpSpPr>
+        <a:xfrm>
+          <a:off x="0" y="0"/>
+          <a:ext cx="0" cy="0"/>
+          <a:chOff x="0" y="0"/>
+          <a:chExt cx="0" cy="0"/>
+        </a:xfrm>
+      </p:grpSpPr>
+      <p:sp>
+        <p:nvSpPr>
+          <p:cNvPr id="2" name="Title 1"/>
+          <p:cNvSpPr>
+            <a:spLocks noGrp="1"/>
+          </p:cNvSpPr>
+          <p:nvPr>
+            <p:ph type="title"/>
+          </p:nvPr>
+        </p:nvSpPr>
+        <p:spPr>
+          <a:xfrm>
+            <a:off x="722313" y="3305176"/>
+            <a:ext cx="7772400" cy="1021556"/>
+          </a:xfrm>
+        </p:spPr>
+        <p:txBody>
+          <a:bodyPr/>
+          <a:lstStyle/>
+          <a:p>
+            <a:pPr lvl="0" indent="0" marL="0">
+              <a:buNone/>
+            </a:pPr>
+            <a:r>
+              <a:rPr/>
+              <a:t>Section A</a:t>
             </a:r>
           </a:p>
         </p:txBody>
@@ -4838,12 +4181,7 @@
             <p:ph type="title"/>
           </p:nvPr>
         </p:nvSpPr>
-        <p:spPr>
-          <a:xfrm>
-            <a:off x="722313" y="3305176"/>
-            <a:ext cx="7772400" cy="1021556"/>
-          </a:xfrm>
-        </p:spPr>
+        <p:spPr/>
         <p:txBody>
           <a:bodyPr/>
           <a:lstStyle/>
@@ -4854,6 +4192,56 @@
             <a:r>
               <a:rPr/>
               <a:t>文字</a:t>
+            </a:r>
+          </a:p>
+        </p:txBody>
+      </p:sp>
+      <p:sp>
+        <p:nvSpPr>
+          <p:cNvPr id="3" name="Content Placeholder 2"/>
+          <p:cNvSpPr>
+            <a:spLocks noGrp="1"/>
+          </p:cNvSpPr>
+          <p:nvPr>
+            <p:ph idx="1"/>
+          </p:nvPr>
+        </p:nvSpPr>
+        <p:spPr/>
+        <p:txBody>
+          <a:bodyPr/>
+          <a:lstStyle/>
+          <a:p>
+            <a:pPr lvl="0" indent="0" marL="0">
+              <a:buNone/>
+            </a:pPr>
+            <a:r>
+              <a:rPr/>
+              <a:t>长长长</a:t>
+            </a:r>
+            <a:r>
+              <a:rPr b="1"/>
+              <a:t>长长 long 长长</a:t>
+            </a:r>
+            <a:r>
+              <a:rPr/>
+              <a:t>长长长长长</a:t>
+            </a:r>
+            <a:r>
+              <a:rPr i="1"/>
+              <a:t>长长 long 长长</a:t>
+            </a:r>
+            <a:r>
+              <a:rPr/>
+              <a:t>长长长长长长长长长长长长长长长长长长长长长长长长长长长句子．</a:t>
+            </a:r>
+          </a:p>
+          <a:p>
+            <a:pPr lvl="0" indent="0" marL="0">
+              <a:buNone/>
+            </a:pPr>
+            <a:r>
+              <a:rPr/>
+              <a:t>长长长长长长长长长长长长长长长长长长长长长长长长长长长长长长长长长长长长长长长长长长长段落．</a:t>
             </a:r>
           </a:p>
         </p:txBody>
@@ -4887,45 +4275,55 @@
             <a:spLocks noGrp="1"/>
           </p:cNvSpPr>
           <p:nvPr>
-            <p:ph idx="1"/>
-          </p:nvPr>
-        </p:nvSpPr>
-        <p:spPr/>
-        <p:txBody>
-          <a:bodyPr/>
-          <a:lstStyle/>
-          <a:p>
-            <a:pPr lvl="0" indent="0" marL="0">
-              <a:buNone/>
-            </a:pPr>
+            <p:ph idx="1" sz="half"/>
+          </p:nvPr>
+        </p:nvSpPr>
+        <p:spPr/>
+        <p:txBody>
+          <a:bodyPr/>
+          <a:lstStyle/>
+          <a:p>
+            <a:pPr lvl="0"/>
             <a:r>
               <a:rPr/>
-              <a:t>长长长</a:t>
-            </a:r>
-            <a:r>
-              <a:rPr b="1"/>
-              <a:t>长长 long 长长</a:t>
-            </a:r>
+              <a:t>左栏．</a:t>
+            </a:r>
+          </a:p>
+          <a:p>
+            <a:pPr lvl="0"/>
             <a:r>
               <a:rPr/>
-              <a:t>长长长长长</a:t>
-            </a:r>
-            <a:r>
-              <a:rPr i="1"/>
-              <a:t>长长 long 长长</a:t>
-            </a:r>
+              <a:t>窄窄窄窄窄窄窄窄窄窄窄窄窄窄窄窄窄的左栏．</a:t>
+            </a:r>
+          </a:p>
+        </p:txBody>
+      </p:sp>
+      <p:sp>
+        <p:nvSpPr>
+          <p:cNvPr id="4" name="Content Placeholder 3"/>
+          <p:cNvSpPr>
+            <a:spLocks noGrp="1"/>
+          </p:cNvSpPr>
+          <p:nvPr>
+            <p:ph idx="2" sz="half"/>
+          </p:nvPr>
+        </p:nvSpPr>
+        <p:spPr/>
+        <p:txBody>
+          <a:bodyPr/>
+          <a:lstStyle/>
+          <a:p>
+            <a:pPr lvl="0"/>
             <a:r>
               <a:rPr/>
-              <a:t>长长长长长长长长长长长长长长长长长长长长长长长长长长长句子．</a:t>
-            </a:r>
-          </a:p>
-          <a:p>
-            <a:pPr lvl="0" indent="0" marL="0">
-              <a:buNone/>
-            </a:pPr>
+              <a:t>右栏．</a:t>
+            </a:r>
+          </a:p>
+          <a:p>
+            <a:pPr lvl="0"/>
             <a:r>
               <a:rPr/>
-              <a:t>长长长长长长长长长长长长长长长长长长长长长长长长长长长长长长长长长长长长长长长长长长长段落．</a:t>
+              <a:t>宽宽宽宽宽宽宽宽宽宽宽宽宽宽宽宽宽宽宽宽宽宽宽宽宽宽宽宽宽宽宽的右栏．</a:t>
             </a:r>
           </a:p>
         </p:txBody>
@@ -4954,88 +4352,6 @@
       </p:grpSpPr>
       <p:sp>
         <p:nvSpPr>
-          <p:cNvPr id="3" name="Content Placeholder 2"/>
-          <p:cNvSpPr>
-            <a:spLocks noGrp="1"/>
-          </p:cNvSpPr>
-          <p:nvPr>
-            <p:ph idx="1" sz="half"/>
-          </p:nvPr>
-        </p:nvSpPr>
-        <p:spPr/>
-        <p:txBody>
-          <a:bodyPr/>
-          <a:lstStyle/>
-          <a:p>
-            <a:pPr lvl="0"/>
-            <a:r>
-              <a:rPr/>
-              <a:t>左栏．</a:t>
-            </a:r>
-          </a:p>
-          <a:p>
-            <a:pPr lvl="0"/>
-            <a:r>
-              <a:rPr/>
-              <a:t>窄窄窄窄窄窄窄窄窄窄窄窄窄窄窄窄窄的左栏．</a:t>
-            </a:r>
-          </a:p>
-        </p:txBody>
-      </p:sp>
-      <p:sp>
-        <p:nvSpPr>
-          <p:cNvPr id="4" name="Content Placeholder 3"/>
-          <p:cNvSpPr>
-            <a:spLocks noGrp="1"/>
-          </p:cNvSpPr>
-          <p:nvPr>
-            <p:ph idx="2" sz="half"/>
-          </p:nvPr>
-        </p:nvSpPr>
-        <p:spPr/>
-        <p:txBody>
-          <a:bodyPr/>
-          <a:lstStyle/>
-          <a:p>
-            <a:pPr lvl="0"/>
-            <a:r>
-              <a:rPr/>
-              <a:t>右栏．</a:t>
-            </a:r>
-          </a:p>
-          <a:p>
-            <a:pPr lvl="0"/>
-            <a:r>
-              <a:rPr/>
-              <a:t>宽宽宽宽宽宽宽宽宽宽宽宽宽宽宽宽宽宽宽宽宽宽宽宽宽宽宽宽宽宽宽的右栏．</a:t>
-            </a:r>
-          </a:p>
-        </p:txBody>
-      </p:sp>
-    </p:spTree>
-  </p:cSld>
-</p:sld>
-</file>
-
-<file path=ppt/slides/slide6.xml><?xml version="1.0" encoding="utf-8"?>
-<p:sld xmlns:a="http://schemas.openxmlformats.org/drawingml/2006/main" xmlns:r="http://schemas.openxmlformats.org/officeDocument/2006/relationships" xmlns:p="http://schemas.openxmlformats.org/presentationml/2006/main">
-  <p:cSld>
-    <p:spTree>
-      <p:nvGrpSpPr>
-        <p:cNvPr id="1" name=""/>
-        <p:cNvGrpSpPr/>
-        <p:nvPr/>
-      </p:nvGrpSpPr>
-      <p:grpSpPr>
-        <a:xfrm>
-          <a:off x="0" y="0"/>
-          <a:ext cx="0" cy="0"/>
-          <a:chOff x="0" y="0"/>
-          <a:chExt cx="0" cy="0"/>
-        </a:xfrm>
-      </p:grpSpPr>
-      <p:sp>
-        <p:nvSpPr>
           <p:cNvPr id="2" name="Title 1"/>
           <p:cNvSpPr>
             <a:spLocks noGrp="1"/>
@@ -5044,12 +4360,7 @@
             <p:ph type="title"/>
           </p:nvPr>
         </p:nvSpPr>
-        <p:spPr>
-          <a:xfrm>
-            <a:off x="722313" y="3305176"/>
-            <a:ext cx="7772400" cy="1021556"/>
-          </a:xfrm>
-        </p:spPr>
+        <p:spPr/>
         <p:txBody>
           <a:bodyPr/>
           <a:lstStyle/>
@@ -5064,28 +4375,6 @@
           </a:p>
         </p:txBody>
       </p:sp>
-    </p:spTree>
-  </p:cSld>
-</p:sld>
-</file>
-
-<file path=ppt/slides/slide7.xml><?xml version="1.0" encoding="utf-8"?>
-<p:sld xmlns:a="http://schemas.openxmlformats.org/drawingml/2006/main" xmlns:r="http://schemas.openxmlformats.org/officeDocument/2006/relationships" xmlns:p="http://schemas.openxmlformats.org/presentationml/2006/main">
-  <p:cSld>
-    <p:spTree>
-      <p:nvGrpSpPr>
-        <p:cNvPr id="1" name=""/>
-        <p:cNvGrpSpPr/>
-        <p:nvPr/>
-      </p:nvGrpSpPr>
-      <p:grpSpPr>
-        <a:xfrm>
-          <a:off x="0" y="0"/>
-          <a:ext cx="0" cy="0"/>
-          <a:chOff x="0" y="0"/>
-          <a:chExt cx="0" cy="0"/>
-        </a:xfrm>
-      </p:grpSpPr>
       <mc:AlternateContent xmlns:mc="http://schemas.openxmlformats.org/markup-compatibility/2006">
         <mc:Choice xmlns:a14="http://schemas.microsoft.com/office/drawing/2010/main" Requires="a14">
           <p:sp>
@@ -5319,6 +4608,140 @@
 </p:sld>
 </file>
 
+<file path=ppt/slides/slide6.xml><?xml version="1.0" encoding="utf-8"?>
+<p:sld xmlns:a="http://schemas.openxmlformats.org/drawingml/2006/main" xmlns:r="http://schemas.openxmlformats.org/officeDocument/2006/relationships" xmlns:p="http://schemas.openxmlformats.org/presentationml/2006/main">
+  <p:cSld>
+    <p:spTree>
+      <p:nvGrpSpPr>
+        <p:cNvPr id="1" name=""/>
+        <p:cNvGrpSpPr/>
+        <p:nvPr/>
+      </p:nvGrpSpPr>
+      <p:grpSpPr>
+        <a:xfrm>
+          <a:off x="0" y="0"/>
+          <a:ext cx="0" cy="0"/>
+          <a:chOff x="0" y="0"/>
+          <a:chExt cx="0" cy="0"/>
+        </a:xfrm>
+      </p:grpSpPr>
+      <p:sp>
+        <p:nvSpPr>
+          <p:cNvPr id="2" name="Title 1"/>
+          <p:cNvSpPr>
+            <a:spLocks noGrp="1"/>
+          </p:cNvSpPr>
+          <p:nvPr>
+            <p:ph type="title"/>
+          </p:nvPr>
+        </p:nvSpPr>
+        <p:spPr/>
+        <p:txBody>
+          <a:bodyPr/>
+          <a:lstStyle/>
+          <a:p>
+            <a:pPr lvl="0" indent="0" marL="0">
+              <a:buNone/>
+            </a:pPr>
+            <a:r>
+              <a:rPr/>
+              <a:t>引用</a:t>
+            </a:r>
+          </a:p>
+        </p:txBody>
+      </p:sp>
+      <p:sp>
+        <p:nvSpPr>
+          <p:cNvPr id="3" name="Content Placeholder 2"/>
+          <p:cNvSpPr>
+            <a:spLocks noGrp="1"/>
+          </p:cNvSpPr>
+          <p:nvPr>
+            <p:ph idx="1"/>
+          </p:nvPr>
+        </p:nvSpPr>
+        <p:spPr/>
+        <p:txBody>
+          <a:bodyPr/>
+          <a:lstStyle/>
+          <a:p>
+            <a:pPr lvl="0" indent="0" marL="0">
+              <a:buNone/>
+            </a:pPr>
+            <a:r>
+              <a:rPr/>
+              <a:t>哇[1, p.1]．哇哦[2], [3]．嗨</a:t>
+            </a:r>
+            <a:r>
+              <a:rPr baseline="30000">
+                <a:hlinkClick r:id="rId2" action="ppaction://hlinksldjump"/>
+              </a:rPr>
+              <a:t>1</a:t>
+            </a:r>
+            <a:r>
+              <a:rPr/>
+              <a:t>．</a:t>
+            </a:r>
+          </a:p>
+        </p:txBody>
+      </p:sp>
+    </p:spTree>
+  </p:cSld>
+</p:sld>
+</file>
+
+<file path=ppt/slides/slide7.xml><?xml version="1.0" encoding="utf-8"?>
+<p:sld xmlns:a="http://schemas.openxmlformats.org/drawingml/2006/main" xmlns:r="http://schemas.openxmlformats.org/officeDocument/2006/relationships" xmlns:p="http://schemas.openxmlformats.org/presentationml/2006/main">
+  <p:cSld>
+    <p:spTree>
+      <p:nvGrpSpPr>
+        <p:cNvPr id="1" name=""/>
+        <p:cNvGrpSpPr/>
+        <p:nvPr/>
+      </p:nvGrpSpPr>
+      <p:grpSpPr>
+        <a:xfrm>
+          <a:off x="0" y="0"/>
+          <a:ext cx="0" cy="0"/>
+          <a:chOff x="0" y="0"/>
+          <a:chExt cx="0" cy="0"/>
+        </a:xfrm>
+      </p:grpSpPr>
+      <p:sp>
+        <p:nvSpPr>
+          <p:cNvPr id="2" name="Title 1"/>
+          <p:cNvSpPr>
+            <a:spLocks noGrp="1"/>
+          </p:cNvSpPr>
+          <p:nvPr>
+            <p:ph type="title"/>
+          </p:nvPr>
+        </p:nvSpPr>
+        <p:spPr>
+          <a:xfrm>
+            <a:off x="722313" y="3305176"/>
+            <a:ext cx="7772400" cy="1021556"/>
+          </a:xfrm>
+        </p:spPr>
+        <p:txBody>
+          <a:bodyPr/>
+          <a:lstStyle/>
+          <a:p>
+            <a:pPr lvl="0" indent="0" marL="0">
+              <a:buNone/>
+            </a:pPr>
+            <a:r>
+              <a:rPr/>
+              <a:t>Section B</a:t>
+            </a:r>
+          </a:p>
+        </p:txBody>
+      </p:sp>
+    </p:spTree>
+  </p:cSld>
+</p:sld>
+</file>
+
 <file path=ppt/slides/slide8.xml><?xml version="1.0" encoding="utf-8"?>
 <p:sld xmlns:a="http://schemas.openxmlformats.org/drawingml/2006/main" xmlns:r="http://schemas.openxmlformats.org/officeDocument/2006/relationships" xmlns:p="http://schemas.openxmlformats.org/presentationml/2006/main">
   <p:cSld>
@@ -5361,7 +4784,7 @@
             </a:pPr>
             <a:r>
               <a:rPr/>
-              <a:t>引用</a:t>
+              <a:t>Subsection 1</a:t>
             </a:r>
           </a:p>
         </p:txBody>
@@ -5390,6 +4813,31 @@
       </p:grpSpPr>
       <p:sp>
         <p:nvSpPr>
+          <p:cNvPr id="2" name="Title 1"/>
+          <p:cNvSpPr>
+            <a:spLocks noGrp="1"/>
+          </p:cNvSpPr>
+          <p:nvPr>
+            <p:ph type="title"/>
+          </p:nvPr>
+        </p:nvSpPr>
+        <p:spPr/>
+        <p:txBody>
+          <a:bodyPr/>
+          <a:lstStyle/>
+          <a:p>
+            <a:pPr lvl="0" indent="0" marL="0">
+              <a:buNone/>
+            </a:pPr>
+            <a:r>
+              <a:rPr/>
+              <a:t>代码块</a:t>
+            </a:r>
+          </a:p>
+        </p:txBody>
+      </p:sp>
+      <p:sp>
+        <p:nvSpPr>
           <p:cNvPr id="3" name="Content Placeholder 2"/>
           <p:cNvSpPr>
             <a:spLocks noGrp="1"/>
@@ -5408,17 +4856,340 @@
             </a:pPr>
             <a:r>
               <a:rPr/>
-              <a:t>哇[1, p.1]．哇哦[2], [3]．嗨</a:t>
-            </a:r>
-            <a:r>
-              <a:rPr baseline="30000">
-                <a:hlinkClick r:id="rId2" action="ppaction://hlinksldjump"/>
+              <a:t>行间代码 </a:t>
+            </a:r>
+            <a:r>
+              <a:rPr>
+                <a:latin typeface="Courier"/>
               </a:rPr>
-              <a:t>1</a:t>
+              <a:t>print("Hello, SunQuarTeX")</a:t>
             </a:r>
             <a:r>
               <a:rPr/>
-              <a:t>．</a:t>
+              <a:t>.</a:t>
+            </a:r>
+          </a:p>
+          <a:p>
+            <a:pPr lvl="0" indent="0">
+              <a:buNone/>
+            </a:pPr>
+            <a:r>
+              <a:rPr>
+                <a:solidFill>
+                  <a:srgbClr val="AD0000"/>
+                </a:solidFill>
+                <a:latin typeface="Courier"/>
+              </a:rPr>
+              <a:t>#include</a:t>
+            </a:r>
+            <a:r>
+              <a:rPr>
+                <a:solidFill>
+                  <a:srgbClr val="00769E"/>
+                </a:solidFill>
+                <a:latin typeface="Courier"/>
+              </a:rPr>
+              <a:t>&lt;bits/stdc++.h&gt;</a:t>
+            </a:r>
+            <a:br/>
+            <a:r>
+              <a:rPr b="1">
+                <a:solidFill>
+                  <a:srgbClr val="003B4F"/>
+                </a:solidFill>
+                <a:latin typeface="Courier"/>
+              </a:rPr>
+              <a:t>using</a:t>
+            </a:r>
+            <a:r>
+              <a:rPr>
+                <a:solidFill>
+                  <a:srgbClr val="003B4F"/>
+                </a:solidFill>
+                <a:latin typeface="Courier"/>
+              </a:rPr>
+              <a:t> </a:t>
+            </a:r>
+            <a:r>
+              <a:rPr b="1">
+                <a:solidFill>
+                  <a:srgbClr val="003B4F"/>
+                </a:solidFill>
+                <a:latin typeface="Courier"/>
+              </a:rPr>
+              <a:t>namespace</a:t>
+            </a:r>
+            <a:r>
+              <a:rPr>
+                <a:solidFill>
+                  <a:srgbClr val="003B4F"/>
+                </a:solidFill>
+                <a:latin typeface="Courier"/>
+              </a:rPr>
+              <a:t> std</a:t>
+            </a:r>
+            <a:r>
+              <a:rPr>
+                <a:solidFill>
+                  <a:srgbClr val="5E5E5E"/>
+                </a:solidFill>
+                <a:latin typeface="Courier"/>
+              </a:rPr>
+              <a:t>;</a:t>
+            </a:r>
+            <a:br/>
+            <a:br/>
+            <a:r>
+              <a:rPr>
+                <a:solidFill>
+                  <a:srgbClr val="AD0000"/>
+                </a:solidFill>
+                <a:latin typeface="Courier"/>
+              </a:rPr>
+              <a:t>int</a:t>
+            </a:r>
+            <a:r>
+              <a:rPr>
+                <a:solidFill>
+                  <a:srgbClr val="003B4F"/>
+                </a:solidFill>
+                <a:latin typeface="Courier"/>
+              </a:rPr>
+              <a:t> main</a:t>
+            </a:r>
+            <a:r>
+              <a:rPr>
+                <a:solidFill>
+                  <a:srgbClr val="5E5E5E"/>
+                </a:solidFill>
+                <a:latin typeface="Courier"/>
+              </a:rPr>
+              <a:t>(){</a:t>
+            </a:r>
+            <a:br/>
+            <a:r>
+              <a:rPr>
+                <a:solidFill>
+                  <a:srgbClr val="003B4F"/>
+                </a:solidFill>
+                <a:latin typeface="Courier"/>
+              </a:rPr>
+              <a:t>    </a:t>
+            </a:r>
+            <a:r>
+              <a:rPr b="1">
+                <a:solidFill>
+                  <a:srgbClr val="003B4F"/>
+                </a:solidFill>
+                <a:latin typeface="Courier"/>
+              </a:rPr>
+              <a:t>return</a:t>
+            </a:r>
+            <a:r>
+              <a:rPr>
+                <a:solidFill>
+                  <a:srgbClr val="003B4F"/>
+                </a:solidFill>
+                <a:latin typeface="Courier"/>
+              </a:rPr>
+              <a:t> </a:t>
+            </a:r>
+            <a:r>
+              <a:rPr>
+                <a:solidFill>
+                  <a:srgbClr val="AD0000"/>
+                </a:solidFill>
+                <a:latin typeface="Courier"/>
+              </a:rPr>
+              <a:t>0</a:t>
+            </a:r>
+            <a:r>
+              <a:rPr>
+                <a:solidFill>
+                  <a:srgbClr val="5E5E5E"/>
+                </a:solidFill>
+                <a:latin typeface="Courier"/>
+              </a:rPr>
+              <a:t>;</a:t>
+            </a:r>
+            <a:r>
+              <a:rPr>
+                <a:solidFill>
+                  <a:srgbClr val="003B4F"/>
+                </a:solidFill>
+                <a:latin typeface="Courier"/>
+              </a:rPr>
+              <a:t> </a:t>
+            </a:r>
+            <a:r>
+              <a:rPr>
+                <a:solidFill>
+                  <a:srgbClr val="5E5E5E"/>
+                </a:solidFill>
+                <a:latin typeface="Courier"/>
+              </a:rPr>
+              <a:t>// 返回 0</a:t>
+            </a:r>
+            <a:br/>
+            <a:r>
+              <a:rPr>
+                <a:solidFill>
+                  <a:srgbClr val="5E5E5E"/>
+                </a:solidFill>
+                <a:latin typeface="Courier"/>
+              </a:rPr>
+              <a:t>}</a:t>
+            </a:r>
+          </a:p>
+          <a:p>
+            <a:pPr lvl="0" indent="0">
+              <a:buNone/>
+            </a:pPr>
+            <a:r>
+              <a:rPr b="1">
+                <a:solidFill>
+                  <a:srgbClr val="003B4F"/>
+                </a:solidFill>
+                <a:latin typeface="Courier"/>
+              </a:rPr>
+              <a:t>example</a:t>
+            </a:r>
+            <a:r>
+              <a:rPr>
+                <a:solidFill>
+                  <a:srgbClr val="003B4F"/>
+                </a:solidFill>
+                <a:latin typeface="Courier"/>
+              </a:rPr>
+              <a:t> : (</a:t>
+            </a:r>
+            <a:r>
+              <a:rPr b="1">
+                <a:solidFill>
+                  <a:srgbClr val="003B4F"/>
+                </a:solidFill>
+                <a:latin typeface="Courier"/>
+              </a:rPr>
+              <a:t>∀</a:t>
+            </a:r>
+            <a:r>
+              <a:rPr>
+                <a:solidFill>
+                  <a:srgbClr val="003B4F"/>
+                </a:solidFill>
+                <a:latin typeface="Courier"/>
+              </a:rPr>
+              <a:t> x, p x → r) → ((</a:t>
+            </a:r>
+            <a:r>
+              <a:rPr b="1">
+                <a:solidFill>
+                  <a:srgbClr val="003B4F"/>
+                </a:solidFill>
+                <a:latin typeface="Courier"/>
+              </a:rPr>
+              <a:t>∃</a:t>
+            </a:r>
+            <a:r>
+              <a:rPr>
+                <a:solidFill>
+                  <a:srgbClr val="003B4F"/>
+                </a:solidFill>
+                <a:latin typeface="Courier"/>
+              </a:rPr>
+              <a:t> x, p x) → r) </a:t>
+            </a:r>
+            <a:r>
+              <a:rPr>
+                <a:solidFill>
+                  <a:srgbClr val="5E5E5E"/>
+                </a:solidFill>
+                <a:latin typeface="Courier"/>
+              </a:rPr>
+              <a:t>:=</a:t>
+            </a:r>
+            <a:r>
+              <a:rPr>
+                <a:solidFill>
+                  <a:srgbClr val="003B4F"/>
+                </a:solidFill>
+                <a:latin typeface="Courier"/>
+              </a:rPr>
+              <a:t> </a:t>
+            </a:r>
+            <a:r>
+              <a:rPr b="1">
+                <a:solidFill>
+                  <a:srgbClr val="003B4F"/>
+                </a:solidFill>
+                <a:latin typeface="Courier"/>
+              </a:rPr>
+              <a:t>by</a:t>
+            </a:r>
+            <a:br/>
+            <a:r>
+              <a:rPr>
+                <a:solidFill>
+                  <a:srgbClr val="003B4F"/>
+                </a:solidFill>
+                <a:latin typeface="Courier"/>
+              </a:rPr>
+              <a:t>  </a:t>
+            </a:r>
+            <a:r>
+              <a:rPr>
+                <a:solidFill>
+                  <a:srgbClr val="4758AB"/>
+                </a:solidFill>
+                <a:latin typeface="Courier"/>
+              </a:rPr>
+              <a:t>intro</a:t>
+            </a:r>
+            <a:r>
+              <a:rPr>
+                <a:solidFill>
+                  <a:srgbClr val="003B4F"/>
+                </a:solidFill>
+                <a:latin typeface="Courier"/>
+              </a:rPr>
+              <a:t> h ⟨a, hpa⟩ </a:t>
+            </a:r>
+            <a:r>
+              <a:rPr>
+                <a:solidFill>
+                  <a:srgbClr val="5E5E5E"/>
+                </a:solidFill>
+                <a:latin typeface="Courier"/>
+              </a:rPr>
+              <a:t>-- you may also `rcases` explicitly</a:t>
+            </a:r>
+            <a:br/>
+            <a:r>
+              <a:rPr>
+                <a:solidFill>
+                  <a:srgbClr val="003B4F"/>
+                </a:solidFill>
+                <a:latin typeface="Courier"/>
+              </a:rPr>
+              <a:t>  </a:t>
+            </a:r>
+            <a:r>
+              <a:rPr>
+                <a:solidFill>
+                  <a:srgbClr val="4758AB"/>
+                </a:solidFill>
+                <a:latin typeface="Courier"/>
+              </a:rPr>
+              <a:t>exact</a:t>
+            </a:r>
+            <a:r>
+              <a:rPr>
+                <a:solidFill>
+                  <a:srgbClr val="003B4F"/>
+                </a:solidFill>
+                <a:latin typeface="Courier"/>
+              </a:rPr>
+              <a:t> h a hpa</a:t>
             </a:r>
           </a:p>
         </p:txBody>

--- a/examples/cnpre.pptx
+++ b/examples/cnpre.pptx
@@ -2,7 +2,7 @@
 <file path=ppt/presentation.xml><?xml version="1.0" encoding="utf-8"?>
 <p:presentation xmlns:a="http://schemas.openxmlformats.org/drawingml/2006/main" xmlns:p="http://schemas.openxmlformats.org/presentationml/2006/main" xmlns:r="http://schemas.openxmlformats.org/officeDocument/2006/relationships" autoCompressPictures="0" saveSubsetFonts="1">
   <p:sldMasterIdLst>
-    <p:sldMasterId id="2147483648" r:id="rId1"/>
+    <p:sldMasterId id="2147483678" r:id="rId1"/>
   </p:sldMasterIdLst>
   <p:sldIdLst>
     <p:sldId id="256" r:id="rId2"/>
@@ -22,6 +22,7 @@
     <p:sldId id="270" r:id="rId16"/>
     <p:sldId id="271" r:id="rId17"/>
     <p:sldId id="272" r:id="rId18"/>
+    <p:sldId id="273" r:id="rId19"/>
   </p:sldIdLst>
   <p:sldSz cx="9144000" cy="5143500" type="screen16x9"/>
   <p:notesSz cx="6858000" cy="9144000"/>
@@ -140,7 +141,7 @@
 </file>
 
 <file path=ppt/slideLayouts/slideLayout1.xml><?xml version="1.0" encoding="utf-8"?>
-<p:sldLayout xmlns:a="http://schemas.openxmlformats.org/drawingml/2006/main" xmlns:r="http://schemas.openxmlformats.org/officeDocument/2006/relationships" xmlns:p="http://schemas.openxmlformats.org/presentationml/2006/main" type="title" preserve="1">
+<p:sldLayout xmlns:a="http://schemas.openxmlformats.org/drawingml/2006/main" xmlns:r="http://schemas.openxmlformats.org/officeDocument/2006/relationships" xmlns:p="http://schemas.openxmlformats.org/presentationml/2006/main" showMasterSp="0" type="title" preserve="1">
   <p:cSld name="Title Slide">
     <p:spTree>
       <p:nvGrpSpPr>
@@ -156,6 +157,536 @@
           <a:chExt cx="0" cy="0"/>
         </a:xfrm>
       </p:grpSpPr>
+      <p:grpSp>
+        <p:nvGrpSpPr>
+          <p:cNvPr id="7" name="Group 6"/>
+          <p:cNvGrpSpPr/>
+          <p:nvPr/>
+        </p:nvGrpSpPr>
+        <p:grpSpPr>
+          <a:xfrm>
+            <a:off x="0" y="-6350"/>
+            <a:ext cx="9144000" cy="5149850"/>
+            <a:chOff x="0" y="-8467"/>
+            <a:chExt cx="12192000" cy="6866467"/>
+          </a:xfrm>
+        </p:grpSpPr>
+        <p:cxnSp>
+          <p:nvCxnSpPr>
+            <p:cNvPr id="32" name="Straight Connector 31"/>
+            <p:cNvCxnSpPr/>
+            <p:nvPr/>
+          </p:nvCxnSpPr>
+          <p:spPr>
+            <a:xfrm>
+              <a:off x="9371012" y="0"/>
+              <a:ext cx="1219200" cy="6858000"/>
+            </a:xfrm>
+            <a:prstGeom prst="line">
+              <a:avLst/>
+            </a:prstGeom>
+            <a:ln w="9525">
+              <a:solidFill>
+                <a:schemeClr val="bg1">
+                  <a:lumMod val="75000"/>
+                </a:schemeClr>
+              </a:solidFill>
+            </a:ln>
+          </p:spPr>
+          <p:style>
+            <a:lnRef idx="2">
+              <a:schemeClr val="accent1"/>
+            </a:lnRef>
+            <a:fillRef idx="0">
+              <a:schemeClr val="accent1"/>
+            </a:fillRef>
+            <a:effectRef idx="1">
+              <a:schemeClr val="accent1"/>
+            </a:effectRef>
+            <a:fontRef idx="minor">
+              <a:schemeClr val="tx1"/>
+            </a:fontRef>
+          </p:style>
+        </p:cxnSp>
+        <p:cxnSp>
+          <p:nvCxnSpPr>
+            <p:cNvPr id="21" name="Straight Connector 20"/>
+            <p:cNvCxnSpPr/>
+            <p:nvPr/>
+          </p:nvCxnSpPr>
+          <p:spPr>
+            <a:xfrm flipH="1">
+              <a:off x="7425267" y="3681413"/>
+              <a:ext cx="4763558" cy="3176587"/>
+            </a:xfrm>
+            <a:prstGeom prst="line">
+              <a:avLst/>
+            </a:prstGeom>
+            <a:ln w="9525">
+              <a:solidFill>
+                <a:schemeClr val="bg1">
+                  <a:lumMod val="85000"/>
+                </a:schemeClr>
+              </a:solidFill>
+            </a:ln>
+          </p:spPr>
+          <p:style>
+            <a:lnRef idx="2">
+              <a:schemeClr val="accent1"/>
+            </a:lnRef>
+            <a:fillRef idx="0">
+              <a:schemeClr val="accent1"/>
+            </a:fillRef>
+            <a:effectRef idx="1">
+              <a:schemeClr val="accent1"/>
+            </a:effectRef>
+            <a:fontRef idx="minor">
+              <a:schemeClr val="tx1"/>
+            </a:fontRef>
+          </p:style>
+        </p:cxnSp>
+        <p:sp>
+          <p:nvSpPr>
+            <p:cNvPr id="24" name="Rectangle 23"/>
+            <p:cNvSpPr/>
+            <p:nvPr/>
+          </p:nvSpPr>
+          <p:spPr>
+            <a:xfrm>
+              <a:off x="9181476" y="-8467"/>
+              <a:ext cx="3007349" cy="6866467"/>
+            </a:xfrm>
+            <a:custGeom>
+              <a:avLst/>
+              <a:gdLst/>
+              <a:ahLst/>
+              <a:cxnLst/>
+              <a:rect l="l" t="t" r="r" b="b"/>
+              <a:pathLst>
+                <a:path w="3007349" h="6866467">
+                  <a:moveTo>
+                    <a:pt x="2045532" y="0"/>
+                  </a:moveTo>
+                  <a:lnTo>
+                    <a:pt x="3007349" y="0"/>
+                  </a:lnTo>
+                  <a:lnTo>
+                    <a:pt x="3007349" y="6866467"/>
+                  </a:lnTo>
+                  <a:lnTo>
+                    <a:pt x="0" y="6866467"/>
+                  </a:lnTo>
+                  <a:lnTo>
+                    <a:pt x="2045532" y="0"/>
+                  </a:lnTo>
+                  <a:close/>
+                </a:path>
+              </a:pathLst>
+            </a:custGeom>
+            <a:solidFill>
+              <a:schemeClr val="accent1">
+                <a:alpha val="30000"/>
+              </a:schemeClr>
+            </a:solidFill>
+            <a:ln>
+              <a:noFill/>
+            </a:ln>
+            <a:effectLst/>
+          </p:spPr>
+          <p:style>
+            <a:lnRef idx="1">
+              <a:schemeClr val="accent1"/>
+            </a:lnRef>
+            <a:fillRef idx="3">
+              <a:schemeClr val="accent1"/>
+            </a:fillRef>
+            <a:effectRef idx="2">
+              <a:schemeClr val="accent1"/>
+            </a:effectRef>
+            <a:fontRef idx="minor">
+              <a:schemeClr val="lt1"/>
+            </a:fontRef>
+          </p:style>
+        </p:sp>
+        <p:sp>
+          <p:nvSpPr>
+            <p:cNvPr id="26" name="Rectangle 25"/>
+            <p:cNvSpPr/>
+            <p:nvPr/>
+          </p:nvSpPr>
+          <p:spPr>
+            <a:xfrm>
+              <a:off x="9603442" y="-8467"/>
+              <a:ext cx="2588558" cy="6866467"/>
+            </a:xfrm>
+            <a:custGeom>
+              <a:avLst/>
+              <a:gdLst/>
+              <a:ahLst/>
+              <a:cxnLst/>
+              <a:rect l="l" t="t" r="r" b="b"/>
+              <a:pathLst>
+                <a:path w="2573311" h="6866467">
+                  <a:moveTo>
+                    <a:pt x="0" y="0"/>
+                  </a:moveTo>
+                  <a:lnTo>
+                    <a:pt x="2573311" y="0"/>
+                  </a:lnTo>
+                  <a:lnTo>
+                    <a:pt x="2573311" y="6866467"/>
+                  </a:lnTo>
+                  <a:lnTo>
+                    <a:pt x="1202336" y="6866467"/>
+                  </a:lnTo>
+                  <a:lnTo>
+                    <a:pt x="0" y="0"/>
+                  </a:lnTo>
+                  <a:close/>
+                </a:path>
+              </a:pathLst>
+            </a:custGeom>
+            <a:solidFill>
+              <a:schemeClr val="accent1">
+                <a:alpha val="20000"/>
+              </a:schemeClr>
+            </a:solidFill>
+            <a:ln>
+              <a:noFill/>
+            </a:ln>
+            <a:effectLst/>
+          </p:spPr>
+          <p:style>
+            <a:lnRef idx="1">
+              <a:schemeClr val="accent1"/>
+            </a:lnRef>
+            <a:fillRef idx="3">
+              <a:schemeClr val="accent1"/>
+            </a:fillRef>
+            <a:effectRef idx="2">
+              <a:schemeClr val="accent1"/>
+            </a:effectRef>
+            <a:fontRef idx="minor">
+              <a:schemeClr val="lt1"/>
+            </a:fontRef>
+          </p:style>
+        </p:sp>
+        <p:sp>
+          <p:nvSpPr>
+            <p:cNvPr id="27" name="Isosceles Triangle 26"/>
+            <p:cNvSpPr/>
+            <p:nvPr/>
+          </p:nvSpPr>
+          <p:spPr>
+            <a:xfrm>
+              <a:off x="8932333" y="3048000"/>
+              <a:ext cx="3259667" cy="3810000"/>
+            </a:xfrm>
+            <a:prstGeom prst="triangle">
+              <a:avLst>
+                <a:gd name="adj" fmla="val 100000"/>
+              </a:avLst>
+            </a:prstGeom>
+            <a:solidFill>
+              <a:schemeClr val="accent2">
+                <a:alpha val="72000"/>
+              </a:schemeClr>
+            </a:solidFill>
+            <a:ln>
+              <a:noFill/>
+            </a:ln>
+            <a:effectLst/>
+          </p:spPr>
+          <p:style>
+            <a:lnRef idx="1">
+              <a:schemeClr val="accent1"/>
+            </a:lnRef>
+            <a:fillRef idx="3">
+              <a:schemeClr val="accent1"/>
+            </a:fillRef>
+            <a:effectRef idx="2">
+              <a:schemeClr val="accent1"/>
+            </a:effectRef>
+            <a:fontRef idx="minor">
+              <a:schemeClr val="lt1"/>
+            </a:fontRef>
+          </p:style>
+        </p:sp>
+        <p:sp>
+          <p:nvSpPr>
+            <p:cNvPr id="28" name="Rectangle 27"/>
+            <p:cNvSpPr/>
+            <p:nvPr/>
+          </p:nvSpPr>
+          <p:spPr>
+            <a:xfrm>
+              <a:off x="9334500" y="-8467"/>
+              <a:ext cx="2854326" cy="6866467"/>
+            </a:xfrm>
+            <a:custGeom>
+              <a:avLst/>
+              <a:gdLst/>
+              <a:ahLst/>
+              <a:cxnLst/>
+              <a:rect l="l" t="t" r="r" b="b"/>
+              <a:pathLst>
+                <a:path w="2858013" h="6866467">
+                  <a:moveTo>
+                    <a:pt x="0" y="0"/>
+                  </a:moveTo>
+                  <a:lnTo>
+                    <a:pt x="2858013" y="0"/>
+                  </a:lnTo>
+                  <a:lnTo>
+                    <a:pt x="2858013" y="6866467"/>
+                  </a:lnTo>
+                  <a:lnTo>
+                    <a:pt x="2473942" y="6866467"/>
+                  </a:lnTo>
+                  <a:lnTo>
+                    <a:pt x="0" y="0"/>
+                  </a:lnTo>
+                  <a:close/>
+                </a:path>
+              </a:pathLst>
+            </a:custGeom>
+            <a:solidFill>
+              <a:schemeClr val="accent2">
+                <a:lumMod val="75000"/>
+                <a:alpha val="70000"/>
+              </a:schemeClr>
+            </a:solidFill>
+            <a:ln>
+              <a:noFill/>
+            </a:ln>
+            <a:effectLst/>
+          </p:spPr>
+          <p:style>
+            <a:lnRef idx="1">
+              <a:schemeClr val="accent1"/>
+            </a:lnRef>
+            <a:fillRef idx="3">
+              <a:schemeClr val="accent1"/>
+            </a:fillRef>
+            <a:effectRef idx="2">
+              <a:schemeClr val="accent1"/>
+            </a:effectRef>
+            <a:fontRef idx="minor">
+              <a:schemeClr val="lt1"/>
+            </a:fontRef>
+          </p:style>
+        </p:sp>
+        <p:sp>
+          <p:nvSpPr>
+            <p:cNvPr id="29" name="Rectangle 28"/>
+            <p:cNvSpPr/>
+            <p:nvPr/>
+          </p:nvSpPr>
+          <p:spPr>
+            <a:xfrm>
+              <a:off x="10898730" y="-8467"/>
+              <a:ext cx="1290094" cy="6866467"/>
+            </a:xfrm>
+            <a:custGeom>
+              <a:avLst/>
+              <a:gdLst/>
+              <a:ahLst/>
+              <a:cxnLst/>
+              <a:rect l="l" t="t" r="r" b="b"/>
+              <a:pathLst>
+                <a:path w="1290094" h="6858000">
+                  <a:moveTo>
+                    <a:pt x="1019735" y="0"/>
+                  </a:moveTo>
+                  <a:lnTo>
+                    <a:pt x="1290094" y="0"/>
+                  </a:lnTo>
+                  <a:lnTo>
+                    <a:pt x="1290094" y="6858000"/>
+                  </a:lnTo>
+                  <a:lnTo>
+                    <a:pt x="0" y="6858000"/>
+                  </a:lnTo>
+                  <a:lnTo>
+                    <a:pt x="1019735" y="0"/>
+                  </a:lnTo>
+                  <a:close/>
+                </a:path>
+              </a:pathLst>
+            </a:custGeom>
+            <a:solidFill>
+              <a:schemeClr val="accent1">
+                <a:lumMod val="60000"/>
+                <a:lumOff val="40000"/>
+                <a:alpha val="70000"/>
+              </a:schemeClr>
+            </a:solidFill>
+            <a:ln>
+              <a:noFill/>
+            </a:ln>
+            <a:effectLst/>
+          </p:spPr>
+          <p:style>
+            <a:lnRef idx="1">
+              <a:schemeClr val="accent1"/>
+            </a:lnRef>
+            <a:fillRef idx="3">
+              <a:schemeClr val="accent1"/>
+            </a:fillRef>
+            <a:effectRef idx="2">
+              <a:schemeClr val="accent1"/>
+            </a:effectRef>
+            <a:fontRef idx="minor">
+              <a:schemeClr val="lt1"/>
+            </a:fontRef>
+          </p:style>
+        </p:sp>
+        <p:sp>
+          <p:nvSpPr>
+            <p:cNvPr id="30" name="Rectangle 29"/>
+            <p:cNvSpPr/>
+            <p:nvPr/>
+          </p:nvSpPr>
+          <p:spPr>
+            <a:xfrm>
+              <a:off x="10938999" y="-8467"/>
+              <a:ext cx="1249825" cy="6866467"/>
+            </a:xfrm>
+            <a:custGeom>
+              <a:avLst/>
+              <a:gdLst/>
+              <a:ahLst/>
+              <a:cxnLst/>
+              <a:rect l="l" t="t" r="r" b="b"/>
+              <a:pathLst>
+                <a:path w="1249825" h="6858000">
+                  <a:moveTo>
+                    <a:pt x="0" y="0"/>
+                  </a:moveTo>
+                  <a:lnTo>
+                    <a:pt x="1249825" y="0"/>
+                  </a:lnTo>
+                  <a:lnTo>
+                    <a:pt x="1249825" y="6858000"/>
+                  </a:lnTo>
+                  <a:lnTo>
+                    <a:pt x="1109382" y="6858000"/>
+                  </a:lnTo>
+                  <a:lnTo>
+                    <a:pt x="0" y="0"/>
+                  </a:lnTo>
+                  <a:close/>
+                </a:path>
+              </a:pathLst>
+            </a:custGeom>
+            <a:solidFill>
+              <a:schemeClr val="accent1">
+                <a:alpha val="65000"/>
+              </a:schemeClr>
+            </a:solidFill>
+            <a:ln>
+              <a:noFill/>
+            </a:ln>
+            <a:effectLst/>
+          </p:spPr>
+          <p:style>
+            <a:lnRef idx="1">
+              <a:schemeClr val="accent1"/>
+            </a:lnRef>
+            <a:fillRef idx="3">
+              <a:schemeClr val="accent1"/>
+            </a:fillRef>
+            <a:effectRef idx="2">
+              <a:schemeClr val="accent1"/>
+            </a:effectRef>
+            <a:fontRef idx="minor">
+              <a:schemeClr val="lt1"/>
+            </a:fontRef>
+          </p:style>
+        </p:sp>
+        <p:sp>
+          <p:nvSpPr>
+            <p:cNvPr id="31" name="Isosceles Triangle 30"/>
+            <p:cNvSpPr/>
+            <p:nvPr/>
+          </p:nvSpPr>
+          <p:spPr>
+            <a:xfrm>
+              <a:off x="10371666" y="3589867"/>
+              <a:ext cx="1817159" cy="3268133"/>
+            </a:xfrm>
+            <a:prstGeom prst="triangle">
+              <a:avLst>
+                <a:gd name="adj" fmla="val 100000"/>
+              </a:avLst>
+            </a:prstGeom>
+            <a:solidFill>
+              <a:schemeClr val="accent1">
+                <a:alpha val="80000"/>
+              </a:schemeClr>
+            </a:solidFill>
+            <a:ln>
+              <a:noFill/>
+            </a:ln>
+            <a:effectLst/>
+          </p:spPr>
+          <p:style>
+            <a:lnRef idx="1">
+              <a:schemeClr val="accent1"/>
+            </a:lnRef>
+            <a:fillRef idx="3">
+              <a:schemeClr val="accent1"/>
+            </a:fillRef>
+            <a:effectRef idx="2">
+              <a:schemeClr val="accent1"/>
+            </a:effectRef>
+            <a:fontRef idx="minor">
+              <a:schemeClr val="lt1"/>
+            </a:fontRef>
+          </p:style>
+        </p:sp>
+        <p:sp>
+          <p:nvSpPr>
+            <p:cNvPr id="19" name="Isosceles Triangle 18"/>
+            <p:cNvSpPr/>
+            <p:nvPr/>
+          </p:nvSpPr>
+          <p:spPr>
+            <a:xfrm rot="10800000">
+              <a:off x="0" y="0"/>
+              <a:ext cx="842596" cy="5666154"/>
+            </a:xfrm>
+            <a:prstGeom prst="triangle">
+              <a:avLst>
+                <a:gd name="adj" fmla="val 100000"/>
+              </a:avLst>
+            </a:prstGeom>
+            <a:solidFill>
+              <a:schemeClr val="accent1">
+                <a:alpha val="85000"/>
+              </a:schemeClr>
+            </a:solidFill>
+            <a:ln>
+              <a:noFill/>
+            </a:ln>
+            <a:effectLst/>
+          </p:spPr>
+          <p:style>
+            <a:lnRef idx="1">
+              <a:schemeClr val="accent1"/>
+            </a:lnRef>
+            <a:fillRef idx="3">
+              <a:schemeClr val="accent1"/>
+            </a:fillRef>
+            <a:effectRef idx="2">
+              <a:schemeClr val="accent1"/>
+            </a:effectRef>
+            <a:fontRef idx="minor">
+              <a:schemeClr val="lt1"/>
+            </a:fontRef>
+          </p:style>
+        </p:sp>
+      </p:grpSp>
       <p:sp>
         <p:nvSpPr>
           <p:cNvPr id="2" name="Title 1"/>
@@ -168,18 +699,29 @@
         </p:nvSpPr>
         <p:spPr>
           <a:xfrm>
-            <a:off x="685800" y="1597819"/>
-            <a:ext cx="7772400" cy="1102519"/>
+            <a:off x="1130300" y="1803400"/>
+            <a:ext cx="5825202" cy="1234727"/>
           </a:xfrm>
         </p:spPr>
         <p:txBody>
-          <a:bodyPr/>
-          <a:lstStyle/>
-          <a:p>
-            <a:r>
-              <a:rPr lang="en-US"/>
+          <a:bodyPr anchor="b">
+            <a:noAutofit/>
+          </a:bodyPr>
+          <a:lstStyle>
+            <a:lvl1pPr algn="r">
+              <a:defRPr sz="4050">
+                <a:solidFill>
+                  <a:schemeClr val="accent1"/>
+                </a:solidFill>
+              </a:defRPr>
+            </a:lvl1pPr>
+          </a:lstStyle>
+          <a:p>
+            <a:r>
+              <a:rPr lang="en-US" altLang="zh-CN"/>
               <a:t>Click to edit Master title style</a:t>
             </a:r>
+            <a:endParaRPr lang="en-US" dirty="0"/>
           </a:p>
         </p:txBody>
       </p:sp>
@@ -195,14 +737,25 @@
         </p:nvSpPr>
         <p:spPr>
           <a:xfrm>
-            <a:off x="1371600" y="2914650"/>
-            <a:ext cx="6400800" cy="1314450"/>
+            <a:off x="1130300" y="3038125"/>
+            <a:ext cx="5825202" cy="822674"/>
           </a:xfrm>
         </p:spPr>
         <p:txBody>
-          <a:bodyPr/>
+          <a:bodyPr anchor="t"/>
           <a:lstStyle>
-            <a:lvl1pPr marL="0" indent="0" algn="ctr">
+            <a:lvl1pPr marL="0" indent="0" algn="r">
+              <a:buNone/>
+              <a:defRPr>
+                <a:solidFill>
+                  <a:schemeClr val="tx1">
+                    <a:lumMod val="50000"/>
+                    <a:lumOff val="50000"/>
+                  </a:schemeClr>
+                </a:solidFill>
+              </a:defRPr>
+            </a:lvl1pPr>
+            <a:lvl2pPr marL="342900" indent="0" algn="ctr">
               <a:buNone/>
               <a:defRPr>
                 <a:solidFill>
@@ -211,8 +764,8 @@
                   </a:schemeClr>
                 </a:solidFill>
               </a:defRPr>
-            </a:lvl1pPr>
-            <a:lvl2pPr marL="342900" indent="0" algn="ctr">
+            </a:lvl2pPr>
+            <a:lvl3pPr marL="685800" indent="0" algn="ctr">
               <a:buNone/>
               <a:defRPr>
                 <a:solidFill>
@@ -221,8 +774,8 @@
                   </a:schemeClr>
                 </a:solidFill>
               </a:defRPr>
-            </a:lvl2pPr>
-            <a:lvl3pPr marL="685800" indent="0" algn="ctr">
+            </a:lvl3pPr>
+            <a:lvl4pPr marL="1028700" indent="0" algn="ctr">
               <a:buNone/>
               <a:defRPr>
                 <a:solidFill>
@@ -231,8 +784,8 @@
                   </a:schemeClr>
                 </a:solidFill>
               </a:defRPr>
-            </a:lvl3pPr>
-            <a:lvl4pPr marL="1028700" indent="0" algn="ctr">
+            </a:lvl4pPr>
+            <a:lvl5pPr marL="1371600" indent="0" algn="ctr">
               <a:buNone/>
               <a:defRPr>
                 <a:solidFill>
@@ -241,8 +794,8 @@
                   </a:schemeClr>
                 </a:solidFill>
               </a:defRPr>
-            </a:lvl4pPr>
-            <a:lvl5pPr marL="1371600" indent="0" algn="ctr">
+            </a:lvl5pPr>
+            <a:lvl6pPr marL="1714500" indent="0" algn="ctr">
               <a:buNone/>
               <a:defRPr>
                 <a:solidFill>
@@ -251,8 +804,8 @@
                   </a:schemeClr>
                 </a:solidFill>
               </a:defRPr>
-            </a:lvl5pPr>
-            <a:lvl6pPr marL="1714500" indent="0" algn="ctr">
+            </a:lvl6pPr>
+            <a:lvl7pPr marL="2057400" indent="0" algn="ctr">
               <a:buNone/>
               <a:defRPr>
                 <a:solidFill>
@@ -261,8 +814,8 @@
                   </a:schemeClr>
                 </a:solidFill>
               </a:defRPr>
-            </a:lvl6pPr>
-            <a:lvl7pPr marL="2057400" indent="0" algn="ctr">
+            </a:lvl7pPr>
+            <a:lvl8pPr marL="2400300" indent="0" algn="ctr">
               <a:buNone/>
               <a:defRPr>
                 <a:solidFill>
@@ -271,8 +824,8 @@
                   </a:schemeClr>
                 </a:solidFill>
               </a:defRPr>
-            </a:lvl7pPr>
-            <a:lvl8pPr marL="2400300" indent="0" algn="ctr">
+            </a:lvl8pPr>
+            <a:lvl9pPr marL="2743200" indent="0" algn="ctr">
               <a:buNone/>
               <a:defRPr>
                 <a:solidFill>
@@ -281,23 +834,14 @@
                   </a:schemeClr>
                 </a:solidFill>
               </a:defRPr>
-            </a:lvl8pPr>
-            <a:lvl9pPr marL="2743200" indent="0" algn="ctr">
-              <a:buNone/>
-              <a:defRPr>
-                <a:solidFill>
-                  <a:schemeClr val="tx1">
-                    <a:tint val="75000"/>
-                  </a:schemeClr>
-                </a:solidFill>
-              </a:defRPr>
             </a:lvl9pPr>
           </a:lstStyle>
           <a:p>
             <a:r>
-              <a:rPr lang="en-US"/>
+              <a:rPr lang="en-US" altLang="zh-CN"/>
               <a:t>Click to edit Master subtitle style</a:t>
             </a:r>
+            <a:endParaRPr lang="en-US" dirty="0"/>
           </a:p>
         </p:txBody>
       </p:sp>
@@ -318,7 +862,7 @@
           <a:p>
             <a:fld id="{241EB5C9-1307-BA42-ABA2-0BC069CD8E7F}" type="datetimeFigureOut">
               <a:rPr lang="en-US" smtClean="0"/>
-              <a:t>1/2/22</a:t>
+              <a:t>12/25/2025</a:t>
             </a:fld>
             <a:endParaRPr lang="en-US"/>
           </a:p>
@@ -369,7 +913,270 @@
     </p:spTree>
     <p:extLst>
       <p:ext uri="{BB962C8B-B14F-4D97-AF65-F5344CB8AC3E}">
-        <p14:creationId xmlns:p14="http://schemas.microsoft.com/office/powerpoint/2010/main" val="1444357513"/>
+        <p14:creationId xmlns:p14="http://schemas.microsoft.com/office/powerpoint/2010/main" val="239926993"/>
+      </p:ext>
+    </p:extLst>
+  </p:cSld>
+  <p:clrMapOvr>
+    <a:masterClrMapping/>
+  </p:clrMapOvr>
+  <mc:AlternateContent xmlns:mc="http://schemas.openxmlformats.org/markup-compatibility/2006" xmlns:p14="http://schemas.microsoft.com/office/powerpoint/2010/main">
+    <mc:Choice Requires="p14">
+      <p:transition spd="slow" p14:dur="3000">
+        <p14:reveal/>
+      </p:transition>
+    </mc:Choice>
+    <mc:Fallback xmlns="">
+      <p:transition spd="slow">
+        <p:fade/>
+      </p:transition>
+    </mc:Fallback>
+  </mc:AlternateContent>
+</p:sldLayout>
+</file>
+
+<file path=ppt/slideLayouts/slideLayout10.xml><?xml version="1.0" encoding="utf-8"?>
+<p:sldLayout xmlns:a="http://schemas.openxmlformats.org/drawingml/2006/main" xmlns:r="http://schemas.openxmlformats.org/officeDocument/2006/relationships" xmlns:p="http://schemas.openxmlformats.org/presentationml/2006/main" preserve="1">
+  <p:cSld name="Title and Caption">
+    <p:spTree>
+      <p:nvGrpSpPr>
+        <p:cNvPr id="1" name=""/>
+        <p:cNvGrpSpPr/>
+        <p:nvPr/>
+      </p:nvGrpSpPr>
+      <p:grpSpPr>
+        <a:xfrm>
+          <a:off x="0" y="0"/>
+          <a:ext cx="0" cy="0"/>
+          <a:chOff x="0" y="0"/>
+          <a:chExt cx="0" cy="0"/>
+        </a:xfrm>
+      </p:grpSpPr>
+      <p:sp>
+        <p:nvSpPr>
+          <p:cNvPr id="2" name="Title 1"/>
+          <p:cNvSpPr>
+            <a:spLocks noGrp="1"/>
+          </p:cNvSpPr>
+          <p:nvPr>
+            <p:ph type="title"/>
+          </p:nvPr>
+        </p:nvSpPr>
+        <p:spPr>
+          <a:xfrm>
+            <a:off x="508001" y="457200"/>
+            <a:ext cx="6447501" cy="2552700"/>
+          </a:xfrm>
+        </p:spPr>
+        <p:txBody>
+          <a:bodyPr anchor="ctr">
+            <a:normAutofit/>
+          </a:bodyPr>
+          <a:lstStyle>
+            <a:lvl1pPr algn="l">
+              <a:defRPr sz="3300" b="0" cap="none"/>
+            </a:lvl1pPr>
+          </a:lstStyle>
+          <a:p>
+            <a:r>
+              <a:rPr lang="en-US" altLang="zh-CN"/>
+              <a:t>Click to edit Master title style</a:t>
+            </a:r>
+            <a:endParaRPr lang="en-US" dirty="0"/>
+          </a:p>
+        </p:txBody>
+      </p:sp>
+      <p:sp>
+        <p:nvSpPr>
+          <p:cNvPr id="3" name="Text Placeholder 2"/>
+          <p:cNvSpPr>
+            <a:spLocks noGrp="1"/>
+          </p:cNvSpPr>
+          <p:nvPr>
+            <p:ph type="body" idx="1"/>
+          </p:nvPr>
+        </p:nvSpPr>
+        <p:spPr>
+          <a:xfrm>
+            <a:off x="508001" y="3352800"/>
+            <a:ext cx="6447501" cy="1178222"/>
+          </a:xfrm>
+        </p:spPr>
+        <p:txBody>
+          <a:bodyPr anchor="ctr">
+            <a:normAutofit/>
+          </a:bodyPr>
+          <a:lstStyle>
+            <a:lvl1pPr marL="0" indent="0" algn="l">
+              <a:buNone/>
+              <a:defRPr sz="1350">
+                <a:solidFill>
+                  <a:schemeClr val="tx1">
+                    <a:lumMod val="75000"/>
+                    <a:lumOff val="25000"/>
+                  </a:schemeClr>
+                </a:solidFill>
+              </a:defRPr>
+            </a:lvl1pPr>
+            <a:lvl2pPr marL="342900" indent="0">
+              <a:buNone/>
+              <a:defRPr sz="1350">
+                <a:solidFill>
+                  <a:schemeClr val="tx1">
+                    <a:tint val="75000"/>
+                  </a:schemeClr>
+                </a:solidFill>
+              </a:defRPr>
+            </a:lvl2pPr>
+            <a:lvl3pPr marL="685800" indent="0">
+              <a:buNone/>
+              <a:defRPr sz="1200">
+                <a:solidFill>
+                  <a:schemeClr val="tx1">
+                    <a:tint val="75000"/>
+                  </a:schemeClr>
+                </a:solidFill>
+              </a:defRPr>
+            </a:lvl3pPr>
+            <a:lvl4pPr marL="1028700" indent="0">
+              <a:buNone/>
+              <a:defRPr sz="1050">
+                <a:solidFill>
+                  <a:schemeClr val="tx1">
+                    <a:tint val="75000"/>
+                  </a:schemeClr>
+                </a:solidFill>
+              </a:defRPr>
+            </a:lvl4pPr>
+            <a:lvl5pPr marL="1371600" indent="0">
+              <a:buNone/>
+              <a:defRPr sz="1050">
+                <a:solidFill>
+                  <a:schemeClr val="tx1">
+                    <a:tint val="75000"/>
+                  </a:schemeClr>
+                </a:solidFill>
+              </a:defRPr>
+            </a:lvl5pPr>
+            <a:lvl6pPr marL="1714500" indent="0">
+              <a:buNone/>
+              <a:defRPr sz="1050">
+                <a:solidFill>
+                  <a:schemeClr val="tx1">
+                    <a:tint val="75000"/>
+                  </a:schemeClr>
+                </a:solidFill>
+              </a:defRPr>
+            </a:lvl6pPr>
+            <a:lvl7pPr marL="2057400" indent="0">
+              <a:buNone/>
+              <a:defRPr sz="1050">
+                <a:solidFill>
+                  <a:schemeClr val="tx1">
+                    <a:tint val="75000"/>
+                  </a:schemeClr>
+                </a:solidFill>
+              </a:defRPr>
+            </a:lvl7pPr>
+            <a:lvl8pPr marL="2400300" indent="0">
+              <a:buNone/>
+              <a:defRPr sz="1050">
+                <a:solidFill>
+                  <a:schemeClr val="tx1">
+                    <a:tint val="75000"/>
+                  </a:schemeClr>
+                </a:solidFill>
+              </a:defRPr>
+            </a:lvl8pPr>
+            <a:lvl9pPr marL="2743200" indent="0">
+              <a:buNone/>
+              <a:defRPr sz="1050">
+                <a:solidFill>
+                  <a:schemeClr val="tx1">
+                    <a:tint val="75000"/>
+                  </a:schemeClr>
+                </a:solidFill>
+              </a:defRPr>
+            </a:lvl9pPr>
+          </a:lstStyle>
+          <a:p>
+            <a:pPr lvl="0"/>
+            <a:r>
+              <a:rPr lang="en-US" altLang="zh-CN"/>
+              <a:t>Click to edit Master text styles</a:t>
+            </a:r>
+          </a:p>
+        </p:txBody>
+      </p:sp>
+      <p:sp>
+        <p:nvSpPr>
+          <p:cNvPr id="4" name="Date Placeholder 3"/>
+          <p:cNvSpPr>
+            <a:spLocks noGrp="1"/>
+          </p:cNvSpPr>
+          <p:nvPr>
+            <p:ph type="dt" sz="half" idx="10"/>
+          </p:nvPr>
+        </p:nvSpPr>
+        <p:spPr/>
+        <p:txBody>
+          <a:bodyPr/>
+          <a:lstStyle/>
+          <a:p>
+            <a:fld id="{241EB5C9-1307-BA42-ABA2-0BC069CD8E7F}" type="datetimeFigureOut">
+              <a:rPr lang="en-US" smtClean="0"/>
+              <a:t>12/25/2025</a:t>
+            </a:fld>
+            <a:endParaRPr lang="en-US"/>
+          </a:p>
+        </p:txBody>
+      </p:sp>
+      <p:sp>
+        <p:nvSpPr>
+          <p:cNvPr id="5" name="Footer Placeholder 4"/>
+          <p:cNvSpPr>
+            <a:spLocks noGrp="1"/>
+          </p:cNvSpPr>
+          <p:nvPr>
+            <p:ph type="ftr" sz="quarter" idx="11"/>
+          </p:nvPr>
+        </p:nvSpPr>
+        <p:spPr/>
+        <p:txBody>
+          <a:bodyPr/>
+          <a:lstStyle/>
+          <a:p>
+            <a:endParaRPr lang="en-US"/>
+          </a:p>
+        </p:txBody>
+      </p:sp>
+      <p:sp>
+        <p:nvSpPr>
+          <p:cNvPr id="6" name="Slide Number Placeholder 5"/>
+          <p:cNvSpPr>
+            <a:spLocks noGrp="1"/>
+          </p:cNvSpPr>
+          <p:nvPr>
+            <p:ph type="sldNum" sz="quarter" idx="12"/>
+          </p:nvPr>
+        </p:nvSpPr>
+        <p:spPr/>
+        <p:txBody>
+          <a:bodyPr/>
+          <a:lstStyle/>
+          <a:p>
+            <a:fld id="{C5EF2332-01BF-834F-8236-50238282D533}" type="slidenum">
+              <a:rPr lang="en-US" smtClean="0"/>
+              <a:t>‹#›</a:t>
+            </a:fld>
+            <a:endParaRPr lang="en-US"/>
+          </a:p>
+        </p:txBody>
+      </p:sp>
+    </p:spTree>
+    <p:extLst>
+      <p:ext uri="{BB962C8B-B14F-4D97-AF65-F5344CB8AC3E}">
+        <p14:creationId xmlns:p14="http://schemas.microsoft.com/office/powerpoint/2010/main" val="3563177836"/>
       </p:ext>
     </p:extLst>
   </p:cSld>
@@ -379,7 +1186,1369 @@
 </p:sldLayout>
 </file>
 
-<file path=ppt/slideLayouts/slideLayout10.xml><?xml version="1.0" encoding="utf-8"?>
+<file path=ppt/slideLayouts/slideLayout11.xml><?xml version="1.0" encoding="utf-8"?>
+<p:sldLayout xmlns:a="http://schemas.openxmlformats.org/drawingml/2006/main" xmlns:r="http://schemas.openxmlformats.org/officeDocument/2006/relationships" xmlns:p="http://schemas.openxmlformats.org/presentationml/2006/main" preserve="1">
+  <p:cSld name="Quote with Caption">
+    <p:spTree>
+      <p:nvGrpSpPr>
+        <p:cNvPr id="1" name=""/>
+        <p:cNvGrpSpPr/>
+        <p:nvPr/>
+      </p:nvGrpSpPr>
+      <p:grpSpPr>
+        <a:xfrm>
+          <a:off x="0" y="0"/>
+          <a:ext cx="0" cy="0"/>
+          <a:chOff x="0" y="0"/>
+          <a:chExt cx="0" cy="0"/>
+        </a:xfrm>
+      </p:grpSpPr>
+      <p:sp>
+        <p:nvSpPr>
+          <p:cNvPr id="2" name="Title 1"/>
+          <p:cNvSpPr>
+            <a:spLocks noGrp="1"/>
+          </p:cNvSpPr>
+          <p:nvPr>
+            <p:ph type="title"/>
+          </p:nvPr>
+        </p:nvSpPr>
+        <p:spPr>
+          <a:xfrm>
+            <a:off x="698500" y="457200"/>
+            <a:ext cx="6070601" cy="2266950"/>
+          </a:xfrm>
+        </p:spPr>
+        <p:txBody>
+          <a:bodyPr anchor="ctr">
+            <a:normAutofit/>
+          </a:bodyPr>
+          <a:lstStyle>
+            <a:lvl1pPr algn="l">
+              <a:defRPr sz="3300" b="0" cap="none"/>
+            </a:lvl1pPr>
+          </a:lstStyle>
+          <a:p>
+            <a:r>
+              <a:rPr lang="en-US" altLang="zh-CN"/>
+              <a:t>Click to edit Master title style</a:t>
+            </a:r>
+            <a:endParaRPr lang="en-US" dirty="0"/>
+          </a:p>
+        </p:txBody>
+      </p:sp>
+      <p:sp>
+        <p:nvSpPr>
+          <p:cNvPr id="23" name="Text Placeholder 9"/>
+          <p:cNvSpPr>
+            <a:spLocks noGrp="1"/>
+          </p:cNvSpPr>
+          <p:nvPr>
+            <p:ph type="body" sz="quarter" idx="13"/>
+          </p:nvPr>
+        </p:nvSpPr>
+        <p:spPr>
+          <a:xfrm>
+            <a:off x="1024604" y="2724150"/>
+            <a:ext cx="5418393" cy="285750"/>
+          </a:xfrm>
+        </p:spPr>
+        <p:txBody>
+          <a:bodyPr anchor="ctr">
+            <a:noAutofit/>
+          </a:bodyPr>
+          <a:lstStyle>
+            <a:lvl1pPr marL="0" indent="0">
+              <a:buFontTx/>
+              <a:buNone/>
+              <a:defRPr sz="1200">
+                <a:solidFill>
+                  <a:schemeClr val="tx1">
+                    <a:lumMod val="50000"/>
+                    <a:lumOff val="50000"/>
+                  </a:schemeClr>
+                </a:solidFill>
+              </a:defRPr>
+            </a:lvl1pPr>
+            <a:lvl2pPr marL="342900" indent="0">
+              <a:buFontTx/>
+              <a:buNone/>
+              <a:defRPr/>
+            </a:lvl2pPr>
+            <a:lvl3pPr marL="685800" indent="0">
+              <a:buFontTx/>
+              <a:buNone/>
+              <a:defRPr/>
+            </a:lvl3pPr>
+            <a:lvl4pPr marL="1028700" indent="0">
+              <a:buFontTx/>
+              <a:buNone/>
+              <a:defRPr/>
+            </a:lvl4pPr>
+            <a:lvl5pPr marL="1371600" indent="0">
+              <a:buFontTx/>
+              <a:buNone/>
+              <a:defRPr/>
+            </a:lvl5pPr>
+          </a:lstStyle>
+          <a:p>
+            <a:pPr lvl="0"/>
+            <a:r>
+              <a:rPr lang="en-US" altLang="zh-CN"/>
+              <a:t>Click to edit Master text styles</a:t>
+            </a:r>
+          </a:p>
+        </p:txBody>
+      </p:sp>
+      <p:sp>
+        <p:nvSpPr>
+          <p:cNvPr id="3" name="Text Placeholder 2"/>
+          <p:cNvSpPr>
+            <a:spLocks noGrp="1"/>
+          </p:cNvSpPr>
+          <p:nvPr>
+            <p:ph type="body" idx="1"/>
+          </p:nvPr>
+        </p:nvSpPr>
+        <p:spPr>
+          <a:xfrm>
+            <a:off x="508001" y="3352800"/>
+            <a:ext cx="6447501" cy="1178222"/>
+          </a:xfrm>
+        </p:spPr>
+        <p:txBody>
+          <a:bodyPr anchor="ctr">
+            <a:normAutofit/>
+          </a:bodyPr>
+          <a:lstStyle>
+            <a:lvl1pPr marL="0" indent="0" algn="l">
+              <a:buNone/>
+              <a:defRPr sz="1350">
+                <a:solidFill>
+                  <a:schemeClr val="tx1">
+                    <a:lumMod val="75000"/>
+                    <a:lumOff val="25000"/>
+                  </a:schemeClr>
+                </a:solidFill>
+              </a:defRPr>
+            </a:lvl1pPr>
+            <a:lvl2pPr marL="342900" indent="0">
+              <a:buNone/>
+              <a:defRPr sz="1350">
+                <a:solidFill>
+                  <a:schemeClr val="tx1">
+                    <a:tint val="75000"/>
+                  </a:schemeClr>
+                </a:solidFill>
+              </a:defRPr>
+            </a:lvl2pPr>
+            <a:lvl3pPr marL="685800" indent="0">
+              <a:buNone/>
+              <a:defRPr sz="1200">
+                <a:solidFill>
+                  <a:schemeClr val="tx1">
+                    <a:tint val="75000"/>
+                  </a:schemeClr>
+                </a:solidFill>
+              </a:defRPr>
+            </a:lvl3pPr>
+            <a:lvl4pPr marL="1028700" indent="0">
+              <a:buNone/>
+              <a:defRPr sz="1050">
+                <a:solidFill>
+                  <a:schemeClr val="tx1">
+                    <a:tint val="75000"/>
+                  </a:schemeClr>
+                </a:solidFill>
+              </a:defRPr>
+            </a:lvl4pPr>
+            <a:lvl5pPr marL="1371600" indent="0">
+              <a:buNone/>
+              <a:defRPr sz="1050">
+                <a:solidFill>
+                  <a:schemeClr val="tx1">
+                    <a:tint val="75000"/>
+                  </a:schemeClr>
+                </a:solidFill>
+              </a:defRPr>
+            </a:lvl5pPr>
+            <a:lvl6pPr marL="1714500" indent="0">
+              <a:buNone/>
+              <a:defRPr sz="1050">
+                <a:solidFill>
+                  <a:schemeClr val="tx1">
+                    <a:tint val="75000"/>
+                  </a:schemeClr>
+                </a:solidFill>
+              </a:defRPr>
+            </a:lvl6pPr>
+            <a:lvl7pPr marL="2057400" indent="0">
+              <a:buNone/>
+              <a:defRPr sz="1050">
+                <a:solidFill>
+                  <a:schemeClr val="tx1">
+                    <a:tint val="75000"/>
+                  </a:schemeClr>
+                </a:solidFill>
+              </a:defRPr>
+            </a:lvl7pPr>
+            <a:lvl8pPr marL="2400300" indent="0">
+              <a:buNone/>
+              <a:defRPr sz="1050">
+                <a:solidFill>
+                  <a:schemeClr val="tx1">
+                    <a:tint val="75000"/>
+                  </a:schemeClr>
+                </a:solidFill>
+              </a:defRPr>
+            </a:lvl8pPr>
+            <a:lvl9pPr marL="2743200" indent="0">
+              <a:buNone/>
+              <a:defRPr sz="1050">
+                <a:solidFill>
+                  <a:schemeClr val="tx1">
+                    <a:tint val="75000"/>
+                  </a:schemeClr>
+                </a:solidFill>
+              </a:defRPr>
+            </a:lvl9pPr>
+          </a:lstStyle>
+          <a:p>
+            <a:pPr lvl="0"/>
+            <a:r>
+              <a:rPr lang="en-US" altLang="zh-CN"/>
+              <a:t>Click to edit Master text styles</a:t>
+            </a:r>
+          </a:p>
+        </p:txBody>
+      </p:sp>
+      <p:sp>
+        <p:nvSpPr>
+          <p:cNvPr id="4" name="Date Placeholder 3"/>
+          <p:cNvSpPr>
+            <a:spLocks noGrp="1"/>
+          </p:cNvSpPr>
+          <p:nvPr>
+            <p:ph type="dt" sz="half" idx="10"/>
+          </p:nvPr>
+        </p:nvSpPr>
+        <p:spPr/>
+        <p:txBody>
+          <a:bodyPr/>
+          <a:lstStyle/>
+          <a:p>
+            <a:fld id="{241EB5C9-1307-BA42-ABA2-0BC069CD8E7F}" type="datetimeFigureOut">
+              <a:rPr lang="en-US" smtClean="0"/>
+              <a:t>12/25/2025</a:t>
+            </a:fld>
+            <a:endParaRPr lang="en-US"/>
+          </a:p>
+        </p:txBody>
+      </p:sp>
+      <p:sp>
+        <p:nvSpPr>
+          <p:cNvPr id="5" name="Footer Placeholder 4"/>
+          <p:cNvSpPr>
+            <a:spLocks noGrp="1"/>
+          </p:cNvSpPr>
+          <p:nvPr>
+            <p:ph type="ftr" sz="quarter" idx="11"/>
+          </p:nvPr>
+        </p:nvSpPr>
+        <p:spPr/>
+        <p:txBody>
+          <a:bodyPr/>
+          <a:lstStyle/>
+          <a:p>
+            <a:endParaRPr lang="en-US"/>
+          </a:p>
+        </p:txBody>
+      </p:sp>
+      <p:sp>
+        <p:nvSpPr>
+          <p:cNvPr id="6" name="Slide Number Placeholder 5"/>
+          <p:cNvSpPr>
+            <a:spLocks noGrp="1"/>
+          </p:cNvSpPr>
+          <p:nvPr>
+            <p:ph type="sldNum" sz="quarter" idx="12"/>
+          </p:nvPr>
+        </p:nvSpPr>
+        <p:spPr/>
+        <p:txBody>
+          <a:bodyPr/>
+          <a:lstStyle/>
+          <a:p>
+            <a:fld id="{C5EF2332-01BF-834F-8236-50238282D533}" type="slidenum">
+              <a:rPr lang="en-US" smtClean="0"/>
+              <a:t>‹#›</a:t>
+            </a:fld>
+            <a:endParaRPr lang="en-US"/>
+          </a:p>
+        </p:txBody>
+      </p:sp>
+      <p:sp>
+        <p:nvSpPr>
+          <p:cNvPr id="20" name="TextBox 19"/>
+          <p:cNvSpPr txBox="1"/>
+          <p:nvPr/>
+        </p:nvSpPr>
+        <p:spPr>
+          <a:xfrm>
+            <a:off x="406403" y="592784"/>
+            <a:ext cx="457200" cy="438582"/>
+          </a:xfrm>
+          <a:prstGeom prst="rect">
+            <a:avLst/>
+          </a:prstGeom>
+        </p:spPr>
+        <p:txBody>
+          <a:bodyPr vert="horz" lIns="68580" tIns="34290" rIns="68580" bIns="34290" rtlCol="0" anchor="ctr">
+            <a:noAutofit/>
+          </a:bodyPr>
+          <a:lstStyle/>
+          <a:p>
+            <a:pPr lvl="0"/>
+            <a:r>
+              <a:rPr lang="en-US" sz="6000" baseline="0" dirty="0">
+                <a:ln w="3175" cmpd="sng">
+                  <a:noFill/>
+                </a:ln>
+                <a:solidFill>
+                  <a:schemeClr val="accent1">
+                    <a:lumMod val="60000"/>
+                    <a:lumOff val="40000"/>
+                  </a:schemeClr>
+                </a:solidFill>
+                <a:effectLst/>
+                <a:latin typeface="Arial"/>
+              </a:rPr>
+              <a:t>“</a:t>
+            </a:r>
+          </a:p>
+        </p:txBody>
+      </p:sp>
+      <p:sp>
+        <p:nvSpPr>
+          <p:cNvPr id="22" name="TextBox 21"/>
+          <p:cNvSpPr txBox="1"/>
+          <p:nvPr/>
+        </p:nvSpPr>
+        <p:spPr>
+          <a:xfrm>
+            <a:off x="6669758" y="2164917"/>
+            <a:ext cx="457200" cy="438582"/>
+          </a:xfrm>
+          <a:prstGeom prst="rect">
+            <a:avLst/>
+          </a:prstGeom>
+        </p:spPr>
+        <p:txBody>
+          <a:bodyPr vert="horz" lIns="68580" tIns="34290" rIns="68580" bIns="34290" rtlCol="0" anchor="ctr">
+            <a:noAutofit/>
+          </a:bodyPr>
+          <a:lstStyle/>
+          <a:p>
+            <a:pPr lvl="0"/>
+            <a:r>
+              <a:rPr lang="en-US" sz="6000" baseline="0" dirty="0">
+                <a:ln w="3175" cmpd="sng">
+                  <a:noFill/>
+                </a:ln>
+                <a:solidFill>
+                  <a:schemeClr val="accent1">
+                    <a:lumMod val="60000"/>
+                    <a:lumOff val="40000"/>
+                  </a:schemeClr>
+                </a:solidFill>
+                <a:latin typeface="Arial"/>
+              </a:rPr>
+              <a:t>”</a:t>
+            </a:r>
+            <a:endParaRPr lang="en-US" sz="1350" dirty="0">
+              <a:solidFill>
+                <a:schemeClr val="accent1">
+                  <a:lumMod val="60000"/>
+                  <a:lumOff val="40000"/>
+                </a:schemeClr>
+              </a:solidFill>
+              <a:latin typeface="Arial"/>
+            </a:endParaRPr>
+          </a:p>
+        </p:txBody>
+      </p:sp>
+    </p:spTree>
+    <p:extLst>
+      <p:ext uri="{BB962C8B-B14F-4D97-AF65-F5344CB8AC3E}">
+        <p14:creationId xmlns:p14="http://schemas.microsoft.com/office/powerpoint/2010/main" val="3761917439"/>
+      </p:ext>
+    </p:extLst>
+  </p:cSld>
+  <p:clrMapOvr>
+    <a:masterClrMapping/>
+  </p:clrMapOvr>
+</p:sldLayout>
+</file>
+
+<file path=ppt/slideLayouts/slideLayout12.xml><?xml version="1.0" encoding="utf-8"?>
+<p:sldLayout xmlns:a="http://schemas.openxmlformats.org/drawingml/2006/main" xmlns:r="http://schemas.openxmlformats.org/officeDocument/2006/relationships" xmlns:p="http://schemas.openxmlformats.org/presentationml/2006/main" preserve="1">
+  <p:cSld name="Name Card">
+    <p:spTree>
+      <p:nvGrpSpPr>
+        <p:cNvPr id="1" name=""/>
+        <p:cNvGrpSpPr/>
+        <p:nvPr/>
+      </p:nvGrpSpPr>
+      <p:grpSpPr>
+        <a:xfrm>
+          <a:off x="0" y="0"/>
+          <a:ext cx="0" cy="0"/>
+          <a:chOff x="0" y="0"/>
+          <a:chExt cx="0" cy="0"/>
+        </a:xfrm>
+      </p:grpSpPr>
+      <p:sp>
+        <p:nvSpPr>
+          <p:cNvPr id="2" name="Title 1"/>
+          <p:cNvSpPr>
+            <a:spLocks noGrp="1"/>
+          </p:cNvSpPr>
+          <p:nvPr>
+            <p:ph type="title"/>
+          </p:nvPr>
+        </p:nvSpPr>
+        <p:spPr>
+          <a:xfrm>
+            <a:off x="508001" y="1448991"/>
+            <a:ext cx="6447501" cy="1946595"/>
+          </a:xfrm>
+        </p:spPr>
+        <p:txBody>
+          <a:bodyPr anchor="b">
+            <a:normAutofit/>
+          </a:bodyPr>
+          <a:lstStyle>
+            <a:lvl1pPr algn="l">
+              <a:defRPr sz="3300" b="0" cap="none"/>
+            </a:lvl1pPr>
+          </a:lstStyle>
+          <a:p>
+            <a:r>
+              <a:rPr lang="en-US" altLang="zh-CN"/>
+              <a:t>Click to edit Master title style</a:t>
+            </a:r>
+            <a:endParaRPr lang="en-US" dirty="0"/>
+          </a:p>
+        </p:txBody>
+      </p:sp>
+      <p:sp>
+        <p:nvSpPr>
+          <p:cNvPr id="3" name="Text Placeholder 2"/>
+          <p:cNvSpPr>
+            <a:spLocks noGrp="1"/>
+          </p:cNvSpPr>
+          <p:nvPr>
+            <p:ph type="body" idx="1"/>
+          </p:nvPr>
+        </p:nvSpPr>
+        <p:spPr>
+          <a:xfrm>
+            <a:off x="508001" y="3395586"/>
+            <a:ext cx="6447501" cy="1135436"/>
+          </a:xfrm>
+        </p:spPr>
+        <p:txBody>
+          <a:bodyPr anchor="t">
+            <a:normAutofit/>
+          </a:bodyPr>
+          <a:lstStyle>
+            <a:lvl1pPr marL="0" indent="0" algn="l">
+              <a:buNone/>
+              <a:defRPr sz="1350">
+                <a:solidFill>
+                  <a:schemeClr val="tx1">
+                    <a:lumMod val="75000"/>
+                    <a:lumOff val="25000"/>
+                  </a:schemeClr>
+                </a:solidFill>
+              </a:defRPr>
+            </a:lvl1pPr>
+            <a:lvl2pPr marL="342900" indent="0">
+              <a:buNone/>
+              <a:defRPr sz="1350">
+                <a:solidFill>
+                  <a:schemeClr val="tx1">
+                    <a:tint val="75000"/>
+                  </a:schemeClr>
+                </a:solidFill>
+              </a:defRPr>
+            </a:lvl2pPr>
+            <a:lvl3pPr marL="685800" indent="0">
+              <a:buNone/>
+              <a:defRPr sz="1200">
+                <a:solidFill>
+                  <a:schemeClr val="tx1">
+                    <a:tint val="75000"/>
+                  </a:schemeClr>
+                </a:solidFill>
+              </a:defRPr>
+            </a:lvl3pPr>
+            <a:lvl4pPr marL="1028700" indent="0">
+              <a:buNone/>
+              <a:defRPr sz="1050">
+                <a:solidFill>
+                  <a:schemeClr val="tx1">
+                    <a:tint val="75000"/>
+                  </a:schemeClr>
+                </a:solidFill>
+              </a:defRPr>
+            </a:lvl4pPr>
+            <a:lvl5pPr marL="1371600" indent="0">
+              <a:buNone/>
+              <a:defRPr sz="1050">
+                <a:solidFill>
+                  <a:schemeClr val="tx1">
+                    <a:tint val="75000"/>
+                  </a:schemeClr>
+                </a:solidFill>
+              </a:defRPr>
+            </a:lvl5pPr>
+            <a:lvl6pPr marL="1714500" indent="0">
+              <a:buNone/>
+              <a:defRPr sz="1050">
+                <a:solidFill>
+                  <a:schemeClr val="tx1">
+                    <a:tint val="75000"/>
+                  </a:schemeClr>
+                </a:solidFill>
+              </a:defRPr>
+            </a:lvl6pPr>
+            <a:lvl7pPr marL="2057400" indent="0">
+              <a:buNone/>
+              <a:defRPr sz="1050">
+                <a:solidFill>
+                  <a:schemeClr val="tx1">
+                    <a:tint val="75000"/>
+                  </a:schemeClr>
+                </a:solidFill>
+              </a:defRPr>
+            </a:lvl7pPr>
+            <a:lvl8pPr marL="2400300" indent="0">
+              <a:buNone/>
+              <a:defRPr sz="1050">
+                <a:solidFill>
+                  <a:schemeClr val="tx1">
+                    <a:tint val="75000"/>
+                  </a:schemeClr>
+                </a:solidFill>
+              </a:defRPr>
+            </a:lvl8pPr>
+            <a:lvl9pPr marL="2743200" indent="0">
+              <a:buNone/>
+              <a:defRPr sz="1050">
+                <a:solidFill>
+                  <a:schemeClr val="tx1">
+                    <a:tint val="75000"/>
+                  </a:schemeClr>
+                </a:solidFill>
+              </a:defRPr>
+            </a:lvl9pPr>
+          </a:lstStyle>
+          <a:p>
+            <a:pPr lvl="0"/>
+            <a:r>
+              <a:rPr lang="en-US" altLang="zh-CN"/>
+              <a:t>Click to edit Master text styles</a:t>
+            </a:r>
+          </a:p>
+        </p:txBody>
+      </p:sp>
+      <p:sp>
+        <p:nvSpPr>
+          <p:cNvPr id="4" name="Date Placeholder 3"/>
+          <p:cNvSpPr>
+            <a:spLocks noGrp="1"/>
+          </p:cNvSpPr>
+          <p:nvPr>
+            <p:ph type="dt" sz="half" idx="10"/>
+          </p:nvPr>
+        </p:nvSpPr>
+        <p:spPr/>
+        <p:txBody>
+          <a:bodyPr/>
+          <a:lstStyle/>
+          <a:p>
+            <a:fld id="{241EB5C9-1307-BA42-ABA2-0BC069CD8E7F}" type="datetimeFigureOut">
+              <a:rPr lang="en-US" smtClean="0"/>
+              <a:t>12/25/2025</a:t>
+            </a:fld>
+            <a:endParaRPr lang="en-US"/>
+          </a:p>
+        </p:txBody>
+      </p:sp>
+      <p:sp>
+        <p:nvSpPr>
+          <p:cNvPr id="5" name="Footer Placeholder 4"/>
+          <p:cNvSpPr>
+            <a:spLocks noGrp="1"/>
+          </p:cNvSpPr>
+          <p:nvPr>
+            <p:ph type="ftr" sz="quarter" idx="11"/>
+          </p:nvPr>
+        </p:nvSpPr>
+        <p:spPr/>
+        <p:txBody>
+          <a:bodyPr/>
+          <a:lstStyle/>
+          <a:p>
+            <a:endParaRPr lang="en-US"/>
+          </a:p>
+        </p:txBody>
+      </p:sp>
+      <p:sp>
+        <p:nvSpPr>
+          <p:cNvPr id="6" name="Slide Number Placeholder 5"/>
+          <p:cNvSpPr>
+            <a:spLocks noGrp="1"/>
+          </p:cNvSpPr>
+          <p:nvPr>
+            <p:ph type="sldNum" sz="quarter" idx="12"/>
+          </p:nvPr>
+        </p:nvSpPr>
+        <p:spPr/>
+        <p:txBody>
+          <a:bodyPr/>
+          <a:lstStyle/>
+          <a:p>
+            <a:fld id="{C5EF2332-01BF-834F-8236-50238282D533}" type="slidenum">
+              <a:rPr lang="en-US" smtClean="0"/>
+              <a:t>‹#›</a:t>
+            </a:fld>
+            <a:endParaRPr lang="en-US"/>
+          </a:p>
+        </p:txBody>
+      </p:sp>
+    </p:spTree>
+    <p:extLst>
+      <p:ext uri="{BB962C8B-B14F-4D97-AF65-F5344CB8AC3E}">
+        <p14:creationId xmlns:p14="http://schemas.microsoft.com/office/powerpoint/2010/main" val="1616785361"/>
+      </p:ext>
+    </p:extLst>
+  </p:cSld>
+  <p:clrMapOvr>
+    <a:masterClrMapping/>
+  </p:clrMapOvr>
+</p:sldLayout>
+</file>
+
+<file path=ppt/slideLayouts/slideLayout13.xml><?xml version="1.0" encoding="utf-8"?>
+<p:sldLayout xmlns:a="http://schemas.openxmlformats.org/drawingml/2006/main" xmlns:r="http://schemas.openxmlformats.org/officeDocument/2006/relationships" xmlns:p="http://schemas.openxmlformats.org/presentationml/2006/main" preserve="1">
+  <p:cSld name="Quote Name Card">
+    <p:spTree>
+      <p:nvGrpSpPr>
+        <p:cNvPr id="1" name=""/>
+        <p:cNvGrpSpPr/>
+        <p:nvPr/>
+      </p:nvGrpSpPr>
+      <p:grpSpPr>
+        <a:xfrm>
+          <a:off x="0" y="0"/>
+          <a:ext cx="0" cy="0"/>
+          <a:chOff x="0" y="0"/>
+          <a:chExt cx="0" cy="0"/>
+        </a:xfrm>
+      </p:grpSpPr>
+      <p:sp>
+        <p:nvSpPr>
+          <p:cNvPr id="2" name="Title 1"/>
+          <p:cNvSpPr>
+            <a:spLocks noGrp="1"/>
+          </p:cNvSpPr>
+          <p:nvPr>
+            <p:ph type="title"/>
+          </p:nvPr>
+        </p:nvSpPr>
+        <p:spPr>
+          <a:xfrm>
+            <a:off x="698500" y="457200"/>
+            <a:ext cx="6070601" cy="2266950"/>
+          </a:xfrm>
+        </p:spPr>
+        <p:txBody>
+          <a:bodyPr anchor="ctr">
+            <a:normAutofit/>
+          </a:bodyPr>
+          <a:lstStyle>
+            <a:lvl1pPr algn="l">
+              <a:defRPr sz="3300" b="0" cap="none"/>
+            </a:lvl1pPr>
+          </a:lstStyle>
+          <a:p>
+            <a:r>
+              <a:rPr lang="en-US" altLang="zh-CN"/>
+              <a:t>Click to edit Master title style</a:t>
+            </a:r>
+            <a:endParaRPr lang="en-US" dirty="0"/>
+          </a:p>
+        </p:txBody>
+      </p:sp>
+      <p:sp>
+        <p:nvSpPr>
+          <p:cNvPr id="23" name="Text Placeholder 9"/>
+          <p:cNvSpPr>
+            <a:spLocks noGrp="1"/>
+          </p:cNvSpPr>
+          <p:nvPr>
+            <p:ph type="body" sz="quarter" idx="13"/>
+          </p:nvPr>
+        </p:nvSpPr>
+        <p:spPr>
+          <a:xfrm>
+            <a:off x="507999" y="3009900"/>
+            <a:ext cx="6447502" cy="385686"/>
+          </a:xfrm>
+        </p:spPr>
+        <p:txBody>
+          <a:bodyPr anchor="b">
+            <a:noAutofit/>
+          </a:bodyPr>
+          <a:lstStyle>
+            <a:lvl1pPr marL="0" indent="0">
+              <a:buFontTx/>
+              <a:buNone/>
+              <a:defRPr sz="1800">
+                <a:solidFill>
+                  <a:schemeClr val="tx1">
+                    <a:lumMod val="75000"/>
+                    <a:lumOff val="25000"/>
+                  </a:schemeClr>
+                </a:solidFill>
+              </a:defRPr>
+            </a:lvl1pPr>
+            <a:lvl2pPr marL="342900" indent="0">
+              <a:buFontTx/>
+              <a:buNone/>
+              <a:defRPr/>
+            </a:lvl2pPr>
+            <a:lvl3pPr marL="685800" indent="0">
+              <a:buFontTx/>
+              <a:buNone/>
+              <a:defRPr/>
+            </a:lvl3pPr>
+            <a:lvl4pPr marL="1028700" indent="0">
+              <a:buFontTx/>
+              <a:buNone/>
+              <a:defRPr/>
+            </a:lvl4pPr>
+            <a:lvl5pPr marL="1371600" indent="0">
+              <a:buFontTx/>
+              <a:buNone/>
+              <a:defRPr/>
+            </a:lvl5pPr>
+          </a:lstStyle>
+          <a:p>
+            <a:pPr lvl="0"/>
+            <a:r>
+              <a:rPr lang="en-US" altLang="zh-CN"/>
+              <a:t>Click to edit Master text styles</a:t>
+            </a:r>
+          </a:p>
+        </p:txBody>
+      </p:sp>
+      <p:sp>
+        <p:nvSpPr>
+          <p:cNvPr id="3" name="Text Placeholder 2"/>
+          <p:cNvSpPr>
+            <a:spLocks noGrp="1"/>
+          </p:cNvSpPr>
+          <p:nvPr>
+            <p:ph type="body" idx="1"/>
+          </p:nvPr>
+        </p:nvSpPr>
+        <p:spPr>
+          <a:xfrm>
+            <a:off x="508001" y="3395586"/>
+            <a:ext cx="6447501" cy="1135436"/>
+          </a:xfrm>
+        </p:spPr>
+        <p:txBody>
+          <a:bodyPr anchor="t">
+            <a:normAutofit/>
+          </a:bodyPr>
+          <a:lstStyle>
+            <a:lvl1pPr marL="0" indent="0" algn="l">
+              <a:buNone/>
+              <a:defRPr sz="1350">
+                <a:solidFill>
+                  <a:schemeClr val="tx1">
+                    <a:lumMod val="50000"/>
+                    <a:lumOff val="50000"/>
+                  </a:schemeClr>
+                </a:solidFill>
+              </a:defRPr>
+            </a:lvl1pPr>
+            <a:lvl2pPr marL="342900" indent="0">
+              <a:buNone/>
+              <a:defRPr sz="1350">
+                <a:solidFill>
+                  <a:schemeClr val="tx1">
+                    <a:tint val="75000"/>
+                  </a:schemeClr>
+                </a:solidFill>
+              </a:defRPr>
+            </a:lvl2pPr>
+            <a:lvl3pPr marL="685800" indent="0">
+              <a:buNone/>
+              <a:defRPr sz="1200">
+                <a:solidFill>
+                  <a:schemeClr val="tx1">
+                    <a:tint val="75000"/>
+                  </a:schemeClr>
+                </a:solidFill>
+              </a:defRPr>
+            </a:lvl3pPr>
+            <a:lvl4pPr marL="1028700" indent="0">
+              <a:buNone/>
+              <a:defRPr sz="1050">
+                <a:solidFill>
+                  <a:schemeClr val="tx1">
+                    <a:tint val="75000"/>
+                  </a:schemeClr>
+                </a:solidFill>
+              </a:defRPr>
+            </a:lvl4pPr>
+            <a:lvl5pPr marL="1371600" indent="0">
+              <a:buNone/>
+              <a:defRPr sz="1050">
+                <a:solidFill>
+                  <a:schemeClr val="tx1">
+                    <a:tint val="75000"/>
+                  </a:schemeClr>
+                </a:solidFill>
+              </a:defRPr>
+            </a:lvl5pPr>
+            <a:lvl6pPr marL="1714500" indent="0">
+              <a:buNone/>
+              <a:defRPr sz="1050">
+                <a:solidFill>
+                  <a:schemeClr val="tx1">
+                    <a:tint val="75000"/>
+                  </a:schemeClr>
+                </a:solidFill>
+              </a:defRPr>
+            </a:lvl6pPr>
+            <a:lvl7pPr marL="2057400" indent="0">
+              <a:buNone/>
+              <a:defRPr sz="1050">
+                <a:solidFill>
+                  <a:schemeClr val="tx1">
+                    <a:tint val="75000"/>
+                  </a:schemeClr>
+                </a:solidFill>
+              </a:defRPr>
+            </a:lvl7pPr>
+            <a:lvl8pPr marL="2400300" indent="0">
+              <a:buNone/>
+              <a:defRPr sz="1050">
+                <a:solidFill>
+                  <a:schemeClr val="tx1">
+                    <a:tint val="75000"/>
+                  </a:schemeClr>
+                </a:solidFill>
+              </a:defRPr>
+            </a:lvl8pPr>
+            <a:lvl9pPr marL="2743200" indent="0">
+              <a:buNone/>
+              <a:defRPr sz="1050">
+                <a:solidFill>
+                  <a:schemeClr val="tx1">
+                    <a:tint val="75000"/>
+                  </a:schemeClr>
+                </a:solidFill>
+              </a:defRPr>
+            </a:lvl9pPr>
+          </a:lstStyle>
+          <a:p>
+            <a:pPr lvl="0"/>
+            <a:r>
+              <a:rPr lang="en-US" altLang="zh-CN"/>
+              <a:t>Click to edit Master text styles</a:t>
+            </a:r>
+          </a:p>
+        </p:txBody>
+      </p:sp>
+      <p:sp>
+        <p:nvSpPr>
+          <p:cNvPr id="4" name="Date Placeholder 3"/>
+          <p:cNvSpPr>
+            <a:spLocks noGrp="1"/>
+          </p:cNvSpPr>
+          <p:nvPr>
+            <p:ph type="dt" sz="half" idx="10"/>
+          </p:nvPr>
+        </p:nvSpPr>
+        <p:spPr/>
+        <p:txBody>
+          <a:bodyPr/>
+          <a:lstStyle/>
+          <a:p>
+            <a:fld id="{241EB5C9-1307-BA42-ABA2-0BC069CD8E7F}" type="datetimeFigureOut">
+              <a:rPr lang="en-US" smtClean="0"/>
+              <a:t>12/25/2025</a:t>
+            </a:fld>
+            <a:endParaRPr lang="en-US"/>
+          </a:p>
+        </p:txBody>
+      </p:sp>
+      <p:sp>
+        <p:nvSpPr>
+          <p:cNvPr id="5" name="Footer Placeholder 4"/>
+          <p:cNvSpPr>
+            <a:spLocks noGrp="1"/>
+          </p:cNvSpPr>
+          <p:nvPr>
+            <p:ph type="ftr" sz="quarter" idx="11"/>
+          </p:nvPr>
+        </p:nvSpPr>
+        <p:spPr/>
+        <p:txBody>
+          <a:bodyPr/>
+          <a:lstStyle/>
+          <a:p>
+            <a:endParaRPr lang="en-US"/>
+          </a:p>
+        </p:txBody>
+      </p:sp>
+      <p:sp>
+        <p:nvSpPr>
+          <p:cNvPr id="6" name="Slide Number Placeholder 5"/>
+          <p:cNvSpPr>
+            <a:spLocks noGrp="1"/>
+          </p:cNvSpPr>
+          <p:nvPr>
+            <p:ph type="sldNum" sz="quarter" idx="12"/>
+          </p:nvPr>
+        </p:nvSpPr>
+        <p:spPr/>
+        <p:txBody>
+          <a:bodyPr/>
+          <a:lstStyle/>
+          <a:p>
+            <a:fld id="{C5EF2332-01BF-834F-8236-50238282D533}" type="slidenum">
+              <a:rPr lang="en-US" smtClean="0"/>
+              <a:t>‹#›</a:t>
+            </a:fld>
+            <a:endParaRPr lang="en-US"/>
+          </a:p>
+        </p:txBody>
+      </p:sp>
+      <p:sp>
+        <p:nvSpPr>
+          <p:cNvPr id="24" name="TextBox 23"/>
+          <p:cNvSpPr txBox="1"/>
+          <p:nvPr/>
+        </p:nvSpPr>
+        <p:spPr>
+          <a:xfrm>
+            <a:off x="406403" y="592784"/>
+            <a:ext cx="457200" cy="438582"/>
+          </a:xfrm>
+          <a:prstGeom prst="rect">
+            <a:avLst/>
+          </a:prstGeom>
+        </p:spPr>
+        <p:txBody>
+          <a:bodyPr vert="horz" lIns="68580" tIns="34290" rIns="68580" bIns="34290" rtlCol="0" anchor="ctr">
+            <a:noAutofit/>
+          </a:bodyPr>
+          <a:lstStyle/>
+          <a:p>
+            <a:pPr lvl="0"/>
+            <a:r>
+              <a:rPr lang="en-US" sz="6000" baseline="0" dirty="0">
+                <a:ln w="3175" cmpd="sng">
+                  <a:noFill/>
+                </a:ln>
+                <a:solidFill>
+                  <a:schemeClr val="accent1">
+                    <a:lumMod val="60000"/>
+                    <a:lumOff val="40000"/>
+                  </a:schemeClr>
+                </a:solidFill>
+                <a:effectLst/>
+                <a:latin typeface="Arial"/>
+              </a:rPr>
+              <a:t>“</a:t>
+            </a:r>
+          </a:p>
+        </p:txBody>
+      </p:sp>
+      <p:sp>
+        <p:nvSpPr>
+          <p:cNvPr id="25" name="TextBox 24"/>
+          <p:cNvSpPr txBox="1"/>
+          <p:nvPr/>
+        </p:nvSpPr>
+        <p:spPr>
+          <a:xfrm>
+            <a:off x="6669758" y="2164917"/>
+            <a:ext cx="457200" cy="438582"/>
+          </a:xfrm>
+          <a:prstGeom prst="rect">
+            <a:avLst/>
+          </a:prstGeom>
+        </p:spPr>
+        <p:txBody>
+          <a:bodyPr vert="horz" lIns="68580" tIns="34290" rIns="68580" bIns="34290" rtlCol="0" anchor="ctr">
+            <a:noAutofit/>
+          </a:bodyPr>
+          <a:lstStyle/>
+          <a:p>
+            <a:pPr lvl="0"/>
+            <a:r>
+              <a:rPr lang="en-US" sz="6000" baseline="0" dirty="0">
+                <a:ln w="3175" cmpd="sng">
+                  <a:noFill/>
+                </a:ln>
+                <a:solidFill>
+                  <a:schemeClr val="accent1">
+                    <a:lumMod val="60000"/>
+                    <a:lumOff val="40000"/>
+                  </a:schemeClr>
+                </a:solidFill>
+                <a:effectLst/>
+                <a:latin typeface="Arial"/>
+              </a:rPr>
+              <a:t>”</a:t>
+            </a:r>
+          </a:p>
+        </p:txBody>
+      </p:sp>
+    </p:spTree>
+    <p:extLst>
+      <p:ext uri="{BB962C8B-B14F-4D97-AF65-F5344CB8AC3E}">
+        <p14:creationId xmlns:p14="http://schemas.microsoft.com/office/powerpoint/2010/main" val="894419940"/>
+      </p:ext>
+    </p:extLst>
+  </p:cSld>
+  <p:clrMapOvr>
+    <a:masterClrMapping/>
+  </p:clrMapOvr>
+</p:sldLayout>
+</file>
+
+<file path=ppt/slideLayouts/slideLayout14.xml><?xml version="1.0" encoding="utf-8"?>
+<p:sldLayout xmlns:a="http://schemas.openxmlformats.org/drawingml/2006/main" xmlns:r="http://schemas.openxmlformats.org/officeDocument/2006/relationships" xmlns:p="http://schemas.openxmlformats.org/presentationml/2006/main" preserve="1">
+  <p:cSld name="True or False">
+    <p:spTree>
+      <p:nvGrpSpPr>
+        <p:cNvPr id="1" name=""/>
+        <p:cNvGrpSpPr/>
+        <p:nvPr/>
+      </p:nvGrpSpPr>
+      <p:grpSpPr>
+        <a:xfrm>
+          <a:off x="0" y="0"/>
+          <a:ext cx="0" cy="0"/>
+          <a:chOff x="0" y="0"/>
+          <a:chExt cx="0" cy="0"/>
+        </a:xfrm>
+      </p:grpSpPr>
+      <p:sp>
+        <p:nvSpPr>
+          <p:cNvPr id="2" name="Title 1"/>
+          <p:cNvSpPr>
+            <a:spLocks noGrp="1"/>
+          </p:cNvSpPr>
+          <p:nvPr>
+            <p:ph type="title"/>
+          </p:nvPr>
+        </p:nvSpPr>
+        <p:spPr>
+          <a:xfrm>
+            <a:off x="514350" y="457200"/>
+            <a:ext cx="6441152" cy="2266950"/>
+          </a:xfrm>
+        </p:spPr>
+        <p:txBody>
+          <a:bodyPr anchor="ctr">
+            <a:normAutofit/>
+          </a:bodyPr>
+          <a:lstStyle>
+            <a:lvl1pPr algn="l">
+              <a:defRPr sz="3300" b="0" cap="none"/>
+            </a:lvl1pPr>
+          </a:lstStyle>
+          <a:p>
+            <a:r>
+              <a:rPr lang="en-US" altLang="zh-CN"/>
+              <a:t>Click to edit Master title style</a:t>
+            </a:r>
+            <a:endParaRPr lang="en-US" dirty="0"/>
+          </a:p>
+        </p:txBody>
+      </p:sp>
+      <p:sp>
+        <p:nvSpPr>
+          <p:cNvPr id="23" name="Text Placeholder 9"/>
+          <p:cNvSpPr>
+            <a:spLocks noGrp="1"/>
+          </p:cNvSpPr>
+          <p:nvPr>
+            <p:ph type="body" sz="quarter" idx="13"/>
+          </p:nvPr>
+        </p:nvSpPr>
+        <p:spPr>
+          <a:xfrm>
+            <a:off x="507999" y="3009900"/>
+            <a:ext cx="6447502" cy="385686"/>
+          </a:xfrm>
+        </p:spPr>
+        <p:txBody>
+          <a:bodyPr anchor="b">
+            <a:noAutofit/>
+          </a:bodyPr>
+          <a:lstStyle>
+            <a:lvl1pPr marL="0" indent="0">
+              <a:buFontTx/>
+              <a:buNone/>
+              <a:defRPr sz="1800">
+                <a:solidFill>
+                  <a:schemeClr val="accent1"/>
+                </a:solidFill>
+              </a:defRPr>
+            </a:lvl1pPr>
+            <a:lvl2pPr marL="342900" indent="0">
+              <a:buFontTx/>
+              <a:buNone/>
+              <a:defRPr/>
+            </a:lvl2pPr>
+            <a:lvl3pPr marL="685800" indent="0">
+              <a:buFontTx/>
+              <a:buNone/>
+              <a:defRPr/>
+            </a:lvl3pPr>
+            <a:lvl4pPr marL="1028700" indent="0">
+              <a:buFontTx/>
+              <a:buNone/>
+              <a:defRPr/>
+            </a:lvl4pPr>
+            <a:lvl5pPr marL="1371600" indent="0">
+              <a:buFontTx/>
+              <a:buNone/>
+              <a:defRPr/>
+            </a:lvl5pPr>
+          </a:lstStyle>
+          <a:p>
+            <a:pPr lvl="0"/>
+            <a:r>
+              <a:rPr lang="en-US" altLang="zh-CN"/>
+              <a:t>Click to edit Master text styles</a:t>
+            </a:r>
+          </a:p>
+        </p:txBody>
+      </p:sp>
+      <p:sp>
+        <p:nvSpPr>
+          <p:cNvPr id="3" name="Text Placeholder 2"/>
+          <p:cNvSpPr>
+            <a:spLocks noGrp="1"/>
+          </p:cNvSpPr>
+          <p:nvPr>
+            <p:ph type="body" idx="1"/>
+          </p:nvPr>
+        </p:nvSpPr>
+        <p:spPr>
+          <a:xfrm>
+            <a:off x="508001" y="3395586"/>
+            <a:ext cx="6447501" cy="1135436"/>
+          </a:xfrm>
+        </p:spPr>
+        <p:txBody>
+          <a:bodyPr anchor="t">
+            <a:normAutofit/>
+          </a:bodyPr>
+          <a:lstStyle>
+            <a:lvl1pPr marL="0" indent="0" algn="l">
+              <a:buNone/>
+              <a:defRPr sz="1350">
+                <a:solidFill>
+                  <a:schemeClr val="tx1">
+                    <a:lumMod val="50000"/>
+                    <a:lumOff val="50000"/>
+                  </a:schemeClr>
+                </a:solidFill>
+              </a:defRPr>
+            </a:lvl1pPr>
+            <a:lvl2pPr marL="342900" indent="0">
+              <a:buNone/>
+              <a:defRPr sz="1350">
+                <a:solidFill>
+                  <a:schemeClr val="tx1">
+                    <a:tint val="75000"/>
+                  </a:schemeClr>
+                </a:solidFill>
+              </a:defRPr>
+            </a:lvl2pPr>
+            <a:lvl3pPr marL="685800" indent="0">
+              <a:buNone/>
+              <a:defRPr sz="1200">
+                <a:solidFill>
+                  <a:schemeClr val="tx1">
+                    <a:tint val="75000"/>
+                  </a:schemeClr>
+                </a:solidFill>
+              </a:defRPr>
+            </a:lvl3pPr>
+            <a:lvl4pPr marL="1028700" indent="0">
+              <a:buNone/>
+              <a:defRPr sz="1050">
+                <a:solidFill>
+                  <a:schemeClr val="tx1">
+                    <a:tint val="75000"/>
+                  </a:schemeClr>
+                </a:solidFill>
+              </a:defRPr>
+            </a:lvl4pPr>
+            <a:lvl5pPr marL="1371600" indent="0">
+              <a:buNone/>
+              <a:defRPr sz="1050">
+                <a:solidFill>
+                  <a:schemeClr val="tx1">
+                    <a:tint val="75000"/>
+                  </a:schemeClr>
+                </a:solidFill>
+              </a:defRPr>
+            </a:lvl5pPr>
+            <a:lvl6pPr marL="1714500" indent="0">
+              <a:buNone/>
+              <a:defRPr sz="1050">
+                <a:solidFill>
+                  <a:schemeClr val="tx1">
+                    <a:tint val="75000"/>
+                  </a:schemeClr>
+                </a:solidFill>
+              </a:defRPr>
+            </a:lvl6pPr>
+            <a:lvl7pPr marL="2057400" indent="0">
+              <a:buNone/>
+              <a:defRPr sz="1050">
+                <a:solidFill>
+                  <a:schemeClr val="tx1">
+                    <a:tint val="75000"/>
+                  </a:schemeClr>
+                </a:solidFill>
+              </a:defRPr>
+            </a:lvl7pPr>
+            <a:lvl8pPr marL="2400300" indent="0">
+              <a:buNone/>
+              <a:defRPr sz="1050">
+                <a:solidFill>
+                  <a:schemeClr val="tx1">
+                    <a:tint val="75000"/>
+                  </a:schemeClr>
+                </a:solidFill>
+              </a:defRPr>
+            </a:lvl8pPr>
+            <a:lvl9pPr marL="2743200" indent="0">
+              <a:buNone/>
+              <a:defRPr sz="1050">
+                <a:solidFill>
+                  <a:schemeClr val="tx1">
+                    <a:tint val="75000"/>
+                  </a:schemeClr>
+                </a:solidFill>
+              </a:defRPr>
+            </a:lvl9pPr>
+          </a:lstStyle>
+          <a:p>
+            <a:pPr lvl="0"/>
+            <a:r>
+              <a:rPr lang="en-US" altLang="zh-CN"/>
+              <a:t>Click to edit Master text styles</a:t>
+            </a:r>
+          </a:p>
+        </p:txBody>
+      </p:sp>
+      <p:sp>
+        <p:nvSpPr>
+          <p:cNvPr id="4" name="Date Placeholder 3"/>
+          <p:cNvSpPr>
+            <a:spLocks noGrp="1"/>
+          </p:cNvSpPr>
+          <p:nvPr>
+            <p:ph type="dt" sz="half" idx="10"/>
+          </p:nvPr>
+        </p:nvSpPr>
+        <p:spPr/>
+        <p:txBody>
+          <a:bodyPr/>
+          <a:lstStyle/>
+          <a:p>
+            <a:fld id="{241EB5C9-1307-BA42-ABA2-0BC069CD8E7F}" type="datetimeFigureOut">
+              <a:rPr lang="en-US" smtClean="0"/>
+              <a:t>12/25/2025</a:t>
+            </a:fld>
+            <a:endParaRPr lang="en-US"/>
+          </a:p>
+        </p:txBody>
+      </p:sp>
+      <p:sp>
+        <p:nvSpPr>
+          <p:cNvPr id="5" name="Footer Placeholder 4"/>
+          <p:cNvSpPr>
+            <a:spLocks noGrp="1"/>
+          </p:cNvSpPr>
+          <p:nvPr>
+            <p:ph type="ftr" sz="quarter" idx="11"/>
+          </p:nvPr>
+        </p:nvSpPr>
+        <p:spPr/>
+        <p:txBody>
+          <a:bodyPr/>
+          <a:lstStyle/>
+          <a:p>
+            <a:endParaRPr lang="en-US"/>
+          </a:p>
+        </p:txBody>
+      </p:sp>
+      <p:sp>
+        <p:nvSpPr>
+          <p:cNvPr id="6" name="Slide Number Placeholder 5"/>
+          <p:cNvSpPr>
+            <a:spLocks noGrp="1"/>
+          </p:cNvSpPr>
+          <p:nvPr>
+            <p:ph type="sldNum" sz="quarter" idx="12"/>
+          </p:nvPr>
+        </p:nvSpPr>
+        <p:spPr/>
+        <p:txBody>
+          <a:bodyPr/>
+          <a:lstStyle/>
+          <a:p>
+            <a:fld id="{C5EF2332-01BF-834F-8236-50238282D533}" type="slidenum">
+              <a:rPr lang="en-US" smtClean="0"/>
+              <a:t>‹#›</a:t>
+            </a:fld>
+            <a:endParaRPr lang="en-US"/>
+          </a:p>
+        </p:txBody>
+      </p:sp>
+    </p:spTree>
+    <p:extLst>
+      <p:ext uri="{BB962C8B-B14F-4D97-AF65-F5344CB8AC3E}">
+        <p14:creationId xmlns:p14="http://schemas.microsoft.com/office/powerpoint/2010/main" val="4129861390"/>
+      </p:ext>
+    </p:extLst>
+  </p:cSld>
+  <p:clrMapOvr>
+    <a:masterClrMapping/>
+  </p:clrMapOvr>
+</p:sldLayout>
+</file>
+
+<file path=ppt/slideLayouts/slideLayout15.xml><?xml version="1.0" encoding="utf-8"?>
 <p:sldLayout xmlns:a="http://schemas.openxmlformats.org/drawingml/2006/main" xmlns:r="http://schemas.openxmlformats.org/officeDocument/2006/relationships" xmlns:p="http://schemas.openxmlformats.org/presentationml/2006/main" type="vertTx" preserve="1">
   <p:cSld name="Title and Vertical Text">
     <p:spTree>
@@ -412,9 +2581,10 @@
           <a:lstStyle/>
           <a:p>
             <a:r>
-              <a:rPr lang="en-US"/>
+              <a:rPr lang="en-US" altLang="zh-CN"/>
               <a:t>Click to edit Master title style</a:t>
             </a:r>
+            <a:endParaRPr lang="en-US" dirty="0"/>
           </a:p>
         </p:txBody>
       </p:sp>
@@ -435,37 +2605,38 @@
           <a:p>
             <a:pPr lvl="0"/>
             <a:r>
-              <a:rPr lang="en-US"/>
+              <a:rPr lang="en-US" altLang="zh-CN"/>
               <a:t>Click to edit Master text styles</a:t>
             </a:r>
           </a:p>
           <a:p>
             <a:pPr lvl="1"/>
             <a:r>
-              <a:rPr lang="en-US"/>
+              <a:rPr lang="en-US" altLang="zh-CN"/>
               <a:t>Second level</a:t>
             </a:r>
           </a:p>
           <a:p>
             <a:pPr lvl="2"/>
             <a:r>
-              <a:rPr lang="en-US"/>
+              <a:rPr lang="en-US" altLang="zh-CN"/>
               <a:t>Third level</a:t>
             </a:r>
           </a:p>
           <a:p>
             <a:pPr lvl="3"/>
             <a:r>
-              <a:rPr lang="en-US"/>
+              <a:rPr lang="en-US" altLang="zh-CN"/>
               <a:t>Fourth level</a:t>
             </a:r>
           </a:p>
           <a:p>
             <a:pPr lvl="4"/>
             <a:r>
-              <a:rPr lang="en-US"/>
+              <a:rPr lang="en-US" altLang="zh-CN"/>
               <a:t>Fifth level</a:t>
             </a:r>
+            <a:endParaRPr lang="en-US" dirty="0"/>
           </a:p>
         </p:txBody>
       </p:sp>
@@ -486,7 +2657,7 @@
           <a:p>
             <a:fld id="{241EB5C9-1307-BA42-ABA2-0BC069CD8E7F}" type="datetimeFigureOut">
               <a:rPr lang="en-US" smtClean="0"/>
-              <a:t>1/2/22</a:t>
+              <a:t>12/25/2025</a:t>
             </a:fld>
             <a:endParaRPr lang="en-US"/>
           </a:p>
@@ -537,17 +2708,29 @@
     </p:spTree>
     <p:extLst>
       <p:ext uri="{BB962C8B-B14F-4D97-AF65-F5344CB8AC3E}">
-        <p14:creationId xmlns:p14="http://schemas.microsoft.com/office/powerpoint/2010/main" val="313914798"/>
+        <p14:creationId xmlns:p14="http://schemas.microsoft.com/office/powerpoint/2010/main" val="3479289203"/>
       </p:ext>
     </p:extLst>
   </p:cSld>
   <p:clrMapOvr>
     <a:masterClrMapping/>
   </p:clrMapOvr>
+  <mc:AlternateContent xmlns:mc="http://schemas.openxmlformats.org/markup-compatibility/2006" xmlns:p14="http://schemas.microsoft.com/office/powerpoint/2010/main">
+    <mc:Choice Requires="p14">
+      <p:transition p14:dur="250">
+        <p:fade/>
+      </p:transition>
+    </mc:Choice>
+    <mc:Fallback xmlns="">
+      <p:transition>
+        <p:fade/>
+      </p:transition>
+    </mc:Fallback>
+  </mc:AlternateContent>
 </p:sldLayout>
 </file>
 
-<file path=ppt/slideLayouts/slideLayout11.xml><?xml version="1.0" encoding="utf-8"?>
+<file path=ppt/slideLayouts/slideLayout16.xml><?xml version="1.0" encoding="utf-8"?>
 <p:sldLayout xmlns:a="http://schemas.openxmlformats.org/drawingml/2006/main" xmlns:r="http://schemas.openxmlformats.org/officeDocument/2006/relationships" xmlns:p="http://schemas.openxmlformats.org/presentationml/2006/main" type="vertTitleAndTx" preserve="1">
   <p:cSld name="Vertical Title and Text">
     <p:spTree>
@@ -576,18 +2759,19 @@
         </p:nvSpPr>
         <p:spPr>
           <a:xfrm>
-            <a:off x="6629400" y="205979"/>
-            <a:ext cx="2057400" cy="4388644"/>
+            <a:off x="5975755" y="457200"/>
+            <a:ext cx="978557" cy="3938588"/>
           </a:xfrm>
         </p:spPr>
         <p:txBody>
-          <a:bodyPr vert="eaVert"/>
-          <a:lstStyle/>
-          <a:p>
-            <a:r>
-              <a:rPr lang="en-US"/>
+          <a:bodyPr vert="eaVert" anchor="ctr"/>
+          <a:lstStyle/>
+          <a:p>
+            <a:r>
+              <a:rPr lang="en-US" altLang="zh-CN"/>
               <a:t>Click to edit Master title style</a:t>
             </a:r>
+            <a:endParaRPr lang="en-US" dirty="0"/>
           </a:p>
         </p:txBody>
       </p:sp>
@@ -603,8 +2787,8 @@
         </p:nvSpPr>
         <p:spPr>
           <a:xfrm>
-            <a:off x="457200" y="205979"/>
-            <a:ext cx="6019800" cy="4388644"/>
+            <a:off x="508001" y="457200"/>
+            <a:ext cx="5295113" cy="3938588"/>
           </a:xfrm>
         </p:spPr>
         <p:txBody>
@@ -613,37 +2797,38 @@
           <a:p>
             <a:pPr lvl="0"/>
             <a:r>
-              <a:rPr lang="en-US"/>
+              <a:rPr lang="en-US" altLang="zh-CN"/>
               <a:t>Click to edit Master text styles</a:t>
             </a:r>
           </a:p>
           <a:p>
             <a:pPr lvl="1"/>
             <a:r>
-              <a:rPr lang="en-US"/>
+              <a:rPr lang="en-US" altLang="zh-CN"/>
               <a:t>Second level</a:t>
             </a:r>
           </a:p>
           <a:p>
             <a:pPr lvl="2"/>
             <a:r>
-              <a:rPr lang="en-US"/>
+              <a:rPr lang="en-US" altLang="zh-CN"/>
               <a:t>Third level</a:t>
             </a:r>
           </a:p>
           <a:p>
             <a:pPr lvl="3"/>
             <a:r>
-              <a:rPr lang="en-US"/>
+              <a:rPr lang="en-US" altLang="zh-CN"/>
               <a:t>Fourth level</a:t>
             </a:r>
           </a:p>
           <a:p>
             <a:pPr lvl="4"/>
             <a:r>
-              <a:rPr lang="en-US"/>
+              <a:rPr lang="en-US" altLang="zh-CN"/>
               <a:t>Fifth level</a:t>
             </a:r>
+            <a:endParaRPr lang="en-US" dirty="0"/>
           </a:p>
         </p:txBody>
       </p:sp>
@@ -664,7 +2849,7 @@
           <a:p>
             <a:fld id="{241EB5C9-1307-BA42-ABA2-0BC069CD8E7F}" type="datetimeFigureOut">
               <a:rPr lang="en-US" smtClean="0"/>
-              <a:t>1/2/22</a:t>
+              <a:t>12/25/2025</a:t>
             </a:fld>
             <a:endParaRPr lang="en-US"/>
           </a:p>
@@ -715,13 +2900,25 @@
     </p:spTree>
     <p:extLst>
       <p:ext uri="{BB962C8B-B14F-4D97-AF65-F5344CB8AC3E}">
-        <p14:creationId xmlns:p14="http://schemas.microsoft.com/office/powerpoint/2010/main" val="2581529045"/>
+        <p14:creationId xmlns:p14="http://schemas.microsoft.com/office/powerpoint/2010/main" val="697280879"/>
       </p:ext>
     </p:extLst>
   </p:cSld>
   <p:clrMapOvr>
     <a:masterClrMapping/>
   </p:clrMapOvr>
+  <mc:AlternateContent xmlns:mc="http://schemas.openxmlformats.org/markup-compatibility/2006" xmlns:p14="http://schemas.microsoft.com/office/powerpoint/2010/main">
+    <mc:Choice Requires="p14">
+      <p:transition p14:dur="250">
+        <p:fade/>
+      </p:transition>
+    </mc:Choice>
+    <mc:Fallback xmlns="">
+      <p:transition>
+        <p:fade/>
+      </p:transition>
+    </mc:Fallback>
+  </mc:AlternateContent>
 </p:sldLayout>
 </file>
 
@@ -754,64 +2951,72 @@
         </p:nvSpPr>
         <p:spPr/>
         <p:txBody>
+          <a:bodyPr>
+            <a:normAutofit/>
+          </a:bodyPr>
+          <a:lstStyle>
+            <a:lvl1pPr>
+              <a:defRPr sz="2700"/>
+            </a:lvl1pPr>
+          </a:lstStyle>
+          <a:p>
+            <a:r>
+              <a:rPr lang="en-US" altLang="zh-CN"/>
+              <a:t>Click to edit Master title style</a:t>
+            </a:r>
+            <a:endParaRPr lang="en-US" dirty="0"/>
+          </a:p>
+        </p:txBody>
+      </p:sp>
+      <p:sp>
+        <p:nvSpPr>
+          <p:cNvPr id="3" name="Content Placeholder 2"/>
+          <p:cNvSpPr>
+            <a:spLocks noGrp="1"/>
+          </p:cNvSpPr>
+          <p:nvPr>
+            <p:ph idx="1"/>
+          </p:nvPr>
+        </p:nvSpPr>
+        <p:spPr/>
+        <p:txBody>
           <a:bodyPr/>
           <a:lstStyle/>
           <a:p>
-            <a:r>
-              <a:rPr lang="en-US"/>
-              <a:t>Click to edit Master title style</a:t>
-            </a:r>
-          </a:p>
-        </p:txBody>
-      </p:sp>
-      <p:sp>
-        <p:nvSpPr>
-          <p:cNvPr id="3" name="Content Placeholder 2"/>
-          <p:cNvSpPr>
-            <a:spLocks noGrp="1"/>
-          </p:cNvSpPr>
-          <p:nvPr>
-            <p:ph idx="1"/>
-          </p:nvPr>
-        </p:nvSpPr>
-        <p:spPr/>
-        <p:txBody>
-          <a:bodyPr/>
-          <a:lstStyle/>
-          <a:p>
             <a:pPr lvl="0"/>
             <a:r>
-              <a:rPr lang="en-US"/>
+              <a:rPr lang="en-US" altLang="zh-CN"/>
               <a:t>Click to edit Master text styles</a:t>
             </a:r>
           </a:p>
           <a:p>
             <a:pPr lvl="1"/>
             <a:r>
-              <a:rPr lang="en-US"/>
+              <a:rPr lang="en-US" altLang="zh-CN"/>
               <a:t>Second level</a:t>
             </a:r>
           </a:p>
           <a:p>
             <a:pPr lvl="2"/>
             <a:r>
-              <a:rPr lang="en-US"/>
+              <a:rPr lang="en-US" altLang="zh-CN"/>
               <a:t>Third level</a:t>
             </a:r>
           </a:p>
           <a:p>
             <a:pPr lvl="3"/>
             <a:r>
-              <a:rPr lang="en-US"/>
+              <a:rPr lang="en-US" altLang="zh-CN"/>
               <a:t>Fourth level</a:t>
             </a:r>
           </a:p>
           <a:p>
             <a:pPr lvl="4"/>
             <a:r>
-              <a:rPr lang="en-US"/>
+              <a:rPr lang="en-US" altLang="zh-CN"/>
               <a:t>Fifth level</a:t>
             </a:r>
+            <a:endParaRPr lang="en-US" dirty="0"/>
           </a:p>
         </p:txBody>
       </p:sp>
@@ -832,7 +3037,7 @@
           <a:p>
             <a:fld id="{241EB5C9-1307-BA42-ABA2-0BC069CD8E7F}" type="datetimeFigureOut">
               <a:rPr lang="en-US" smtClean="0"/>
-              <a:t>1/2/22</a:t>
+              <a:t>12/25/2025</a:t>
             </a:fld>
             <a:endParaRPr lang="en-US"/>
           </a:p>
@@ -883,13 +3088,25 @@
     </p:spTree>
     <p:extLst>
       <p:ext uri="{BB962C8B-B14F-4D97-AF65-F5344CB8AC3E}">
-        <p14:creationId xmlns:p14="http://schemas.microsoft.com/office/powerpoint/2010/main" val="338346009"/>
+        <p14:creationId xmlns:p14="http://schemas.microsoft.com/office/powerpoint/2010/main" val="1888235248"/>
       </p:ext>
     </p:extLst>
   </p:cSld>
   <p:clrMapOvr>
     <a:masterClrMapping/>
   </p:clrMapOvr>
+  <mc:AlternateContent xmlns:mc="http://schemas.openxmlformats.org/markup-compatibility/2006" xmlns:p14="http://schemas.microsoft.com/office/powerpoint/2010/main">
+    <mc:Choice Requires="p14">
+      <p:transition p14:dur="250">
+        <p:fade/>
+      </p:transition>
+    </mc:Choice>
+    <mc:Fallback xmlns="">
+      <p:transition>
+        <p:fade/>
+      </p:transition>
+    </mc:Fallback>
+  </mc:AlternateContent>
 </p:sldLayout>
 </file>
 
@@ -922,75 +3139,87 @@
         </p:nvSpPr>
         <p:spPr>
           <a:xfrm>
-            <a:off x="722313" y="3305176"/>
-            <a:ext cx="7772400" cy="1021556"/>
+            <a:off x="508001" y="2025651"/>
+            <a:ext cx="6447501" cy="1369936"/>
           </a:xfrm>
         </p:spPr>
         <p:txBody>
+          <a:bodyPr anchor="b"/>
+          <a:lstStyle>
+            <a:lvl1pPr algn="l">
+              <a:defRPr sz="3000" b="0" cap="none"/>
+            </a:lvl1pPr>
+          </a:lstStyle>
+          <a:p>
+            <a:r>
+              <a:rPr lang="en-US" altLang="zh-CN"/>
+              <a:t>Click to edit Master title style</a:t>
+            </a:r>
+            <a:endParaRPr lang="en-US" dirty="0"/>
+          </a:p>
+        </p:txBody>
+      </p:sp>
+      <p:sp>
+        <p:nvSpPr>
+          <p:cNvPr id="3" name="Text Placeholder 2"/>
+          <p:cNvSpPr>
+            <a:spLocks noGrp="1"/>
+          </p:cNvSpPr>
+          <p:nvPr>
+            <p:ph type="body" idx="1"/>
+          </p:nvPr>
+        </p:nvSpPr>
+        <p:spPr>
+          <a:xfrm>
+            <a:off x="508001" y="3395586"/>
+            <a:ext cx="6447501" cy="645300"/>
+          </a:xfrm>
+        </p:spPr>
+        <p:txBody>
           <a:bodyPr anchor="t"/>
           <a:lstStyle>
-            <a:lvl1pPr algn="l">
-              <a:defRPr sz="3000" b="1" cap="all"/>
+            <a:lvl1pPr marL="0" indent="0" algn="l">
+              <a:buNone/>
+              <a:defRPr sz="1500">
+                <a:solidFill>
+                  <a:schemeClr val="tx1">
+                    <a:lumMod val="50000"/>
+                    <a:lumOff val="50000"/>
+                  </a:schemeClr>
+                </a:solidFill>
+              </a:defRPr>
             </a:lvl1pPr>
-          </a:lstStyle>
-          <a:p>
-            <a:r>
-              <a:rPr lang="en-US"/>
-              <a:t>Click to edit Master title style</a:t>
-            </a:r>
-          </a:p>
-        </p:txBody>
-      </p:sp>
-      <p:sp>
-        <p:nvSpPr>
-          <p:cNvPr id="3" name="Text Placeholder 2"/>
-          <p:cNvSpPr>
-            <a:spLocks noGrp="1"/>
-          </p:cNvSpPr>
-          <p:nvPr>
-            <p:ph type="body" idx="1"/>
-          </p:nvPr>
-        </p:nvSpPr>
-        <p:spPr>
-          <a:xfrm>
-            <a:off x="722313" y="2180035"/>
-            <a:ext cx="7772400" cy="1125140"/>
-          </a:xfrm>
-        </p:spPr>
-        <p:txBody>
-          <a:bodyPr anchor="b"/>
-          <a:lstStyle>
-            <a:lvl1pPr marL="0" indent="0">
-              <a:buNone/>
-              <a:defRPr sz="1500">
+            <a:lvl2pPr marL="342900" indent="0">
+              <a:buNone/>
+              <a:defRPr sz="1350">
                 <a:solidFill>
                   <a:schemeClr val="tx1">
                     <a:tint val="75000"/>
                   </a:schemeClr>
                 </a:solidFill>
               </a:defRPr>
-            </a:lvl1pPr>
-            <a:lvl2pPr marL="342900" indent="0">
-              <a:buNone/>
-              <a:defRPr sz="1350">
+            </a:lvl2pPr>
+            <a:lvl3pPr marL="685800" indent="0">
+              <a:buNone/>
+              <a:defRPr sz="1200">
                 <a:solidFill>
                   <a:schemeClr val="tx1">
                     <a:tint val="75000"/>
                   </a:schemeClr>
                 </a:solidFill>
               </a:defRPr>
-            </a:lvl2pPr>
-            <a:lvl3pPr marL="685800" indent="0">
-              <a:buNone/>
-              <a:defRPr sz="1200">
+            </a:lvl3pPr>
+            <a:lvl4pPr marL="1028700" indent="0">
+              <a:buNone/>
+              <a:defRPr sz="1050">
                 <a:solidFill>
                   <a:schemeClr val="tx1">
                     <a:tint val="75000"/>
                   </a:schemeClr>
                 </a:solidFill>
               </a:defRPr>
-            </a:lvl3pPr>
-            <a:lvl4pPr marL="1028700" indent="0">
+            </a:lvl4pPr>
+            <a:lvl5pPr marL="1371600" indent="0">
               <a:buNone/>
               <a:defRPr sz="1050">
                 <a:solidFill>
@@ -999,8 +3228,8 @@
                   </a:schemeClr>
                 </a:solidFill>
               </a:defRPr>
-            </a:lvl4pPr>
-            <a:lvl5pPr marL="1371600" indent="0">
+            </a:lvl5pPr>
+            <a:lvl6pPr marL="1714500" indent="0">
               <a:buNone/>
               <a:defRPr sz="1050">
                 <a:solidFill>
@@ -1009,8 +3238,8 @@
                   </a:schemeClr>
                 </a:solidFill>
               </a:defRPr>
-            </a:lvl5pPr>
-            <a:lvl6pPr marL="1714500" indent="0">
+            </a:lvl6pPr>
+            <a:lvl7pPr marL="2057400" indent="0">
               <a:buNone/>
               <a:defRPr sz="1050">
                 <a:solidFill>
@@ -1019,8 +3248,8 @@
                   </a:schemeClr>
                 </a:solidFill>
               </a:defRPr>
-            </a:lvl6pPr>
-            <a:lvl7pPr marL="2057400" indent="0">
+            </a:lvl7pPr>
+            <a:lvl8pPr marL="2400300" indent="0">
               <a:buNone/>
               <a:defRPr sz="1050">
                 <a:solidFill>
@@ -1029,8 +3258,8 @@
                   </a:schemeClr>
                 </a:solidFill>
               </a:defRPr>
-            </a:lvl7pPr>
-            <a:lvl8pPr marL="2400300" indent="0">
+            </a:lvl8pPr>
+            <a:lvl9pPr marL="2743200" indent="0">
               <a:buNone/>
               <a:defRPr sz="1050">
                 <a:solidFill>
@@ -1039,22 +3268,12 @@
                   </a:schemeClr>
                 </a:solidFill>
               </a:defRPr>
-            </a:lvl8pPr>
-            <a:lvl9pPr marL="2743200" indent="0">
-              <a:buNone/>
-              <a:defRPr sz="1050">
-                <a:solidFill>
-                  <a:schemeClr val="tx1">
-                    <a:tint val="75000"/>
-                  </a:schemeClr>
-                </a:solidFill>
-              </a:defRPr>
             </a:lvl9pPr>
           </a:lstStyle>
           <a:p>
             <a:pPr lvl="0"/>
             <a:r>
-              <a:rPr lang="en-US"/>
+              <a:rPr lang="en-US" altLang="zh-CN"/>
               <a:t>Click to edit Master text styles</a:t>
             </a:r>
           </a:p>
@@ -1077,7 +3296,7 @@
           <a:p>
             <a:fld id="{241EB5C9-1307-BA42-ABA2-0BC069CD8E7F}" type="datetimeFigureOut">
               <a:rPr lang="en-US" smtClean="0"/>
-              <a:t>1/2/22</a:t>
+              <a:t>12/25/2025</a:t>
             </a:fld>
             <a:endParaRPr lang="en-US"/>
           </a:p>
@@ -1128,13 +3347,25 @@
     </p:spTree>
     <p:extLst>
       <p:ext uri="{BB962C8B-B14F-4D97-AF65-F5344CB8AC3E}">
-        <p14:creationId xmlns:p14="http://schemas.microsoft.com/office/powerpoint/2010/main" val="1073069076"/>
+        <p14:creationId xmlns:p14="http://schemas.microsoft.com/office/powerpoint/2010/main" val="3220716721"/>
       </p:ext>
     </p:extLst>
   </p:cSld>
   <p:clrMapOvr>
     <a:masterClrMapping/>
   </p:clrMapOvr>
+  <mc:AlternateContent xmlns:mc="http://schemas.openxmlformats.org/markup-compatibility/2006" xmlns:p14="http://schemas.microsoft.com/office/powerpoint/2010/main">
+    <mc:Choice Requires="p14">
+      <p:transition p14:dur="250">
+        <p:fade/>
+      </p:transition>
+    </mc:Choice>
+    <mc:Fallback xmlns="">
+      <p:transition>
+        <p:fade/>
+      </p:transition>
+    </mc:Fallback>
+  </mc:AlternateContent>
 </p:sldLayout>
 </file>
 
@@ -1171,9 +3402,10 @@
           <a:lstStyle/>
           <a:p>
             <a:r>
-              <a:rPr lang="en-US"/>
+              <a:rPr lang="en-US" altLang="zh-CN"/>
               <a:t>Click to edit Master title style</a:t>
             </a:r>
+            <a:endParaRPr lang="en-US" dirty="0"/>
           </a:p>
         </p:txBody>
       </p:sp>
@@ -1189,75 +3421,48 @@
         </p:nvSpPr>
         <p:spPr>
           <a:xfrm>
-            <a:off x="457200" y="1200151"/>
-            <a:ext cx="4038600" cy="3394472"/>
+            <a:off x="508001" y="1620442"/>
+            <a:ext cx="3138026" cy="2910579"/>
           </a:xfrm>
         </p:spPr>
         <p:txBody>
           <a:bodyPr/>
-          <a:lstStyle>
-            <a:lvl1pPr>
-              <a:defRPr sz="2100"/>
-            </a:lvl1pPr>
-            <a:lvl2pPr>
-              <a:defRPr sz="1800"/>
-            </a:lvl2pPr>
-            <a:lvl3pPr>
-              <a:defRPr sz="1500"/>
-            </a:lvl3pPr>
-            <a:lvl4pPr>
-              <a:defRPr sz="1350"/>
-            </a:lvl4pPr>
-            <a:lvl5pPr>
-              <a:defRPr sz="1350"/>
-            </a:lvl5pPr>
-            <a:lvl6pPr>
-              <a:defRPr sz="1350"/>
-            </a:lvl6pPr>
-            <a:lvl7pPr>
-              <a:defRPr sz="1350"/>
-            </a:lvl7pPr>
-            <a:lvl8pPr>
-              <a:defRPr sz="1350"/>
-            </a:lvl8pPr>
-            <a:lvl9pPr>
-              <a:defRPr sz="1350"/>
-            </a:lvl9pPr>
-          </a:lstStyle>
+          <a:lstStyle/>
           <a:p>
             <a:pPr lvl="0"/>
             <a:r>
-              <a:rPr lang="en-US"/>
+              <a:rPr lang="en-US" altLang="zh-CN"/>
               <a:t>Click to edit Master text styles</a:t>
             </a:r>
           </a:p>
           <a:p>
             <a:pPr lvl="1"/>
             <a:r>
-              <a:rPr lang="en-US"/>
+              <a:rPr lang="en-US" altLang="zh-CN"/>
               <a:t>Second level</a:t>
             </a:r>
           </a:p>
           <a:p>
             <a:pPr lvl="2"/>
             <a:r>
-              <a:rPr lang="en-US"/>
+              <a:rPr lang="en-US" altLang="zh-CN"/>
               <a:t>Third level</a:t>
             </a:r>
           </a:p>
           <a:p>
             <a:pPr lvl="3"/>
             <a:r>
-              <a:rPr lang="en-US"/>
+              <a:rPr lang="en-US" altLang="zh-CN"/>
               <a:t>Fourth level</a:t>
             </a:r>
           </a:p>
           <a:p>
             <a:pPr lvl="4"/>
             <a:r>
-              <a:rPr lang="en-US"/>
+              <a:rPr lang="en-US" altLang="zh-CN"/>
               <a:t>Fifth level</a:t>
             </a:r>
+            <a:endParaRPr lang="en-US" dirty="0"/>
           </a:p>
         </p:txBody>
       </p:sp>
@@ -1273,75 +3478,48 @@
         </p:nvSpPr>
         <p:spPr>
           <a:xfrm>
-            <a:off x="4648200" y="1200151"/>
-            <a:ext cx="4038600" cy="3394472"/>
+            <a:off x="3817477" y="1620442"/>
+            <a:ext cx="3138026" cy="2910580"/>
           </a:xfrm>
         </p:spPr>
         <p:txBody>
           <a:bodyPr/>
-          <a:lstStyle>
-            <a:lvl1pPr>
-              <a:defRPr sz="2100"/>
-            </a:lvl1pPr>
-            <a:lvl2pPr>
-              <a:defRPr sz="1800"/>
-            </a:lvl2pPr>
-            <a:lvl3pPr>
-              <a:defRPr sz="1500"/>
-            </a:lvl3pPr>
-            <a:lvl4pPr>
-              <a:defRPr sz="1350"/>
-            </a:lvl4pPr>
-            <a:lvl5pPr>
-              <a:defRPr sz="1350"/>
-            </a:lvl5pPr>
-            <a:lvl6pPr>
-              <a:defRPr sz="1350"/>
-            </a:lvl6pPr>
-            <a:lvl7pPr>
-              <a:defRPr sz="1350"/>
-            </a:lvl7pPr>
-            <a:lvl8pPr>
-              <a:defRPr sz="1350"/>
-            </a:lvl8pPr>
-            <a:lvl9pPr>
-              <a:defRPr sz="1350"/>
-            </a:lvl9pPr>
-          </a:lstStyle>
+          <a:lstStyle/>
           <a:p>
             <a:pPr lvl="0"/>
             <a:r>
-              <a:rPr lang="en-US"/>
+              <a:rPr lang="en-US" altLang="zh-CN"/>
               <a:t>Click to edit Master text styles</a:t>
             </a:r>
           </a:p>
           <a:p>
             <a:pPr lvl="1"/>
             <a:r>
-              <a:rPr lang="en-US"/>
+              <a:rPr lang="en-US" altLang="zh-CN"/>
               <a:t>Second level</a:t>
             </a:r>
           </a:p>
           <a:p>
             <a:pPr lvl="2"/>
             <a:r>
-              <a:rPr lang="en-US"/>
+              <a:rPr lang="en-US" altLang="zh-CN"/>
               <a:t>Third level</a:t>
             </a:r>
           </a:p>
           <a:p>
             <a:pPr lvl="3"/>
             <a:r>
-              <a:rPr lang="en-US"/>
+              <a:rPr lang="en-US" altLang="zh-CN"/>
               <a:t>Fourth level</a:t>
             </a:r>
           </a:p>
           <a:p>
             <a:pPr lvl="4"/>
             <a:r>
-              <a:rPr lang="en-US"/>
+              <a:rPr lang="en-US" altLang="zh-CN"/>
               <a:t>Fifth level</a:t>
             </a:r>
+            <a:endParaRPr lang="en-US" dirty="0"/>
           </a:p>
         </p:txBody>
       </p:sp>
@@ -1362,7 +3540,7 @@
           <a:p>
             <a:fld id="{241EB5C9-1307-BA42-ABA2-0BC069CD8E7F}" type="datetimeFigureOut">
               <a:rPr lang="en-US" smtClean="0"/>
-              <a:t>1/2/22</a:t>
+              <a:t>12/25/2025</a:t>
             </a:fld>
             <a:endParaRPr lang="en-US"/>
           </a:p>
@@ -1413,13 +3591,25 @@
     </p:spTree>
     <p:extLst>
       <p:ext uri="{BB962C8B-B14F-4D97-AF65-F5344CB8AC3E}">
-        <p14:creationId xmlns:p14="http://schemas.microsoft.com/office/powerpoint/2010/main" val="2619886245"/>
+        <p14:creationId xmlns:p14="http://schemas.microsoft.com/office/powerpoint/2010/main" val="2655461036"/>
       </p:ext>
     </p:extLst>
   </p:cSld>
   <p:clrMapOvr>
     <a:masterClrMapping/>
   </p:clrMapOvr>
+  <mc:AlternateContent xmlns:mc="http://schemas.openxmlformats.org/markup-compatibility/2006" xmlns:p14="http://schemas.microsoft.com/office/powerpoint/2010/main">
+    <mc:Choice Requires="p14">
+      <p:transition p14:dur="250">
+        <p:fade/>
+      </p:transition>
+    </mc:Choice>
+    <mc:Fallback xmlns="">
+      <p:transition>
+        <p:fade/>
+      </p:transition>
+    </mc:Fallback>
+  </mc:AlternateContent>
 </p:sldLayout>
 </file>
 
@@ -1460,9 +3650,10 @@
           </a:lstStyle>
           <a:p>
             <a:r>
-              <a:rPr lang="en-US"/>
+              <a:rPr lang="en-US" altLang="zh-CN"/>
               <a:t>Click to edit Master title style</a:t>
             </a:r>
+            <a:endParaRPr lang="en-US" dirty="0"/>
           </a:p>
         </p:txBody>
       </p:sp>
@@ -1478,16 +3669,18 @@
         </p:nvSpPr>
         <p:spPr>
           <a:xfrm>
-            <a:off x="457200" y="1151335"/>
-            <a:ext cx="4040188" cy="479822"/>
+            <a:off x="506809" y="1620737"/>
+            <a:ext cx="3139217" cy="432197"/>
           </a:xfrm>
         </p:spPr>
         <p:txBody>
-          <a:bodyPr anchor="b"/>
+          <a:bodyPr anchor="b">
+            <a:noAutofit/>
+          </a:bodyPr>
           <a:lstStyle>
             <a:lvl1pPr marL="0" indent="0">
               <a:buNone/>
-              <a:defRPr sz="1800" b="1"/>
+              <a:defRPr sz="1800" b="0"/>
             </a:lvl1pPr>
             <a:lvl2pPr marL="342900" indent="0">
               <a:buNone/>
@@ -1525,7 +3718,7 @@
           <a:p>
             <a:pPr lvl="0"/>
             <a:r>
-              <a:rPr lang="en-US"/>
+              <a:rPr lang="en-US" altLang="zh-CN"/>
               <a:t>Click to edit Master text styles</a:t>
             </a:r>
           </a:p>
@@ -1543,75 +3736,50 @@
         </p:nvSpPr>
         <p:spPr>
           <a:xfrm>
-            <a:off x="457200" y="1631156"/>
-            <a:ext cx="4040188" cy="2963466"/>
+            <a:off x="506809" y="2052934"/>
+            <a:ext cx="3139217" cy="2478088"/>
           </a:xfrm>
         </p:spPr>
         <p:txBody>
-          <a:bodyPr/>
-          <a:lstStyle>
-            <a:lvl1pPr>
-              <a:defRPr sz="1800"/>
-            </a:lvl1pPr>
-            <a:lvl2pPr>
-              <a:defRPr sz="1500"/>
-            </a:lvl2pPr>
-            <a:lvl3pPr>
-              <a:defRPr sz="1350"/>
-            </a:lvl3pPr>
-            <a:lvl4pPr>
-              <a:defRPr sz="1200"/>
-            </a:lvl4pPr>
-            <a:lvl5pPr>
-              <a:defRPr sz="1200"/>
-            </a:lvl5pPr>
-            <a:lvl6pPr>
-              <a:defRPr sz="1200"/>
-            </a:lvl6pPr>
-            <a:lvl7pPr>
-              <a:defRPr sz="1200"/>
-            </a:lvl7pPr>
-            <a:lvl8pPr>
-              <a:defRPr sz="1200"/>
-            </a:lvl8pPr>
-            <a:lvl9pPr>
-              <a:defRPr sz="1200"/>
-            </a:lvl9pPr>
-          </a:lstStyle>
+          <a:bodyPr>
+            <a:normAutofit/>
+          </a:bodyPr>
+          <a:lstStyle/>
           <a:p>
             <a:pPr lvl="0"/>
             <a:r>
-              <a:rPr lang="en-US"/>
+              <a:rPr lang="en-US" altLang="zh-CN"/>
               <a:t>Click to edit Master text styles</a:t>
             </a:r>
           </a:p>
           <a:p>
             <a:pPr lvl="1"/>
             <a:r>
-              <a:rPr lang="en-US"/>
+              <a:rPr lang="en-US" altLang="zh-CN"/>
               <a:t>Second level</a:t>
             </a:r>
           </a:p>
           <a:p>
             <a:pPr lvl="2"/>
             <a:r>
-              <a:rPr lang="en-US"/>
+              <a:rPr lang="en-US" altLang="zh-CN"/>
               <a:t>Third level</a:t>
             </a:r>
           </a:p>
           <a:p>
             <a:pPr lvl="3"/>
             <a:r>
-              <a:rPr lang="en-US"/>
+              <a:rPr lang="en-US" altLang="zh-CN"/>
               <a:t>Fourth level</a:t>
             </a:r>
           </a:p>
           <a:p>
             <a:pPr lvl="4"/>
             <a:r>
-              <a:rPr lang="en-US"/>
+              <a:rPr lang="en-US" altLang="zh-CN"/>
               <a:t>Fifth level</a:t>
             </a:r>
+            <a:endParaRPr lang="en-US" dirty="0"/>
           </a:p>
         </p:txBody>
       </p:sp>
@@ -1627,16 +3795,18 @@
         </p:nvSpPr>
         <p:spPr>
           <a:xfrm>
-            <a:off x="4645026" y="1151335"/>
-            <a:ext cx="4041775" cy="479822"/>
+            <a:off x="3816287" y="1620737"/>
+            <a:ext cx="3139214" cy="432197"/>
           </a:xfrm>
         </p:spPr>
         <p:txBody>
-          <a:bodyPr anchor="b"/>
+          <a:bodyPr anchor="b">
+            <a:noAutofit/>
+          </a:bodyPr>
           <a:lstStyle>
             <a:lvl1pPr marL="0" indent="0">
               <a:buNone/>
-              <a:defRPr sz="1800" b="1"/>
+              <a:defRPr sz="1800" b="0"/>
             </a:lvl1pPr>
             <a:lvl2pPr marL="342900" indent="0">
               <a:buNone/>
@@ -1674,7 +3844,7 @@
           <a:p>
             <a:pPr lvl="0"/>
             <a:r>
-              <a:rPr lang="en-US"/>
+              <a:rPr lang="en-US" altLang="zh-CN"/>
               <a:t>Click to edit Master text styles</a:t>
             </a:r>
           </a:p>
@@ -1692,75 +3862,50 @@
         </p:nvSpPr>
         <p:spPr>
           <a:xfrm>
-            <a:off x="4645026" y="1631156"/>
-            <a:ext cx="4041775" cy="2963466"/>
+            <a:off x="3816288" y="2052934"/>
+            <a:ext cx="3139213" cy="2478088"/>
           </a:xfrm>
         </p:spPr>
         <p:txBody>
-          <a:bodyPr/>
-          <a:lstStyle>
-            <a:lvl1pPr>
-              <a:defRPr sz="1800"/>
-            </a:lvl1pPr>
-            <a:lvl2pPr>
-              <a:defRPr sz="1500"/>
-            </a:lvl2pPr>
-            <a:lvl3pPr>
-              <a:defRPr sz="1350"/>
-            </a:lvl3pPr>
-            <a:lvl4pPr>
-              <a:defRPr sz="1200"/>
-            </a:lvl4pPr>
-            <a:lvl5pPr>
-              <a:defRPr sz="1200"/>
-            </a:lvl5pPr>
-            <a:lvl6pPr>
-              <a:defRPr sz="1200"/>
-            </a:lvl6pPr>
-            <a:lvl7pPr>
-              <a:defRPr sz="1200"/>
-            </a:lvl7pPr>
-            <a:lvl8pPr>
-              <a:defRPr sz="1200"/>
-            </a:lvl8pPr>
-            <a:lvl9pPr>
-              <a:defRPr sz="1200"/>
-            </a:lvl9pPr>
-          </a:lstStyle>
+          <a:bodyPr>
+            <a:normAutofit/>
+          </a:bodyPr>
+          <a:lstStyle/>
           <a:p>
             <a:pPr lvl="0"/>
             <a:r>
-              <a:rPr lang="en-US"/>
+              <a:rPr lang="en-US" altLang="zh-CN"/>
               <a:t>Click to edit Master text styles</a:t>
             </a:r>
           </a:p>
           <a:p>
             <a:pPr lvl="1"/>
             <a:r>
-              <a:rPr lang="en-US"/>
+              <a:rPr lang="en-US" altLang="zh-CN"/>
               <a:t>Second level</a:t>
             </a:r>
           </a:p>
           <a:p>
             <a:pPr lvl="2"/>
             <a:r>
-              <a:rPr lang="en-US"/>
+              <a:rPr lang="en-US" altLang="zh-CN"/>
               <a:t>Third level</a:t>
             </a:r>
           </a:p>
           <a:p>
             <a:pPr lvl="3"/>
             <a:r>
-              <a:rPr lang="en-US"/>
+              <a:rPr lang="en-US" altLang="zh-CN"/>
               <a:t>Fourth level</a:t>
             </a:r>
           </a:p>
           <a:p>
             <a:pPr lvl="4"/>
             <a:r>
-              <a:rPr lang="en-US"/>
+              <a:rPr lang="en-US" altLang="zh-CN"/>
               <a:t>Fifth level</a:t>
             </a:r>
+            <a:endParaRPr lang="en-US" dirty="0"/>
           </a:p>
         </p:txBody>
       </p:sp>
@@ -1781,7 +3926,7 @@
           <a:p>
             <a:fld id="{241EB5C9-1307-BA42-ABA2-0BC069CD8E7F}" type="datetimeFigureOut">
               <a:rPr lang="en-US" smtClean="0"/>
-              <a:t>1/2/22</a:t>
+              <a:t>12/25/2025</a:t>
             </a:fld>
             <a:endParaRPr lang="en-US"/>
           </a:p>
@@ -1832,13 +3977,25 @@
     </p:spTree>
     <p:extLst>
       <p:ext uri="{BB962C8B-B14F-4D97-AF65-F5344CB8AC3E}">
-        <p14:creationId xmlns:p14="http://schemas.microsoft.com/office/powerpoint/2010/main" val="2535793967"/>
+        <p14:creationId xmlns:p14="http://schemas.microsoft.com/office/powerpoint/2010/main" val="2328738179"/>
       </p:ext>
     </p:extLst>
   </p:cSld>
   <p:clrMapOvr>
     <a:masterClrMapping/>
   </p:clrMapOvr>
+  <mc:AlternateContent xmlns:mc="http://schemas.openxmlformats.org/markup-compatibility/2006" xmlns:p14="http://schemas.microsoft.com/office/powerpoint/2010/main">
+    <mc:Choice Requires="p14">
+      <p:transition p14:dur="250">
+        <p:fade/>
+      </p:transition>
+    </mc:Choice>
+    <mc:Fallback xmlns="">
+      <p:transition>
+        <p:fade/>
+      </p:transition>
+    </mc:Fallback>
+  </mc:AlternateContent>
 </p:sldLayout>
 </file>
 
@@ -1869,15 +4026,21 @@
             <p:ph type="title"/>
           </p:nvPr>
         </p:nvSpPr>
-        <p:spPr/>
+        <p:spPr>
+          <a:xfrm>
+            <a:off x="508001" y="457200"/>
+            <a:ext cx="6447501" cy="990600"/>
+          </a:xfrm>
+        </p:spPr>
         <p:txBody>
           <a:bodyPr/>
           <a:lstStyle/>
           <a:p>
             <a:r>
-              <a:rPr lang="en-US"/>
+              <a:rPr lang="en-US" altLang="zh-CN"/>
               <a:t>Click to edit Master title style</a:t>
             </a:r>
+            <a:endParaRPr lang="en-US" dirty="0"/>
           </a:p>
         </p:txBody>
       </p:sp>
@@ -1898,7 +4061,7 @@
           <a:p>
             <a:fld id="{241EB5C9-1307-BA42-ABA2-0BC069CD8E7F}" type="datetimeFigureOut">
               <a:rPr lang="en-US" smtClean="0"/>
-              <a:t>1/2/22</a:t>
+              <a:t>12/25/2025</a:t>
             </a:fld>
             <a:endParaRPr lang="en-US"/>
           </a:p>
@@ -1949,13 +4112,25 @@
     </p:spTree>
     <p:extLst>
       <p:ext uri="{BB962C8B-B14F-4D97-AF65-F5344CB8AC3E}">
-        <p14:creationId xmlns:p14="http://schemas.microsoft.com/office/powerpoint/2010/main" val="3472721253"/>
+        <p14:creationId xmlns:p14="http://schemas.microsoft.com/office/powerpoint/2010/main" val="747726713"/>
       </p:ext>
     </p:extLst>
   </p:cSld>
   <p:clrMapOvr>
     <a:masterClrMapping/>
   </p:clrMapOvr>
+  <mc:AlternateContent xmlns:mc="http://schemas.openxmlformats.org/markup-compatibility/2006" xmlns:p14="http://schemas.microsoft.com/office/powerpoint/2010/main">
+    <mc:Choice Requires="p14">
+      <p:transition p14:dur="250">
+        <p:fade/>
+      </p:transition>
+    </mc:Choice>
+    <mc:Fallback xmlns="">
+      <p:transition>
+        <p:fade/>
+      </p:transition>
+    </mc:Fallback>
+  </mc:AlternateContent>
 </p:sldLayout>
 </file>
 
@@ -1993,7 +4168,7 @@
           <a:p>
             <a:fld id="{241EB5C9-1307-BA42-ABA2-0BC069CD8E7F}" type="datetimeFigureOut">
               <a:rPr lang="en-US" smtClean="0"/>
-              <a:t>1/2/22</a:t>
+              <a:t>12/25/2025</a:t>
             </a:fld>
             <a:endParaRPr lang="en-US"/>
           </a:p>
@@ -2044,13 +4219,25 @@
     </p:spTree>
     <p:extLst>
       <p:ext uri="{BB962C8B-B14F-4D97-AF65-F5344CB8AC3E}">
-        <p14:creationId xmlns:p14="http://schemas.microsoft.com/office/powerpoint/2010/main" val="2130901097"/>
+        <p14:creationId xmlns:p14="http://schemas.microsoft.com/office/powerpoint/2010/main" val="137998838"/>
       </p:ext>
     </p:extLst>
   </p:cSld>
   <p:clrMapOvr>
     <a:masterClrMapping/>
   </p:clrMapOvr>
+  <mc:AlternateContent xmlns:mc="http://schemas.openxmlformats.org/markup-compatibility/2006" xmlns:p14="http://schemas.microsoft.com/office/powerpoint/2010/main">
+    <mc:Choice Requires="p14">
+      <p:transition p14:dur="250">
+        <p:fade/>
+      </p:transition>
+    </mc:Choice>
+    <mc:Fallback xmlns="">
+      <p:transition>
+        <p:fade/>
+      </p:transition>
+    </mc:Fallback>
+  </mc:AlternateContent>
 </p:sldLayout>
 </file>
 
@@ -2083,22 +4270,25 @@
         </p:nvSpPr>
         <p:spPr>
           <a:xfrm>
-            <a:off x="457201" y="204787"/>
-            <a:ext cx="3008313" cy="871538"/>
+            <a:off x="508001" y="1123953"/>
+            <a:ext cx="2890896" cy="958850"/>
           </a:xfrm>
         </p:spPr>
         <p:txBody>
-          <a:bodyPr anchor="b"/>
+          <a:bodyPr anchor="b">
+            <a:normAutofit/>
+          </a:bodyPr>
           <a:lstStyle>
-            <a:lvl1pPr algn="l">
-              <a:defRPr sz="1500" b="1"/>
+            <a:lvl1pPr>
+              <a:defRPr sz="1500"/>
             </a:lvl1pPr>
           </a:lstStyle>
           <a:p>
             <a:r>
-              <a:rPr lang="en-US"/>
+              <a:rPr lang="en-US" altLang="zh-CN"/>
               <a:t>Click to edit Master title style</a:t>
             </a:r>
+            <a:endParaRPr lang="en-US" dirty="0"/>
           </a:p>
         </p:txBody>
       </p:sp>
@@ -2114,138 +4304,115 @@
         </p:nvSpPr>
         <p:spPr>
           <a:xfrm>
-            <a:off x="3575050" y="204788"/>
-            <a:ext cx="5111750" cy="4389835"/>
+            <a:off x="3570346" y="386193"/>
+            <a:ext cx="3385156" cy="4144828"/>
           </a:xfrm>
         </p:spPr>
         <p:txBody>
-          <a:bodyPr/>
+          <a:bodyPr>
+            <a:normAutofit/>
+          </a:bodyPr>
+          <a:lstStyle/>
+          <a:p>
+            <a:pPr lvl="0"/>
+            <a:r>
+              <a:rPr lang="en-US" altLang="zh-CN"/>
+              <a:t>Click to edit Master text styles</a:t>
+            </a:r>
+          </a:p>
+          <a:p>
+            <a:pPr lvl="1"/>
+            <a:r>
+              <a:rPr lang="en-US" altLang="zh-CN"/>
+              <a:t>Second level</a:t>
+            </a:r>
+          </a:p>
+          <a:p>
+            <a:pPr lvl="2"/>
+            <a:r>
+              <a:rPr lang="en-US" altLang="zh-CN"/>
+              <a:t>Third level</a:t>
+            </a:r>
+          </a:p>
+          <a:p>
+            <a:pPr lvl="3"/>
+            <a:r>
+              <a:rPr lang="en-US" altLang="zh-CN"/>
+              <a:t>Fourth level</a:t>
+            </a:r>
+          </a:p>
+          <a:p>
+            <a:pPr lvl="4"/>
+            <a:r>
+              <a:rPr lang="en-US" altLang="zh-CN"/>
+              <a:t>Fifth level</a:t>
+            </a:r>
+            <a:endParaRPr lang="en-US" dirty="0"/>
+          </a:p>
+        </p:txBody>
+      </p:sp>
+      <p:sp>
+        <p:nvSpPr>
+          <p:cNvPr id="4" name="Text Placeholder 3"/>
+          <p:cNvSpPr>
+            <a:spLocks noGrp="1"/>
+          </p:cNvSpPr>
+          <p:nvPr>
+            <p:ph type="body" sz="half" idx="2"/>
+          </p:nvPr>
+        </p:nvSpPr>
+        <p:spPr>
+          <a:xfrm>
+            <a:off x="508001" y="2082802"/>
+            <a:ext cx="2890896" cy="1938337"/>
+          </a:xfrm>
+        </p:spPr>
+        <p:txBody>
+          <a:bodyPr>
+            <a:normAutofit/>
+          </a:bodyPr>
           <a:lstStyle>
-            <a:lvl1pPr>
-              <a:defRPr sz="2400"/>
+            <a:lvl1pPr marL="0" indent="0">
+              <a:buNone/>
+              <a:defRPr sz="1050"/>
             </a:lvl1pPr>
-            <a:lvl2pPr>
-              <a:defRPr sz="2100"/>
+            <a:lvl2pPr marL="342797" indent="0">
+              <a:buNone/>
+              <a:defRPr sz="1050"/>
             </a:lvl2pPr>
-            <a:lvl3pPr>
-              <a:defRPr sz="1800"/>
+            <a:lvl3pPr marL="685595" indent="0">
+              <a:buNone/>
+              <a:defRPr sz="900"/>
             </a:lvl3pPr>
-            <a:lvl4pPr>
-              <a:defRPr sz="1500"/>
+            <a:lvl4pPr marL="1028392" indent="0">
+              <a:buNone/>
+              <a:defRPr sz="750"/>
             </a:lvl4pPr>
-            <a:lvl5pPr>
-              <a:defRPr sz="1500"/>
+            <a:lvl5pPr marL="1371188" indent="0">
+              <a:buNone/>
+              <a:defRPr sz="750"/>
             </a:lvl5pPr>
-            <a:lvl6pPr>
-              <a:defRPr sz="1500"/>
+            <a:lvl6pPr marL="1713986" indent="0">
+              <a:buNone/>
+              <a:defRPr sz="750"/>
             </a:lvl6pPr>
-            <a:lvl7pPr>
-              <a:defRPr sz="1500"/>
+            <a:lvl7pPr marL="2056783" indent="0">
+              <a:buNone/>
+              <a:defRPr sz="750"/>
             </a:lvl7pPr>
-            <a:lvl8pPr>
-              <a:defRPr sz="1500"/>
+            <a:lvl8pPr marL="2399580" indent="0">
+              <a:buNone/>
+              <a:defRPr sz="750"/>
             </a:lvl8pPr>
-            <a:lvl9pPr>
-              <a:defRPr sz="1500"/>
+            <a:lvl9pPr marL="2742377" indent="0">
+              <a:buNone/>
+              <a:defRPr sz="750"/>
             </a:lvl9pPr>
           </a:lstStyle>
           <a:p>
             <a:pPr lvl="0"/>
             <a:r>
-              <a:rPr lang="en-US"/>
-              <a:t>Click to edit Master text styles</a:t>
-            </a:r>
-          </a:p>
-          <a:p>
-            <a:pPr lvl="1"/>
-            <a:r>
-              <a:rPr lang="en-US"/>
-              <a:t>Second level</a:t>
-            </a:r>
-          </a:p>
-          <a:p>
-            <a:pPr lvl="2"/>
-            <a:r>
-              <a:rPr lang="en-US"/>
-              <a:t>Third level</a:t>
-            </a:r>
-          </a:p>
-          <a:p>
-            <a:pPr lvl="3"/>
-            <a:r>
-              <a:rPr lang="en-US"/>
-              <a:t>Fourth level</a:t>
-            </a:r>
-          </a:p>
-          <a:p>
-            <a:pPr lvl="4"/>
-            <a:r>
-              <a:rPr lang="en-US"/>
-              <a:t>Fifth level</a:t>
-            </a:r>
-          </a:p>
-        </p:txBody>
-      </p:sp>
-      <p:sp>
-        <p:nvSpPr>
-          <p:cNvPr id="4" name="Text Placeholder 3"/>
-          <p:cNvSpPr>
-            <a:spLocks noGrp="1"/>
-          </p:cNvSpPr>
-          <p:nvPr>
-            <p:ph type="body" sz="half" idx="2"/>
-          </p:nvPr>
-        </p:nvSpPr>
-        <p:spPr>
-          <a:xfrm>
-            <a:off x="457201" y="1076326"/>
-            <a:ext cx="3008313" cy="3518297"/>
-          </a:xfrm>
-        </p:spPr>
-        <p:txBody>
-          <a:bodyPr/>
-          <a:lstStyle>
-            <a:lvl1pPr marL="0" indent="0">
-              <a:buNone/>
-              <a:defRPr sz="1050"/>
-            </a:lvl1pPr>
-            <a:lvl2pPr marL="342900" indent="0">
-              <a:buNone/>
-              <a:defRPr sz="900"/>
-            </a:lvl2pPr>
-            <a:lvl3pPr marL="685800" indent="0">
-              <a:buNone/>
-              <a:defRPr sz="750"/>
-            </a:lvl3pPr>
-            <a:lvl4pPr marL="1028700" indent="0">
-              <a:buNone/>
-              <a:defRPr sz="675"/>
-            </a:lvl4pPr>
-            <a:lvl5pPr marL="1371600" indent="0">
-              <a:buNone/>
-              <a:defRPr sz="675"/>
-            </a:lvl5pPr>
-            <a:lvl6pPr marL="1714500" indent="0">
-              <a:buNone/>
-              <a:defRPr sz="675"/>
-            </a:lvl6pPr>
-            <a:lvl7pPr marL="2057400" indent="0">
-              <a:buNone/>
-              <a:defRPr sz="675"/>
-            </a:lvl7pPr>
-            <a:lvl8pPr marL="2400300" indent="0">
-              <a:buNone/>
-              <a:defRPr sz="675"/>
-            </a:lvl8pPr>
-            <a:lvl9pPr marL="2743200" indent="0">
-              <a:buNone/>
-              <a:defRPr sz="675"/>
-            </a:lvl9pPr>
-          </a:lstStyle>
-          <a:p>
-            <a:pPr lvl="0"/>
-            <a:r>
-              <a:rPr lang="en-US"/>
+              <a:rPr lang="en-US" altLang="zh-CN"/>
               <a:t>Click to edit Master text styles</a:t>
             </a:r>
           </a:p>
@@ -2268,7 +4435,7 @@
           <a:p>
             <a:fld id="{241EB5C9-1307-BA42-ABA2-0BC069CD8E7F}" type="datetimeFigureOut">
               <a:rPr lang="en-US" smtClean="0"/>
-              <a:t>1/2/22</a:t>
+              <a:t>12/25/2025</a:t>
             </a:fld>
             <a:endParaRPr lang="en-US"/>
           </a:p>
@@ -2319,13 +4486,25 @@
     </p:spTree>
     <p:extLst>
       <p:ext uri="{BB962C8B-B14F-4D97-AF65-F5344CB8AC3E}">
-        <p14:creationId xmlns:p14="http://schemas.microsoft.com/office/powerpoint/2010/main" val="3540895647"/>
+        <p14:creationId xmlns:p14="http://schemas.microsoft.com/office/powerpoint/2010/main" val="4058019825"/>
       </p:ext>
     </p:extLst>
   </p:cSld>
   <p:clrMapOvr>
     <a:masterClrMapping/>
   </p:clrMapOvr>
+  <mc:AlternateContent xmlns:mc="http://schemas.openxmlformats.org/markup-compatibility/2006" xmlns:p14="http://schemas.microsoft.com/office/powerpoint/2010/main">
+    <mc:Choice Requires="p14">
+      <p:transition p14:dur="250">
+        <p:fade/>
+      </p:transition>
+    </mc:Choice>
+    <mc:Fallback xmlns="">
+      <p:transition>
+        <p:fade/>
+      </p:transition>
+    </mc:Fallback>
+  </mc:AlternateContent>
 </p:sldLayout>
 </file>
 
@@ -2358,22 +4537,25 @@
         </p:nvSpPr>
         <p:spPr>
           <a:xfrm>
-            <a:off x="1792288" y="3600450"/>
-            <a:ext cx="5486400" cy="425054"/>
+            <a:off x="508001" y="3600450"/>
+            <a:ext cx="6447500" cy="425054"/>
           </a:xfrm>
         </p:spPr>
         <p:txBody>
-          <a:bodyPr anchor="b"/>
+          <a:bodyPr anchor="b">
+            <a:normAutofit/>
+          </a:bodyPr>
           <a:lstStyle>
             <a:lvl1pPr algn="l">
-              <a:defRPr sz="1500" b="1"/>
+              <a:defRPr sz="1800" b="0"/>
             </a:lvl1pPr>
           </a:lstStyle>
           <a:p>
             <a:r>
-              <a:rPr lang="en-US"/>
+              <a:rPr lang="en-US" altLang="zh-CN"/>
               <a:t>Click to edit Master title style</a:t>
             </a:r>
+            <a:endParaRPr lang="en-US" dirty="0"/>
           </a:p>
         </p:txBody>
       </p:sp>
@@ -2381,7 +4563,7 @@
         <p:nvSpPr>
           <p:cNvPr id="3" name="Picture Placeholder 2"/>
           <p:cNvSpPr>
-            <a:spLocks noGrp="1"/>
+            <a:spLocks noGrp="1" noChangeAspect="1"/>
           </p:cNvSpPr>
           <p:nvPr>
             <p:ph type="pic" idx="1"/>
@@ -2389,77 +4571,85 @@
         </p:nvSpPr>
         <p:spPr>
           <a:xfrm>
-            <a:off x="1792288" y="459581"/>
-            <a:ext cx="5486400" cy="3086100"/>
+            <a:off x="508001" y="457200"/>
+            <a:ext cx="6447501" cy="2884289"/>
           </a:xfrm>
         </p:spPr>
         <p:txBody>
-          <a:bodyPr/>
+          <a:bodyPr anchor="t">
+            <a:normAutofit/>
+          </a:bodyPr>
+          <a:lstStyle>
+            <a:lvl1pPr marL="0" indent="0" algn="ctr">
+              <a:buNone/>
+              <a:defRPr sz="1200"/>
+            </a:lvl1pPr>
+            <a:lvl2pPr marL="342900" indent="0">
+              <a:buNone/>
+              <a:defRPr sz="1200"/>
+            </a:lvl2pPr>
+            <a:lvl3pPr marL="685800" indent="0">
+              <a:buNone/>
+              <a:defRPr sz="1200"/>
+            </a:lvl3pPr>
+            <a:lvl4pPr marL="1028700" indent="0">
+              <a:buNone/>
+              <a:defRPr sz="1200"/>
+            </a:lvl4pPr>
+            <a:lvl5pPr marL="1371600" indent="0">
+              <a:buNone/>
+              <a:defRPr sz="1200"/>
+            </a:lvl5pPr>
+            <a:lvl6pPr marL="1714500" indent="0">
+              <a:buNone/>
+              <a:defRPr sz="1200"/>
+            </a:lvl6pPr>
+            <a:lvl7pPr marL="2057400" indent="0">
+              <a:buNone/>
+              <a:defRPr sz="1200"/>
+            </a:lvl7pPr>
+            <a:lvl8pPr marL="2400300" indent="0">
+              <a:buNone/>
+              <a:defRPr sz="1200"/>
+            </a:lvl8pPr>
+            <a:lvl9pPr marL="2743200" indent="0">
+              <a:buNone/>
+              <a:defRPr sz="1200"/>
+            </a:lvl9pPr>
+          </a:lstStyle>
+          <a:p>
+            <a:r>
+              <a:rPr lang="en-US" altLang="zh-CN"/>
+              <a:t>Click icon to add picture</a:t>
+            </a:r>
+            <a:endParaRPr lang="en-US" dirty="0"/>
+          </a:p>
+        </p:txBody>
+      </p:sp>
+      <p:sp>
+        <p:nvSpPr>
+          <p:cNvPr id="4" name="Text Placeholder 3"/>
+          <p:cNvSpPr>
+            <a:spLocks noGrp="1"/>
+          </p:cNvSpPr>
+          <p:nvPr>
+            <p:ph type="body" sz="half" idx="2"/>
+          </p:nvPr>
+        </p:nvSpPr>
+        <p:spPr>
+          <a:xfrm>
+            <a:off x="508001" y="4025504"/>
+            <a:ext cx="6447500" cy="505518"/>
+          </a:xfrm>
+        </p:spPr>
+        <p:txBody>
+          <a:bodyPr>
+            <a:normAutofit/>
+          </a:bodyPr>
           <a:lstStyle>
             <a:lvl1pPr marL="0" indent="0">
               <a:buNone/>
-              <a:defRPr sz="2400"/>
-            </a:lvl1pPr>
-            <a:lvl2pPr marL="342900" indent="0">
-              <a:buNone/>
-              <a:defRPr sz="2100"/>
-            </a:lvl2pPr>
-            <a:lvl3pPr marL="685800" indent="0">
-              <a:buNone/>
-              <a:defRPr sz="1800"/>
-            </a:lvl3pPr>
-            <a:lvl4pPr marL="1028700" indent="0">
-              <a:buNone/>
-              <a:defRPr sz="1500"/>
-            </a:lvl4pPr>
-            <a:lvl5pPr marL="1371600" indent="0">
-              <a:buNone/>
-              <a:defRPr sz="1500"/>
-            </a:lvl5pPr>
-            <a:lvl6pPr marL="1714500" indent="0">
-              <a:buNone/>
-              <a:defRPr sz="1500"/>
-            </a:lvl6pPr>
-            <a:lvl7pPr marL="2057400" indent="0">
-              <a:buNone/>
-              <a:defRPr sz="1500"/>
-            </a:lvl7pPr>
-            <a:lvl8pPr marL="2400300" indent="0">
-              <a:buNone/>
-              <a:defRPr sz="1500"/>
-            </a:lvl8pPr>
-            <a:lvl9pPr marL="2743200" indent="0">
-              <a:buNone/>
-              <a:defRPr sz="1500"/>
-            </a:lvl9pPr>
-          </a:lstStyle>
-          <a:p>
-            <a:endParaRPr lang="en-US"/>
-          </a:p>
-        </p:txBody>
-      </p:sp>
-      <p:sp>
-        <p:nvSpPr>
-          <p:cNvPr id="4" name="Text Placeholder 3"/>
-          <p:cNvSpPr>
-            <a:spLocks noGrp="1"/>
-          </p:cNvSpPr>
-          <p:nvPr>
-            <p:ph type="body" sz="half" idx="2"/>
-          </p:nvPr>
-        </p:nvSpPr>
-        <p:spPr>
-          <a:xfrm>
-            <a:off x="1792288" y="4025503"/>
-            <a:ext cx="5486400" cy="603647"/>
-          </a:xfrm>
-        </p:spPr>
-        <p:txBody>
-          <a:bodyPr/>
-          <a:lstStyle>
-            <a:lvl1pPr marL="0" indent="0">
-              <a:buNone/>
-              <a:defRPr sz="1050"/>
+              <a:defRPr sz="900"/>
             </a:lvl1pPr>
             <a:lvl2pPr marL="342900" indent="0">
               <a:buNone/>
@@ -2497,7 +4687,7 @@
           <a:p>
             <a:pPr lvl="0"/>
             <a:r>
-              <a:rPr lang="en-US"/>
+              <a:rPr lang="en-US" altLang="zh-CN"/>
               <a:t>Click to edit Master text styles</a:t>
             </a:r>
           </a:p>
@@ -2520,7 +4710,7 @@
           <a:p>
             <a:fld id="{241EB5C9-1307-BA42-ABA2-0BC069CD8E7F}" type="datetimeFigureOut">
               <a:rPr lang="en-US" smtClean="0"/>
-              <a:t>1/2/22</a:t>
+              <a:t>12/25/2025</a:t>
             </a:fld>
             <a:endParaRPr lang="en-US"/>
           </a:p>
@@ -2571,13 +4761,25 @@
     </p:spTree>
     <p:extLst>
       <p:ext uri="{BB962C8B-B14F-4D97-AF65-F5344CB8AC3E}">
-        <p14:creationId xmlns:p14="http://schemas.microsoft.com/office/powerpoint/2010/main" val="3566899855"/>
+        <p14:creationId xmlns:p14="http://schemas.microsoft.com/office/powerpoint/2010/main" val="1804316603"/>
       </p:ext>
     </p:extLst>
   </p:cSld>
   <p:clrMapOvr>
     <a:masterClrMapping/>
   </p:clrMapOvr>
+  <mc:AlternateContent xmlns:mc="http://schemas.openxmlformats.org/markup-compatibility/2006" xmlns:p14="http://schemas.microsoft.com/office/powerpoint/2010/main">
+    <mc:Choice Requires="p14">
+      <p:transition p14:dur="250">
+        <p:fade/>
+      </p:transition>
+    </mc:Choice>
+    <mc:Fallback xmlns="">
+      <p:transition>
+        <p:fade/>
+      </p:transition>
+    </mc:Fallback>
+  </mc:AlternateContent>
 </p:sldLayout>
 </file>
 
@@ -2586,7 +4788,7 @@
   <p:cSld>
     <p:bg>
       <p:bgRef idx="1001">
-        <a:schemeClr val="bg1"/>
+        <a:schemeClr val="bg2"/>
       </p:bgRef>
     </p:bg>
     <p:spTree>
@@ -2603,6 +4805,536 @@
           <a:chExt cx="0" cy="0"/>
         </a:xfrm>
       </p:grpSpPr>
+      <p:grpSp>
+        <p:nvGrpSpPr>
+          <p:cNvPr id="7" name="Group 6"/>
+          <p:cNvGrpSpPr/>
+          <p:nvPr/>
+        </p:nvGrpSpPr>
+        <p:grpSpPr>
+          <a:xfrm>
+            <a:off x="0" y="-6350"/>
+            <a:ext cx="9144000" cy="5149850"/>
+            <a:chOff x="0" y="-8467"/>
+            <a:chExt cx="12192000" cy="6866467"/>
+          </a:xfrm>
+        </p:grpSpPr>
+        <p:cxnSp>
+          <p:nvCxnSpPr>
+            <p:cNvPr id="20" name="Straight Connector 19"/>
+            <p:cNvCxnSpPr/>
+            <p:nvPr/>
+          </p:nvCxnSpPr>
+          <p:spPr>
+            <a:xfrm>
+              <a:off x="9371012" y="0"/>
+              <a:ext cx="1219200" cy="6858000"/>
+            </a:xfrm>
+            <a:prstGeom prst="line">
+              <a:avLst/>
+            </a:prstGeom>
+            <a:ln w="9525">
+              <a:solidFill>
+                <a:schemeClr val="bg1">
+                  <a:lumMod val="75000"/>
+                </a:schemeClr>
+              </a:solidFill>
+            </a:ln>
+          </p:spPr>
+          <p:style>
+            <a:lnRef idx="2">
+              <a:schemeClr val="accent1"/>
+            </a:lnRef>
+            <a:fillRef idx="0">
+              <a:schemeClr val="accent1"/>
+            </a:fillRef>
+            <a:effectRef idx="1">
+              <a:schemeClr val="accent1"/>
+            </a:effectRef>
+            <a:fontRef idx="minor">
+              <a:schemeClr val="tx1"/>
+            </a:fontRef>
+          </p:style>
+        </p:cxnSp>
+        <p:cxnSp>
+          <p:nvCxnSpPr>
+            <p:cNvPr id="21" name="Straight Connector 20"/>
+            <p:cNvCxnSpPr/>
+            <p:nvPr/>
+          </p:nvCxnSpPr>
+          <p:spPr>
+            <a:xfrm flipH="1">
+              <a:off x="7425267" y="3681413"/>
+              <a:ext cx="4763558" cy="3176587"/>
+            </a:xfrm>
+            <a:prstGeom prst="line">
+              <a:avLst/>
+            </a:prstGeom>
+            <a:ln w="9525">
+              <a:solidFill>
+                <a:schemeClr val="bg1">
+                  <a:lumMod val="85000"/>
+                </a:schemeClr>
+              </a:solidFill>
+            </a:ln>
+          </p:spPr>
+          <p:style>
+            <a:lnRef idx="2">
+              <a:schemeClr val="accent1"/>
+            </a:lnRef>
+            <a:fillRef idx="0">
+              <a:schemeClr val="accent1"/>
+            </a:fillRef>
+            <a:effectRef idx="1">
+              <a:schemeClr val="accent1"/>
+            </a:effectRef>
+            <a:fontRef idx="minor">
+              <a:schemeClr val="tx1"/>
+            </a:fontRef>
+          </p:style>
+        </p:cxnSp>
+        <p:sp>
+          <p:nvSpPr>
+            <p:cNvPr id="22" name="Rectangle 23"/>
+            <p:cNvSpPr/>
+            <p:nvPr/>
+          </p:nvSpPr>
+          <p:spPr>
+            <a:xfrm>
+              <a:off x="9181476" y="-8467"/>
+              <a:ext cx="3007349" cy="6866467"/>
+            </a:xfrm>
+            <a:custGeom>
+              <a:avLst/>
+              <a:gdLst/>
+              <a:ahLst/>
+              <a:cxnLst/>
+              <a:rect b="b" l="l" r="r" t="t"/>
+              <a:pathLst>
+                <a:path h="6866467" w="3007349">
+                  <a:moveTo>
+                    <a:pt x="2045532" y="0"/>
+                  </a:moveTo>
+                  <a:lnTo>
+                    <a:pt x="3007349" y="0"/>
+                  </a:lnTo>
+                  <a:lnTo>
+                    <a:pt x="3007349" y="6866467"/>
+                  </a:lnTo>
+                  <a:lnTo>
+                    <a:pt x="0" y="6866467"/>
+                  </a:lnTo>
+                  <a:lnTo>
+                    <a:pt x="2045532" y="0"/>
+                  </a:lnTo>
+                  <a:close/>
+                </a:path>
+              </a:pathLst>
+            </a:custGeom>
+            <a:solidFill>
+              <a:schemeClr val="accent1">
+                <a:alpha val="30000"/>
+              </a:schemeClr>
+            </a:solidFill>
+            <a:ln>
+              <a:noFill/>
+            </a:ln>
+            <a:effectLst/>
+          </p:spPr>
+          <p:style>
+            <a:lnRef idx="1">
+              <a:schemeClr val="accent1"/>
+            </a:lnRef>
+            <a:fillRef idx="3">
+              <a:schemeClr val="accent1"/>
+            </a:fillRef>
+            <a:effectRef idx="2">
+              <a:schemeClr val="accent1"/>
+            </a:effectRef>
+            <a:fontRef idx="minor">
+              <a:schemeClr val="lt1"/>
+            </a:fontRef>
+          </p:style>
+        </p:sp>
+        <p:sp>
+          <p:nvSpPr>
+            <p:cNvPr id="23" name="Rectangle 25"/>
+            <p:cNvSpPr/>
+            <p:nvPr/>
+          </p:nvSpPr>
+          <p:spPr>
+            <a:xfrm>
+              <a:off x="9603442" y="-8467"/>
+              <a:ext cx="2588558" cy="6866467"/>
+            </a:xfrm>
+            <a:custGeom>
+              <a:avLst/>
+              <a:gdLst/>
+              <a:ahLst/>
+              <a:cxnLst/>
+              <a:rect b="b" l="l" r="r" t="t"/>
+              <a:pathLst>
+                <a:path h="6866467" w="2573311">
+                  <a:moveTo>
+                    <a:pt x="0" y="0"/>
+                  </a:moveTo>
+                  <a:lnTo>
+                    <a:pt x="2573311" y="0"/>
+                  </a:lnTo>
+                  <a:lnTo>
+                    <a:pt x="2573311" y="6866467"/>
+                  </a:lnTo>
+                  <a:lnTo>
+                    <a:pt x="1202336" y="6866467"/>
+                  </a:lnTo>
+                  <a:lnTo>
+                    <a:pt x="0" y="0"/>
+                  </a:lnTo>
+                  <a:close/>
+                </a:path>
+              </a:pathLst>
+            </a:custGeom>
+            <a:solidFill>
+              <a:schemeClr val="accent1">
+                <a:alpha val="20000"/>
+              </a:schemeClr>
+            </a:solidFill>
+            <a:ln>
+              <a:noFill/>
+            </a:ln>
+            <a:effectLst/>
+          </p:spPr>
+          <p:style>
+            <a:lnRef idx="1">
+              <a:schemeClr val="accent1"/>
+            </a:lnRef>
+            <a:fillRef idx="3">
+              <a:schemeClr val="accent1"/>
+            </a:fillRef>
+            <a:effectRef idx="2">
+              <a:schemeClr val="accent1"/>
+            </a:effectRef>
+            <a:fontRef idx="minor">
+              <a:schemeClr val="lt1"/>
+            </a:fontRef>
+          </p:style>
+        </p:sp>
+        <p:sp>
+          <p:nvSpPr>
+            <p:cNvPr id="24" name="Isosceles Triangle 23"/>
+            <p:cNvSpPr/>
+            <p:nvPr/>
+          </p:nvSpPr>
+          <p:spPr>
+            <a:xfrm>
+              <a:off x="8932333" y="3048000"/>
+              <a:ext cx="3259667" cy="3810000"/>
+            </a:xfrm>
+            <a:prstGeom prst="triangle">
+              <a:avLst>
+                <a:gd fmla="val 100000" name="adj"/>
+              </a:avLst>
+            </a:prstGeom>
+            <a:solidFill>
+              <a:schemeClr val="accent2">
+                <a:alpha val="72000"/>
+              </a:schemeClr>
+            </a:solidFill>
+            <a:ln>
+              <a:noFill/>
+            </a:ln>
+            <a:effectLst/>
+          </p:spPr>
+          <p:style>
+            <a:lnRef idx="1">
+              <a:schemeClr val="accent1"/>
+            </a:lnRef>
+            <a:fillRef idx="3">
+              <a:schemeClr val="accent1"/>
+            </a:fillRef>
+            <a:effectRef idx="2">
+              <a:schemeClr val="accent1"/>
+            </a:effectRef>
+            <a:fontRef idx="minor">
+              <a:schemeClr val="lt1"/>
+            </a:fontRef>
+          </p:style>
+        </p:sp>
+        <p:sp>
+          <p:nvSpPr>
+            <p:cNvPr id="25" name="Rectangle 27"/>
+            <p:cNvSpPr/>
+            <p:nvPr/>
+          </p:nvSpPr>
+          <p:spPr>
+            <a:xfrm>
+              <a:off x="9334500" y="-8467"/>
+              <a:ext cx="2854326" cy="6866467"/>
+            </a:xfrm>
+            <a:custGeom>
+              <a:avLst/>
+              <a:gdLst/>
+              <a:ahLst/>
+              <a:cxnLst/>
+              <a:rect b="b" l="l" r="r" t="t"/>
+              <a:pathLst>
+                <a:path h="6866467" w="2858013">
+                  <a:moveTo>
+                    <a:pt x="0" y="0"/>
+                  </a:moveTo>
+                  <a:lnTo>
+                    <a:pt x="2858013" y="0"/>
+                  </a:lnTo>
+                  <a:lnTo>
+                    <a:pt x="2858013" y="6866467"/>
+                  </a:lnTo>
+                  <a:lnTo>
+                    <a:pt x="2473942" y="6866467"/>
+                  </a:lnTo>
+                  <a:lnTo>
+                    <a:pt x="0" y="0"/>
+                  </a:lnTo>
+                  <a:close/>
+                </a:path>
+              </a:pathLst>
+            </a:custGeom>
+            <a:solidFill>
+              <a:schemeClr val="accent2">
+                <a:lumMod val="75000"/>
+                <a:alpha val="70000"/>
+              </a:schemeClr>
+            </a:solidFill>
+            <a:ln>
+              <a:noFill/>
+            </a:ln>
+            <a:effectLst/>
+          </p:spPr>
+          <p:style>
+            <a:lnRef idx="1">
+              <a:schemeClr val="accent1"/>
+            </a:lnRef>
+            <a:fillRef idx="3">
+              <a:schemeClr val="accent1"/>
+            </a:fillRef>
+            <a:effectRef idx="2">
+              <a:schemeClr val="accent1"/>
+            </a:effectRef>
+            <a:fontRef idx="minor">
+              <a:schemeClr val="lt1"/>
+            </a:fontRef>
+          </p:style>
+        </p:sp>
+        <p:sp>
+          <p:nvSpPr>
+            <p:cNvPr id="26" name="Rectangle 28"/>
+            <p:cNvSpPr/>
+            <p:nvPr/>
+          </p:nvSpPr>
+          <p:spPr>
+            <a:xfrm>
+              <a:off x="10898730" y="-8467"/>
+              <a:ext cx="1290094" cy="6866467"/>
+            </a:xfrm>
+            <a:custGeom>
+              <a:avLst/>
+              <a:gdLst/>
+              <a:ahLst/>
+              <a:cxnLst/>
+              <a:rect b="b" l="l" r="r" t="t"/>
+              <a:pathLst>
+                <a:path h="6858000" w="1290094">
+                  <a:moveTo>
+                    <a:pt x="1019735" y="0"/>
+                  </a:moveTo>
+                  <a:lnTo>
+                    <a:pt x="1290094" y="0"/>
+                  </a:lnTo>
+                  <a:lnTo>
+                    <a:pt x="1290094" y="6858000"/>
+                  </a:lnTo>
+                  <a:lnTo>
+                    <a:pt x="0" y="6858000"/>
+                  </a:lnTo>
+                  <a:lnTo>
+                    <a:pt x="1019735" y="0"/>
+                  </a:lnTo>
+                  <a:close/>
+                </a:path>
+              </a:pathLst>
+            </a:custGeom>
+            <a:solidFill>
+              <a:schemeClr val="accent1">
+                <a:lumMod val="60000"/>
+                <a:lumOff val="40000"/>
+                <a:alpha val="70000"/>
+              </a:schemeClr>
+            </a:solidFill>
+            <a:ln>
+              <a:noFill/>
+            </a:ln>
+            <a:effectLst/>
+          </p:spPr>
+          <p:style>
+            <a:lnRef idx="1">
+              <a:schemeClr val="accent1"/>
+            </a:lnRef>
+            <a:fillRef idx="3">
+              <a:schemeClr val="accent1"/>
+            </a:fillRef>
+            <a:effectRef idx="2">
+              <a:schemeClr val="accent1"/>
+            </a:effectRef>
+            <a:fontRef idx="minor">
+              <a:schemeClr val="lt1"/>
+            </a:fontRef>
+          </p:style>
+        </p:sp>
+        <p:sp>
+          <p:nvSpPr>
+            <p:cNvPr id="27" name="Rectangle 29"/>
+            <p:cNvSpPr/>
+            <p:nvPr/>
+          </p:nvSpPr>
+          <p:spPr>
+            <a:xfrm>
+              <a:off x="10938999" y="-8467"/>
+              <a:ext cx="1249825" cy="6866467"/>
+            </a:xfrm>
+            <a:custGeom>
+              <a:avLst/>
+              <a:gdLst/>
+              <a:ahLst/>
+              <a:cxnLst/>
+              <a:rect b="b" l="l" r="r" t="t"/>
+              <a:pathLst>
+                <a:path h="6858000" w="1249825">
+                  <a:moveTo>
+                    <a:pt x="0" y="0"/>
+                  </a:moveTo>
+                  <a:lnTo>
+                    <a:pt x="1249825" y="0"/>
+                  </a:lnTo>
+                  <a:lnTo>
+                    <a:pt x="1249825" y="6858000"/>
+                  </a:lnTo>
+                  <a:lnTo>
+                    <a:pt x="1109382" y="6858000"/>
+                  </a:lnTo>
+                  <a:lnTo>
+                    <a:pt x="0" y="0"/>
+                  </a:lnTo>
+                  <a:close/>
+                </a:path>
+              </a:pathLst>
+            </a:custGeom>
+            <a:solidFill>
+              <a:schemeClr val="accent1">
+                <a:alpha val="65000"/>
+              </a:schemeClr>
+            </a:solidFill>
+            <a:ln>
+              <a:noFill/>
+            </a:ln>
+            <a:effectLst/>
+          </p:spPr>
+          <p:style>
+            <a:lnRef idx="1">
+              <a:schemeClr val="accent1"/>
+            </a:lnRef>
+            <a:fillRef idx="3">
+              <a:schemeClr val="accent1"/>
+            </a:fillRef>
+            <a:effectRef idx="2">
+              <a:schemeClr val="accent1"/>
+            </a:effectRef>
+            <a:fontRef idx="minor">
+              <a:schemeClr val="lt1"/>
+            </a:fontRef>
+          </p:style>
+        </p:sp>
+        <p:sp>
+          <p:nvSpPr>
+            <p:cNvPr id="28" name="Isosceles Triangle 27"/>
+            <p:cNvSpPr/>
+            <p:nvPr/>
+          </p:nvSpPr>
+          <p:spPr>
+            <a:xfrm>
+              <a:off x="10371666" y="3589867"/>
+              <a:ext cx="1817159" cy="3268133"/>
+            </a:xfrm>
+            <a:prstGeom prst="triangle">
+              <a:avLst>
+                <a:gd fmla="val 100000" name="adj"/>
+              </a:avLst>
+            </a:prstGeom>
+            <a:solidFill>
+              <a:schemeClr val="accent1">
+                <a:alpha val="80000"/>
+              </a:schemeClr>
+            </a:solidFill>
+            <a:ln>
+              <a:noFill/>
+            </a:ln>
+            <a:effectLst/>
+          </p:spPr>
+          <p:style>
+            <a:lnRef idx="1">
+              <a:schemeClr val="accent1"/>
+            </a:lnRef>
+            <a:fillRef idx="3">
+              <a:schemeClr val="accent1"/>
+            </a:fillRef>
+            <a:effectRef idx="2">
+              <a:schemeClr val="accent1"/>
+            </a:effectRef>
+            <a:fontRef idx="minor">
+              <a:schemeClr val="lt1"/>
+            </a:fontRef>
+          </p:style>
+        </p:sp>
+        <p:sp>
+          <p:nvSpPr>
+            <p:cNvPr id="29" name="Isosceles Triangle 28"/>
+            <p:cNvSpPr/>
+            <p:nvPr/>
+          </p:nvSpPr>
+          <p:spPr>
+            <a:xfrm>
+              <a:off x="0" y="4013200"/>
+              <a:ext cx="448733" cy="2844800"/>
+            </a:xfrm>
+            <a:prstGeom prst="triangle">
+              <a:avLst>
+                <a:gd fmla="val 0" name="adj"/>
+              </a:avLst>
+            </a:prstGeom>
+            <a:solidFill>
+              <a:schemeClr val="accent1">
+                <a:alpha val="85000"/>
+              </a:schemeClr>
+            </a:solidFill>
+            <a:ln>
+              <a:noFill/>
+            </a:ln>
+            <a:effectLst/>
+          </p:spPr>
+          <p:style>
+            <a:lnRef idx="1">
+              <a:schemeClr val="accent1"/>
+            </a:lnRef>
+            <a:fillRef idx="3">
+              <a:schemeClr val="accent1"/>
+            </a:fillRef>
+            <a:effectRef idx="2">
+              <a:schemeClr val="accent1"/>
+            </a:effectRef>
+            <a:fontRef idx="minor">
+              <a:schemeClr val="lt1"/>
+            </a:fontRef>
+          </p:style>
+        </p:sp>
+      </p:grpSp>
       <p:sp>
         <p:nvSpPr>
           <p:cNvPr id="2" name="Title Placeholder 1"/>
@@ -2615,23 +5347,24 @@
         </p:nvSpPr>
         <p:spPr>
           <a:xfrm>
-            <a:off x="457200" y="205979"/>
-            <a:ext cx="8229600" cy="857250"/>
+            <a:off x="508001" y="457200"/>
+            <a:ext cx="6447501" cy="990600"/>
           </a:xfrm>
           <a:prstGeom prst="rect">
             <a:avLst/>
           </a:prstGeom>
         </p:spPr>
         <p:txBody>
-          <a:bodyPr anchor="ctr" bIns="45720" lIns="91440" rIns="91440" rtlCol="0" tIns="45720" vert="horz">
+          <a:bodyPr anchor="t" bIns="45720" lIns="91440" rIns="91440" rtlCol="0" tIns="45720" vert="horz">
             <a:normAutofit/>
           </a:bodyPr>
           <a:lstStyle/>
           <a:p>
             <a:r>
-              <a:rPr lang="en-US"/>
+              <a:rPr altLang="zh-CN" lang="en-US"/>
               <a:t>Click to edit Master title style</a:t>
             </a:r>
+            <a:endParaRPr dirty="0" lang="en-US"/>
           </a:p>
         </p:txBody>
       </p:sp>
@@ -2647,8 +5380,8 @@
         </p:nvSpPr>
         <p:spPr>
           <a:xfrm>
-            <a:off x="457200" y="1200151"/>
-            <a:ext cx="8229600" cy="3394472"/>
+            <a:off x="508001" y="1620442"/>
+            <a:ext cx="6447501" cy="2910580"/>
           </a:xfrm>
           <a:prstGeom prst="rect">
             <a:avLst/>
@@ -2662,37 +5395,38 @@
           <a:p>
             <a:pPr lvl="0"/>
             <a:r>
-              <a:rPr lang="en-US"/>
+              <a:rPr altLang="zh-CN" lang="en-US"/>
               <a:t>Click to edit Master text styles</a:t>
             </a:r>
           </a:p>
           <a:p>
             <a:pPr lvl="1"/>
             <a:r>
-              <a:rPr lang="en-US"/>
+              <a:rPr altLang="zh-CN" lang="en-US"/>
               <a:t>Second level</a:t>
             </a:r>
           </a:p>
           <a:p>
             <a:pPr lvl="2"/>
             <a:r>
-              <a:rPr lang="en-US"/>
+              <a:rPr altLang="zh-CN" lang="en-US"/>
               <a:t>Third level</a:t>
             </a:r>
           </a:p>
           <a:p>
             <a:pPr lvl="3"/>
             <a:r>
-              <a:rPr lang="en-US"/>
+              <a:rPr altLang="zh-CN" lang="en-US"/>
               <a:t>Fourth level</a:t>
             </a:r>
           </a:p>
           <a:p>
             <a:pPr lvl="4"/>
             <a:r>
-              <a:rPr lang="en-US"/>
+              <a:rPr altLang="zh-CN" lang="en-US"/>
               <a:t>Fifth level</a:t>
             </a:r>
+            <a:endParaRPr dirty="0" lang="en-US"/>
           </a:p>
         </p:txBody>
       </p:sp>
@@ -2708,8 +5442,8 @@
         </p:nvSpPr>
         <p:spPr>
           <a:xfrm>
-            <a:off x="457200" y="4767263"/>
-            <a:ext cx="2133600" cy="273844"/>
+            <a:off x="5403850" y="4531022"/>
+            <a:ext cx="683954" cy="273844"/>
           </a:xfrm>
           <a:prstGeom prst="rect">
             <a:avLst/>
@@ -2718,8 +5452,8 @@
         <p:txBody>
           <a:bodyPr anchor="ctr" bIns="45720" lIns="91440" rIns="91440" rtlCol="0" tIns="45720" vert="horz"/>
           <a:lstStyle>
-            <a:lvl1pPr algn="l">
-              <a:defRPr sz="900">
+            <a:lvl1pPr algn="r">
+              <a:defRPr sz="675">
                 <a:solidFill>
                   <a:schemeClr val="tx1">
                     <a:tint val="75000"/>
@@ -2731,7 +5465,7 @@
           <a:p>
             <a:fld id="{241EB5C9-1307-BA42-ABA2-0BC069CD8E7F}" type="datetimeFigureOut">
               <a:rPr lang="en-US" smtClean="0"/>
-              <a:t>1/2/22</a:t>
+              <a:t>12/25/2025</a:t>
             </a:fld>
             <a:endParaRPr lang="en-US"/>
           </a:p>
@@ -2749,8 +5483,8 @@
         </p:nvSpPr>
         <p:spPr>
           <a:xfrm>
-            <a:off x="3124200" y="4767263"/>
-            <a:ext cx="2895600" cy="273844"/>
+            <a:off x="508001" y="4531022"/>
+            <a:ext cx="4723209" cy="273844"/>
           </a:xfrm>
           <a:prstGeom prst="rect">
             <a:avLst/>
@@ -2759,8 +5493,8 @@
         <p:txBody>
           <a:bodyPr anchor="ctr" bIns="45720" lIns="91440" rIns="91440" rtlCol="0" tIns="45720" vert="horz"/>
           <a:lstStyle>
-            <a:lvl1pPr algn="ctr">
-              <a:defRPr sz="900">
+            <a:lvl1pPr algn="l">
+              <a:defRPr sz="675">
                 <a:solidFill>
                   <a:schemeClr val="tx1">
                     <a:tint val="75000"/>
@@ -2786,8 +5520,8 @@
         </p:nvSpPr>
         <p:spPr>
           <a:xfrm>
-            <a:off x="6553200" y="4767263"/>
-            <a:ext cx="2133600" cy="273844"/>
+            <a:off x="6442998" y="4531022"/>
+            <a:ext cx="512504" cy="273844"/>
           </a:xfrm>
           <a:prstGeom prst="rect">
             <a:avLst/>
@@ -2797,11 +5531,9 @@
           <a:bodyPr anchor="ctr" bIns="45720" lIns="91440" rIns="91440" rtlCol="0" tIns="45720" vert="horz"/>
           <a:lstStyle>
             <a:lvl1pPr algn="r">
-              <a:defRPr sz="900">
-                <a:solidFill>
-                  <a:schemeClr val="tx1">
-                    <a:tint val="75000"/>
-                  </a:schemeClr>
+              <a:defRPr sz="675">
+                <a:solidFill>
+                  <a:schemeClr val="accent1"/>
                 </a:solidFill>
               </a:defRPr>
             </a:lvl1pPr>
@@ -2818,171 +5550,334 @@
     </p:spTree>
     <p:extLst>
       <p:ext uri="{BB962C8B-B14F-4D97-AF65-F5344CB8AC3E}">
-        <p14:creationId xmlns:p14="http://schemas.microsoft.com/office/powerpoint/2010/main" val="3676200875"/>
+        <p14:creationId xmlns:p14="http://schemas.microsoft.com/office/powerpoint/2010/main" val="3264577873"/>
       </p:ext>
     </p:extLst>
   </p:cSld>
-  <p:clrMap accent1="accent1" accent2="accent2" accent3="accent3" accent4="accent4" accent5="accent5" accent6="accent6" bg1="lt1" bg2="lt2" folHlink="folHlink" hlink="hlink" tx1="dk1" tx2="dk2"/>
+  <p:clrMap accent1="accent1" accent2="accent2" accent3="accent3" accent4="accent4" accent5="accent5" accent6="accent6" bg1="dk1" bg2="dk2" folHlink="folHlink" hlink="hlink" tx1="lt1" tx2="lt2"/>
   <p:sldLayoutIdLst>
-    <p:sldLayoutId id="2147483649" r:id="rId1"/>
-    <p:sldLayoutId id="2147483650" r:id="rId2"/>
-    <p:sldLayoutId id="2147483651" r:id="rId3"/>
-    <p:sldLayoutId id="2147483652" r:id="rId4"/>
-    <p:sldLayoutId id="2147483653" r:id="rId5"/>
-    <p:sldLayoutId id="2147483654" r:id="rId6"/>
-    <p:sldLayoutId id="2147483655" r:id="rId7"/>
-    <p:sldLayoutId id="2147483656" r:id="rId8"/>
-    <p:sldLayoutId id="2147483657" r:id="rId9"/>
-    <p:sldLayoutId id="2147483658" r:id="rId10"/>
-    <p:sldLayoutId id="2147483659" r:id="rId11"/>
+    <p:sldLayoutId id="2147483679" r:id="rId1"/>
+    <p:sldLayoutId id="2147483680" r:id="rId2"/>
+    <p:sldLayoutId id="2147483681" r:id="rId3"/>
+    <p:sldLayoutId id="2147483682" r:id="rId4"/>
+    <p:sldLayoutId id="2147483683" r:id="rId5"/>
+    <p:sldLayoutId id="2147483684" r:id="rId6"/>
+    <p:sldLayoutId id="2147483685" r:id="rId7"/>
+    <p:sldLayoutId id="2147483686" r:id="rId8"/>
+    <p:sldLayoutId id="2147483687" r:id="rId9"/>
+    <p:sldLayoutId id="2147483688" r:id="rId10"/>
+    <p:sldLayoutId id="2147483689" r:id="rId11"/>
+    <p:sldLayoutId id="2147483690" r:id="rId12"/>
+    <p:sldLayoutId id="2147483691" r:id="rId13"/>
+    <p:sldLayoutId id="2147483692" r:id="rId14"/>
+    <p:sldLayoutId id="2147483693" r:id="rId15"/>
+    <p:sldLayoutId id="2147483694" r:id="rId16"/>
   </p:sldLayoutIdLst>
+  <mc:AlternateContent xmlns:mc="http://schemas.openxmlformats.org/markup-compatibility/2006" xmlns:p14="http://schemas.microsoft.com/office/powerpoint/2010/main">
+    <mc:Choice Requires="p14">
+      <p:transition p14:dur="250">
+        <p:fade/>
+      </p:transition>
+    </mc:Choice>
+    <mc:Fallback xmlns="">
+      <p:transition>
+        <p:fade/>
+      </p:transition>
+    </mc:Fallback>
+  </mc:AlternateContent>
   <p:txStyles>
     <p:titleStyle>
-      <a:lvl1pPr algn="ctr" defTabSz="342900" eaLnBrk="1" hangingPunct="1" latinLnBrk="0" rtl="0">
+      <a:lvl1pPr algn="l" defTabSz="342900" eaLnBrk="1" hangingPunct="1" latinLnBrk="0" rtl="0">
         <a:spcBef>
           <a:spcPct val="0"/>
         </a:spcBef>
         <a:buNone/>
-        <a:defRPr kern="1200" sz="3300">
+        <a:defRPr kern="1200" sz="2700">
           <a:solidFill>
-            <a:schemeClr val="tx1"/>
+            <a:schemeClr val="accent1"/>
           </a:solidFill>
           <a:latin typeface="+mj-lt"/>
           <a:ea typeface="+mj-ea"/>
           <a:cs typeface="+mj-cs"/>
         </a:defRPr>
       </a:lvl1pPr>
+      <a:lvl2pPr eaLnBrk="1" hangingPunct="1">
+        <a:defRPr>
+          <a:solidFill>
+            <a:schemeClr val="tx2"/>
+          </a:solidFill>
+        </a:defRPr>
+      </a:lvl2pPr>
+      <a:lvl3pPr eaLnBrk="1" hangingPunct="1">
+        <a:defRPr>
+          <a:solidFill>
+            <a:schemeClr val="tx2"/>
+          </a:solidFill>
+        </a:defRPr>
+      </a:lvl3pPr>
+      <a:lvl4pPr eaLnBrk="1" hangingPunct="1">
+        <a:defRPr>
+          <a:solidFill>
+            <a:schemeClr val="tx2"/>
+          </a:solidFill>
+        </a:defRPr>
+      </a:lvl4pPr>
+      <a:lvl5pPr eaLnBrk="1" hangingPunct="1">
+        <a:defRPr>
+          <a:solidFill>
+            <a:schemeClr val="tx2"/>
+          </a:solidFill>
+        </a:defRPr>
+      </a:lvl5pPr>
+      <a:lvl6pPr eaLnBrk="1" hangingPunct="1">
+        <a:defRPr>
+          <a:solidFill>
+            <a:schemeClr val="tx2"/>
+          </a:solidFill>
+        </a:defRPr>
+      </a:lvl6pPr>
+      <a:lvl7pPr eaLnBrk="1" hangingPunct="1">
+        <a:defRPr>
+          <a:solidFill>
+            <a:schemeClr val="tx2"/>
+          </a:solidFill>
+        </a:defRPr>
+      </a:lvl7pPr>
+      <a:lvl8pPr eaLnBrk="1" hangingPunct="1">
+        <a:defRPr>
+          <a:solidFill>
+            <a:schemeClr val="tx2"/>
+          </a:solidFill>
+        </a:defRPr>
+      </a:lvl8pPr>
+      <a:lvl9pPr eaLnBrk="1" hangingPunct="1">
+        <a:defRPr>
+          <a:solidFill>
+            <a:schemeClr val="tx2"/>
+          </a:solidFill>
+        </a:defRPr>
+      </a:lvl9pPr>
     </p:titleStyle>
     <p:bodyStyle>
-      <a:lvl1pPr algn="l" defTabSz="342900" eaLnBrk="1" hangingPunct="1" indent="-342900" latinLnBrk="0" marL="342900" rtl="0">
+      <a:lvl1pPr algn="l" defTabSz="342900" eaLnBrk="1" hangingPunct="1" indent="-257175" latinLnBrk="0" marL="257175" rtl="0">
         <a:spcBef>
-          <a:spcPct val="20000"/>
+          <a:spcPts val="750"/>
         </a:spcBef>
-        <a:buFont typeface="Arial"/>
-        <a:buChar char="•"/>
-        <a:defRPr kern="1200" sz="2400">
+        <a:spcAft>
+          <a:spcPts val="0"/>
+        </a:spcAft>
+        <a:buClr>
+          <a:schemeClr val="accent1"/>
+        </a:buClr>
+        <a:buSzPct val="80000"/>
+        <a:buFont charset="2" typeface="Wingdings 3"/>
+        <a:buChar char=""/>
+        <a:defRPr kern="1200" sz="1350">
           <a:solidFill>
-            <a:schemeClr val="tx1"/>
+            <a:schemeClr val="tx1">
+              <a:lumMod val="75000"/>
+              <a:lumOff val="25000"/>
+            </a:schemeClr>
           </a:solidFill>
           <a:latin typeface="+mn-lt"/>
           <a:ea typeface="+mn-ea"/>
           <a:cs typeface="+mn-cs"/>
         </a:defRPr>
       </a:lvl1pPr>
-      <a:lvl2pPr algn="l" defTabSz="342900" eaLnBrk="1" hangingPunct="1" indent="-342900" latinLnBrk="0" marL="685800" rtl="0">
+      <a:lvl2pPr algn="l" defTabSz="342900" eaLnBrk="1" hangingPunct="1" indent="-214313" latinLnBrk="0" marL="557213" rtl="0">
         <a:spcBef>
-          <a:spcPct val="20000"/>
+          <a:spcPts val="750"/>
         </a:spcBef>
-        <a:buFont typeface="Arial"/>
-        <a:buChar char="–"/>
-        <a:defRPr kern="1200" sz="2100">
+        <a:spcAft>
+          <a:spcPts val="0"/>
+        </a:spcAft>
+        <a:buClr>
+          <a:schemeClr val="accent1"/>
+        </a:buClr>
+        <a:buSzPct val="80000"/>
+        <a:buFont charset="2" typeface="Wingdings 3"/>
+        <a:buChar char=""/>
+        <a:defRPr kern="1200" sz="1200">
           <a:solidFill>
-            <a:schemeClr val="tx1"/>
+            <a:schemeClr val="tx1">
+              <a:lumMod val="75000"/>
+              <a:lumOff val="25000"/>
+            </a:schemeClr>
           </a:solidFill>
           <a:latin typeface="+mn-lt"/>
           <a:ea typeface="+mn-ea"/>
           <a:cs typeface="+mn-cs"/>
         </a:defRPr>
       </a:lvl2pPr>
-      <a:lvl3pPr algn="l" defTabSz="342900" eaLnBrk="1" hangingPunct="1" indent="-342900" latinLnBrk="0" marL="1028700" rtl="0">
+      <a:lvl3pPr algn="l" defTabSz="342900" eaLnBrk="1" hangingPunct="1" indent="-171450" latinLnBrk="0" marL="857250" rtl="0">
         <a:spcBef>
-          <a:spcPct val="20000"/>
+          <a:spcPts val="750"/>
         </a:spcBef>
-        <a:buFont typeface="Arial"/>
-        <a:buChar char="•"/>
-        <a:defRPr kern="1200" sz="1800">
+        <a:spcAft>
+          <a:spcPts val="0"/>
+        </a:spcAft>
+        <a:buClr>
+          <a:schemeClr val="accent1"/>
+        </a:buClr>
+        <a:buSzPct val="80000"/>
+        <a:buFont charset="2" typeface="Wingdings 3"/>
+        <a:buChar char=""/>
+        <a:defRPr kern="1200" sz="1050">
           <a:solidFill>
-            <a:schemeClr val="tx1"/>
+            <a:schemeClr val="tx1">
+              <a:lumMod val="75000"/>
+              <a:lumOff val="25000"/>
+            </a:schemeClr>
           </a:solidFill>
           <a:latin typeface="+mn-lt"/>
           <a:ea typeface="+mn-ea"/>
           <a:cs typeface="+mn-cs"/>
         </a:defRPr>
       </a:lvl3pPr>
-      <a:lvl4pPr algn="l" defTabSz="342900" eaLnBrk="1" hangingPunct="1" indent="-342900" latinLnBrk="0" marL="1371600" rtl="0">
+      <a:lvl4pPr algn="l" defTabSz="342900" eaLnBrk="1" hangingPunct="1" indent="-171450" latinLnBrk="0" marL="1200150" rtl="0">
         <a:spcBef>
-          <a:spcPct val="20000"/>
+          <a:spcPts val="750"/>
         </a:spcBef>
-        <a:buFont typeface="Arial"/>
-        <a:buChar char="–"/>
-        <a:defRPr kern="1200" sz="1500">
+        <a:spcAft>
+          <a:spcPts val="0"/>
+        </a:spcAft>
+        <a:buClr>
+          <a:schemeClr val="accent1"/>
+        </a:buClr>
+        <a:buSzPct val="80000"/>
+        <a:buFont charset="2" typeface="Wingdings 3"/>
+        <a:buChar char=""/>
+        <a:defRPr kern="1200" sz="900">
           <a:solidFill>
-            <a:schemeClr val="tx1"/>
+            <a:schemeClr val="tx1">
+              <a:lumMod val="75000"/>
+              <a:lumOff val="25000"/>
+            </a:schemeClr>
           </a:solidFill>
           <a:latin typeface="+mn-lt"/>
           <a:ea typeface="+mn-ea"/>
           <a:cs typeface="+mn-cs"/>
         </a:defRPr>
       </a:lvl4pPr>
-      <a:lvl5pPr algn="l" defTabSz="342900" eaLnBrk="1" hangingPunct="1" indent="-342900" latinLnBrk="0" marL="1714500" rtl="0">
+      <a:lvl5pPr algn="l" defTabSz="342900" eaLnBrk="1" hangingPunct="1" indent="-171450" latinLnBrk="0" marL="1543050" rtl="0">
         <a:spcBef>
-          <a:spcPct val="20000"/>
+          <a:spcPts val="750"/>
         </a:spcBef>
-        <a:buFont typeface="Arial"/>
-        <a:buChar char="»"/>
-        <a:defRPr kern="1200" sz="1500">
+        <a:spcAft>
+          <a:spcPts val="0"/>
+        </a:spcAft>
+        <a:buClr>
+          <a:schemeClr val="accent1"/>
+        </a:buClr>
+        <a:buSzPct val="80000"/>
+        <a:buFont charset="2" typeface="Wingdings 3"/>
+        <a:buChar char=""/>
+        <a:defRPr kern="1200" sz="900">
           <a:solidFill>
-            <a:schemeClr val="tx1"/>
+            <a:schemeClr val="tx1">
+              <a:lumMod val="75000"/>
+              <a:lumOff val="25000"/>
+            </a:schemeClr>
           </a:solidFill>
           <a:latin typeface="+mn-lt"/>
           <a:ea typeface="+mn-ea"/>
           <a:cs typeface="+mn-cs"/>
         </a:defRPr>
       </a:lvl5pPr>
-      <a:lvl6pPr algn="l" defTabSz="342900" eaLnBrk="1" hangingPunct="1" indent="-342900" latinLnBrk="0" marL="2057400" rtl="0">
+      <a:lvl6pPr algn="l" defTabSz="342900" eaLnBrk="1" hangingPunct="1" indent="-171450" latinLnBrk="0" marL="1885950" rtl="0">
         <a:spcBef>
-          <a:spcPct val="20000"/>
+          <a:spcPts val="750"/>
         </a:spcBef>
-        <a:buFont typeface="Arial"/>
-        <a:buChar char="•"/>
-        <a:defRPr kern="1200" sz="1500">
+        <a:spcAft>
+          <a:spcPts val="0"/>
+        </a:spcAft>
+        <a:buClr>
+          <a:schemeClr val="accent1"/>
+        </a:buClr>
+        <a:buSzPct val="80000"/>
+        <a:buFont charset="2" typeface="Wingdings 3"/>
+        <a:buChar char=""/>
+        <a:defRPr kern="1200" sz="900">
           <a:solidFill>
-            <a:schemeClr val="tx1"/>
+            <a:schemeClr val="tx1">
+              <a:lumMod val="75000"/>
+              <a:lumOff val="25000"/>
+            </a:schemeClr>
           </a:solidFill>
           <a:latin typeface="+mn-lt"/>
           <a:ea typeface="+mn-ea"/>
           <a:cs typeface="+mn-cs"/>
         </a:defRPr>
       </a:lvl6pPr>
-      <a:lvl7pPr algn="l" defTabSz="342900" eaLnBrk="1" hangingPunct="1" indent="-342900" latinLnBrk="0" marL="2400300" rtl="0">
+      <a:lvl7pPr algn="l" defTabSz="342900" eaLnBrk="1" hangingPunct="1" indent="-171450" latinLnBrk="0" marL="2228850" rtl="0">
         <a:spcBef>
-          <a:spcPct val="20000"/>
+          <a:spcPts val="750"/>
         </a:spcBef>
-        <a:buFont typeface="Arial"/>
-        <a:buChar char="•"/>
-        <a:defRPr kern="1200" sz="1500">
+        <a:spcAft>
+          <a:spcPts val="0"/>
+        </a:spcAft>
+        <a:buClr>
+          <a:schemeClr val="accent1"/>
+        </a:buClr>
+        <a:buSzPct val="80000"/>
+        <a:buFont charset="2" typeface="Wingdings 3"/>
+        <a:buChar char=""/>
+        <a:defRPr kern="1200" sz="900">
           <a:solidFill>
-            <a:schemeClr val="tx1"/>
+            <a:schemeClr val="tx1">
+              <a:lumMod val="75000"/>
+              <a:lumOff val="25000"/>
+            </a:schemeClr>
           </a:solidFill>
           <a:latin typeface="+mn-lt"/>
           <a:ea typeface="+mn-ea"/>
           <a:cs typeface="+mn-cs"/>
         </a:defRPr>
       </a:lvl7pPr>
-      <a:lvl8pPr algn="l" defTabSz="342900" eaLnBrk="1" hangingPunct="1" indent="-342900" latinLnBrk="0" marL="2743200" rtl="0">
+      <a:lvl8pPr algn="l" defTabSz="342900" eaLnBrk="1" hangingPunct="1" indent="-171450" latinLnBrk="0" marL="2571750" rtl="0">
         <a:spcBef>
-          <a:spcPct val="20000"/>
+          <a:spcPts val="750"/>
         </a:spcBef>
-        <a:buFont typeface="Arial"/>
-        <a:buChar char="•"/>
-        <a:defRPr kern="1200" sz="1500">
+        <a:spcAft>
+          <a:spcPts val="0"/>
+        </a:spcAft>
+        <a:buClr>
+          <a:schemeClr val="accent1"/>
+        </a:buClr>
+        <a:buSzPct val="80000"/>
+        <a:buFont charset="2" typeface="Wingdings 3"/>
+        <a:buChar char=""/>
+        <a:defRPr kern="1200" sz="900">
           <a:solidFill>
-            <a:schemeClr val="tx1"/>
+            <a:schemeClr val="tx1">
+              <a:lumMod val="75000"/>
+              <a:lumOff val="25000"/>
+            </a:schemeClr>
           </a:solidFill>
           <a:latin typeface="+mn-lt"/>
           <a:ea typeface="+mn-ea"/>
           <a:cs typeface="+mn-cs"/>
         </a:defRPr>
       </a:lvl8pPr>
-      <a:lvl9pPr algn="l" defTabSz="342900" eaLnBrk="1" hangingPunct="1" indent="-342900" latinLnBrk="0" marL="3086100" rtl="0">
+      <a:lvl9pPr algn="l" defTabSz="342900" eaLnBrk="1" hangingPunct="1" indent="-171450" latinLnBrk="0" marL="2914650" rtl="0">
         <a:spcBef>
-          <a:spcPct val="20000"/>
+          <a:spcPts val="750"/>
         </a:spcBef>
-        <a:buFont typeface="Arial"/>
-        <a:buChar char="•"/>
-        <a:defRPr kern="1200" sz="1500">
+        <a:spcAft>
+          <a:spcPts val="0"/>
+        </a:spcAft>
+        <a:buClr>
+          <a:schemeClr val="accent1"/>
+        </a:buClr>
+        <a:buSzPct val="80000"/>
+        <a:buFont charset="2" typeface="Wingdings 3"/>
+        <a:buChar char=""/>
+        <a:defRPr kern="1200" sz="900">
           <a:solidFill>
-            <a:schemeClr val="tx1"/>
+            <a:schemeClr val="tx1">
+              <a:lumMod val="75000"/>
+              <a:lumOff val="25000"/>
+            </a:schemeClr>
           </a:solidFill>
           <a:latin typeface="+mn-lt"/>
           <a:ea typeface="+mn-ea"/>
@@ -3118,8 +6013,8 @@
         </p:nvSpPr>
         <p:spPr>
           <a:xfrm>
-            <a:off x="685800" y="1597819"/>
-            <a:ext cx="7772400" cy="1102519"/>
+            <a:off x="1130300" y="1803400"/>
+            <a:ext cx="5825202" cy="1234727"/>
           </a:xfrm>
         </p:spPr>
         <p:txBody>
@@ -3148,8 +6043,8 @@
         </p:nvSpPr>
         <p:spPr>
           <a:xfrm>
-            <a:off x="1371600" y="2914650"/>
-            <a:ext cx="6400800" cy="1314450"/>
+            <a:off x="1130300" y="3038125"/>
+            <a:ext cx="5825202" cy="822674"/>
           </a:xfrm>
         </p:spPr>
         <p:txBody>
@@ -3239,7 +6134,7 @@
             </a:pPr>
             <a:r>
               <a:rPr/>
-              <a:t>表</a:t>
+              <a:t>代码块</a:t>
             </a:r>
           </a:p>
         </p:txBody>
@@ -3264,7 +6159,340 @@
             </a:pPr>
             <a:r>
               <a:rPr/>
-              <a:t>引用一下 表 1 (a)．</a:t>
+              <a:t>行间代码 </a:t>
+            </a:r>
+            <a:r>
+              <a:rPr>
+                <a:latin typeface="Courier"/>
+              </a:rPr>
+              <a:t>print("Hello, SunQuarTeX")</a:t>
+            </a:r>
+            <a:r>
+              <a:rPr/>
+              <a:t>.</a:t>
+            </a:r>
+          </a:p>
+          <a:p>
+            <a:pPr lvl="0" indent="0">
+              <a:buNone/>
+            </a:pPr>
+            <a:r>
+              <a:rPr>
+                <a:solidFill>
+                  <a:srgbClr val="AD0000"/>
+                </a:solidFill>
+                <a:latin typeface="Courier"/>
+              </a:rPr>
+              <a:t>#include</a:t>
+            </a:r>
+            <a:r>
+              <a:rPr>
+                <a:solidFill>
+                  <a:srgbClr val="00769E"/>
+                </a:solidFill>
+                <a:latin typeface="Courier"/>
+              </a:rPr>
+              <a:t>&lt;bits/stdc++.h&gt;</a:t>
+            </a:r>
+            <a:br/>
+            <a:r>
+              <a:rPr b="1">
+                <a:solidFill>
+                  <a:srgbClr val="003B4F"/>
+                </a:solidFill>
+                <a:latin typeface="Courier"/>
+              </a:rPr>
+              <a:t>using</a:t>
+            </a:r>
+            <a:r>
+              <a:rPr>
+                <a:solidFill>
+                  <a:srgbClr val="003B4F"/>
+                </a:solidFill>
+                <a:latin typeface="Courier"/>
+              </a:rPr>
+              <a:t> </a:t>
+            </a:r>
+            <a:r>
+              <a:rPr b="1">
+                <a:solidFill>
+                  <a:srgbClr val="003B4F"/>
+                </a:solidFill>
+                <a:latin typeface="Courier"/>
+              </a:rPr>
+              <a:t>namespace</a:t>
+            </a:r>
+            <a:r>
+              <a:rPr>
+                <a:solidFill>
+                  <a:srgbClr val="003B4F"/>
+                </a:solidFill>
+                <a:latin typeface="Courier"/>
+              </a:rPr>
+              <a:t> std</a:t>
+            </a:r>
+            <a:r>
+              <a:rPr>
+                <a:solidFill>
+                  <a:srgbClr val="5E5E5E"/>
+                </a:solidFill>
+                <a:latin typeface="Courier"/>
+              </a:rPr>
+              <a:t>;</a:t>
+            </a:r>
+            <a:br/>
+            <a:br/>
+            <a:r>
+              <a:rPr>
+                <a:solidFill>
+                  <a:srgbClr val="AD0000"/>
+                </a:solidFill>
+                <a:latin typeface="Courier"/>
+              </a:rPr>
+              <a:t>int</a:t>
+            </a:r>
+            <a:r>
+              <a:rPr>
+                <a:solidFill>
+                  <a:srgbClr val="003B4F"/>
+                </a:solidFill>
+                <a:latin typeface="Courier"/>
+              </a:rPr>
+              <a:t> main</a:t>
+            </a:r>
+            <a:r>
+              <a:rPr>
+                <a:solidFill>
+                  <a:srgbClr val="5E5E5E"/>
+                </a:solidFill>
+                <a:latin typeface="Courier"/>
+              </a:rPr>
+              <a:t>(){</a:t>
+            </a:r>
+            <a:br/>
+            <a:r>
+              <a:rPr>
+                <a:solidFill>
+                  <a:srgbClr val="003B4F"/>
+                </a:solidFill>
+                <a:latin typeface="Courier"/>
+              </a:rPr>
+              <a:t>    </a:t>
+            </a:r>
+            <a:r>
+              <a:rPr b="1">
+                <a:solidFill>
+                  <a:srgbClr val="003B4F"/>
+                </a:solidFill>
+                <a:latin typeface="Courier"/>
+              </a:rPr>
+              <a:t>return</a:t>
+            </a:r>
+            <a:r>
+              <a:rPr>
+                <a:solidFill>
+                  <a:srgbClr val="003B4F"/>
+                </a:solidFill>
+                <a:latin typeface="Courier"/>
+              </a:rPr>
+              <a:t> </a:t>
+            </a:r>
+            <a:r>
+              <a:rPr>
+                <a:solidFill>
+                  <a:srgbClr val="AD0000"/>
+                </a:solidFill>
+                <a:latin typeface="Courier"/>
+              </a:rPr>
+              <a:t>0</a:t>
+            </a:r>
+            <a:r>
+              <a:rPr>
+                <a:solidFill>
+                  <a:srgbClr val="5E5E5E"/>
+                </a:solidFill>
+                <a:latin typeface="Courier"/>
+              </a:rPr>
+              <a:t>;</a:t>
+            </a:r>
+            <a:r>
+              <a:rPr>
+                <a:solidFill>
+                  <a:srgbClr val="003B4F"/>
+                </a:solidFill>
+                <a:latin typeface="Courier"/>
+              </a:rPr>
+              <a:t> </a:t>
+            </a:r>
+            <a:r>
+              <a:rPr>
+                <a:solidFill>
+                  <a:srgbClr val="5E5E5E"/>
+                </a:solidFill>
+                <a:latin typeface="Courier"/>
+              </a:rPr>
+              <a:t>// 返回 0</a:t>
+            </a:r>
+            <a:br/>
+            <a:r>
+              <a:rPr>
+                <a:solidFill>
+                  <a:srgbClr val="5E5E5E"/>
+                </a:solidFill>
+                <a:latin typeface="Courier"/>
+              </a:rPr>
+              <a:t>}</a:t>
+            </a:r>
+          </a:p>
+          <a:p>
+            <a:pPr lvl="0" indent="0">
+              <a:buNone/>
+            </a:pPr>
+            <a:r>
+              <a:rPr b="1">
+                <a:solidFill>
+                  <a:srgbClr val="003B4F"/>
+                </a:solidFill>
+                <a:latin typeface="Courier"/>
+              </a:rPr>
+              <a:t>example</a:t>
+            </a:r>
+            <a:r>
+              <a:rPr>
+                <a:solidFill>
+                  <a:srgbClr val="003B4F"/>
+                </a:solidFill>
+                <a:latin typeface="Courier"/>
+              </a:rPr>
+              <a:t> : (</a:t>
+            </a:r>
+            <a:r>
+              <a:rPr b="1">
+                <a:solidFill>
+                  <a:srgbClr val="003B4F"/>
+                </a:solidFill>
+                <a:latin typeface="Courier"/>
+              </a:rPr>
+              <a:t>∀</a:t>
+            </a:r>
+            <a:r>
+              <a:rPr>
+                <a:solidFill>
+                  <a:srgbClr val="003B4F"/>
+                </a:solidFill>
+                <a:latin typeface="Courier"/>
+              </a:rPr>
+              <a:t> x, p x → r) → ((</a:t>
+            </a:r>
+            <a:r>
+              <a:rPr b="1">
+                <a:solidFill>
+                  <a:srgbClr val="003B4F"/>
+                </a:solidFill>
+                <a:latin typeface="Courier"/>
+              </a:rPr>
+              <a:t>∃</a:t>
+            </a:r>
+            <a:r>
+              <a:rPr>
+                <a:solidFill>
+                  <a:srgbClr val="003B4F"/>
+                </a:solidFill>
+                <a:latin typeface="Courier"/>
+              </a:rPr>
+              <a:t> x, p x) → r) </a:t>
+            </a:r>
+            <a:r>
+              <a:rPr>
+                <a:solidFill>
+                  <a:srgbClr val="5E5E5E"/>
+                </a:solidFill>
+                <a:latin typeface="Courier"/>
+              </a:rPr>
+              <a:t>:=</a:t>
+            </a:r>
+            <a:r>
+              <a:rPr>
+                <a:solidFill>
+                  <a:srgbClr val="003B4F"/>
+                </a:solidFill>
+                <a:latin typeface="Courier"/>
+              </a:rPr>
+              <a:t> </a:t>
+            </a:r>
+            <a:r>
+              <a:rPr b="1">
+                <a:solidFill>
+                  <a:srgbClr val="003B4F"/>
+                </a:solidFill>
+                <a:latin typeface="Courier"/>
+              </a:rPr>
+              <a:t>by</a:t>
+            </a:r>
+            <a:br/>
+            <a:r>
+              <a:rPr>
+                <a:solidFill>
+                  <a:srgbClr val="003B4F"/>
+                </a:solidFill>
+                <a:latin typeface="Courier"/>
+              </a:rPr>
+              <a:t>  </a:t>
+            </a:r>
+            <a:r>
+              <a:rPr>
+                <a:solidFill>
+                  <a:srgbClr val="4758AB"/>
+                </a:solidFill>
+                <a:latin typeface="Courier"/>
+              </a:rPr>
+              <a:t>intro</a:t>
+            </a:r>
+            <a:r>
+              <a:rPr>
+                <a:solidFill>
+                  <a:srgbClr val="003B4F"/>
+                </a:solidFill>
+                <a:latin typeface="Courier"/>
+              </a:rPr>
+              <a:t> h ⟨a, hpa⟩ </a:t>
+            </a:r>
+            <a:r>
+              <a:rPr>
+                <a:solidFill>
+                  <a:srgbClr val="5E5E5E"/>
+                </a:solidFill>
+                <a:latin typeface="Courier"/>
+              </a:rPr>
+              <a:t>-- you may also `rcases` explicitly</a:t>
+            </a:r>
+            <a:br/>
+            <a:r>
+              <a:rPr>
+                <a:solidFill>
+                  <a:srgbClr val="003B4F"/>
+                </a:solidFill>
+                <a:latin typeface="Courier"/>
+              </a:rPr>
+              <a:t>  </a:t>
+            </a:r>
+            <a:r>
+              <a:rPr>
+                <a:solidFill>
+                  <a:srgbClr val="4758AB"/>
+                </a:solidFill>
+                <a:latin typeface="Courier"/>
+              </a:rPr>
+              <a:t>exact</a:t>
+            </a:r>
+            <a:r>
+              <a:rPr>
+                <a:solidFill>
+                  <a:srgbClr val="003B4F"/>
+                </a:solidFill>
+                <a:latin typeface="Courier"/>
+              </a:rPr>
+              <a:t> h a hpa</a:t>
             </a:r>
           </a:p>
         </p:txBody>
@@ -3311,67 +6539,32 @@
             </a:pPr>
             <a:r>
               <a:rPr/>
-              <a:t>图</a:t>
-            </a:r>
-          </a:p>
-        </p:txBody>
-      </p:sp>
-      <p:pic>
-        <p:nvPicPr>
-          <p:cNvPr descr="figure.png" id="0" name="Picture 1"/>
-          <p:cNvPicPr>
-            <a:picLocks noGrp="1" noChangeAspect="1"/>
-          </p:cNvPicPr>
-          <p:nvPr/>
-        </p:nvPicPr>
-        <p:blipFill>
-          <a:blip r:embed="rId2"/>
-          <a:stretch>
-            <a:fillRect/>
-          </a:stretch>
-        </p:blipFill>
-        <p:spPr bwMode="auto">
-          <a:xfrm>
-            <a:off x="457200" y="1562100"/>
-            <a:ext cx="8229600" cy="2146300"/>
-          </a:xfrm>
-          <a:prstGeom prst="rect">
-            <a:avLst/>
-          </a:prstGeom>
-          <a:noFill/>
-          <a:ln w="9525">
-            <a:noFill/>
-            <a:headEnd/>
-            <a:tailEnd/>
-          </a:ln>
-        </p:spPr>
-      </p:pic>
-      <p:sp>
-        <p:nvSpPr>
-          <p:cNvPr id="1" name="TextBox 3"/>
-          <p:cNvSpPr txBox="1"/>
-          <p:nvPr/>
-        </p:nvSpPr>
-        <p:spPr>
-          <a:xfrm>
-            <a:off x="457200" y="4076700"/>
-            <a:ext cx="8229600" cy="508000"/>
-          </a:xfrm>
-          <a:prstGeom prst="rect">
-            <a:avLst/>
-          </a:prstGeom>
-          <a:noFill/>
-        </p:spPr>
+              <a:t>表</a:t>
+            </a:r>
+          </a:p>
+        </p:txBody>
+      </p:sp>
+      <p:sp>
+        <p:nvSpPr>
+          <p:cNvPr id="3" name="Content Placeholder 2"/>
+          <p:cNvSpPr>
+            <a:spLocks noGrp="1"/>
+          </p:cNvSpPr>
+          <p:nvPr>
+            <p:ph idx="1"/>
+          </p:nvPr>
+        </p:nvSpPr>
+        <p:spPr/>
         <p:txBody>
           <a:bodyPr/>
           <a:lstStyle/>
           <a:p>
-            <a:pPr lvl="0" indent="0" marL="0" algn="ctr">
+            <a:pPr lvl="0" indent="0" marL="0">
               <a:buNone/>
             </a:pPr>
             <a:r>
               <a:rPr/>
-              <a:t>图 1: 这是一张插图</a:t>
+              <a:t>引用一下 表 1 (a)．</a:t>
             </a:r>
           </a:p>
         </p:txBody>
@@ -3400,12 +6593,12 @@
       </p:grpSpPr>
       <p:sp>
         <p:nvSpPr>
-          <p:cNvPr id="3" name="Content Placeholder 2"/>
-          <p:cNvSpPr>
-            <a:spLocks noGrp="1"/>
-          </p:cNvSpPr>
-          <p:nvPr>
-            <p:ph idx="1"/>
+          <p:cNvPr id="2" name="Title 1"/>
+          <p:cNvSpPr>
+            <a:spLocks noGrp="1"/>
+          </p:cNvSpPr>
+          <p:nvPr>
+            <p:ph type="title"/>
           </p:nvPr>
         </p:nvSpPr>
         <p:spPr/>
@@ -3418,7 +6611,67 @@
             </a:pPr>
             <a:r>
               <a:rPr/>
-              <a:t>引用一下 图 1．</a:t>
+              <a:t>图</a:t>
+            </a:r>
+          </a:p>
+        </p:txBody>
+      </p:sp>
+      <p:pic>
+        <p:nvPicPr>
+          <p:cNvPr descr="figure.png" id="0" name="Picture 1"/>
+          <p:cNvPicPr>
+            <a:picLocks noGrp="1" noChangeAspect="1"/>
+          </p:cNvPicPr>
+          <p:nvPr/>
+        </p:nvPicPr>
+        <p:blipFill>
+          <a:blip r:embed="rId2"/>
+          <a:stretch>
+            <a:fillRect/>
+          </a:stretch>
+        </p:blipFill>
+        <p:spPr bwMode="auto">
+          <a:xfrm>
+            <a:off x="508000" y="1981200"/>
+            <a:ext cx="6438900" cy="1676400"/>
+          </a:xfrm>
+          <a:prstGeom prst="rect">
+            <a:avLst/>
+          </a:prstGeom>
+          <a:noFill/>
+          <a:ln w="9525">
+            <a:noFill/>
+            <a:headEnd/>
+            <a:tailEnd/>
+          </a:ln>
+        </p:spPr>
+      </p:pic>
+      <p:sp>
+        <p:nvSpPr>
+          <p:cNvPr id="1" name="TextBox 3"/>
+          <p:cNvSpPr txBox="1"/>
+          <p:nvPr/>
+        </p:nvSpPr>
+        <p:spPr>
+          <a:xfrm>
+            <a:off x="508000" y="4013200"/>
+            <a:ext cx="6438900" cy="508000"/>
+          </a:xfrm>
+          <a:prstGeom prst="rect">
+            <a:avLst/>
+          </a:prstGeom>
+          <a:noFill/>
+        </p:spPr>
+        <p:txBody>
+          <a:bodyPr/>
+          <a:lstStyle/>
+          <a:p>
+            <a:pPr lvl="0" indent="0" marL="0" algn="ctr">
+              <a:buNone/>
+            </a:pPr>
+            <a:r>
+              <a:rPr/>
+              <a:t>图 1: 这是一张插图</a:t>
             </a:r>
           </a:p>
         </p:txBody>
@@ -3447,12 +6700,12 @@
       </p:grpSpPr>
       <p:sp>
         <p:nvSpPr>
-          <p:cNvPr id="2" name="Title 1"/>
-          <p:cNvSpPr>
-            <a:spLocks noGrp="1"/>
-          </p:cNvSpPr>
-          <p:nvPr>
-            <p:ph type="title"/>
+          <p:cNvPr id="3" name="Content Placeholder 2"/>
+          <p:cNvSpPr>
+            <a:spLocks noGrp="1"/>
+          </p:cNvSpPr>
+          <p:nvPr>
+            <p:ph idx="1"/>
           </p:nvPr>
         </p:nvSpPr>
         <p:spPr/>
@@ -3465,32 +6718,7 @@
             </a:pPr>
             <a:r>
               <a:rPr/>
-              <a:t>计算图</a:t>
-            </a:r>
-          </a:p>
-        </p:txBody>
-      </p:sp>
-      <p:sp>
-        <p:nvSpPr>
-          <p:cNvPr id="3" name="Content Placeholder 2"/>
-          <p:cNvSpPr>
-            <a:spLocks noGrp="1"/>
-          </p:cNvSpPr>
-          <p:nvPr>
-            <p:ph idx="1"/>
-          </p:nvPr>
-        </p:nvSpPr>
-        <p:spPr/>
-        <p:txBody>
-          <a:bodyPr/>
-          <a:lstStyle/>
-          <a:p>
-            <a:pPr lvl="0" indent="0" marL="0">
-              <a:buNone/>
-            </a:pPr>
-            <a:r>
-              <a:rPr/>
-              <a:t>复杂的并列效果．（图 2, 图 2 (a), 图 2 (b)）</a:t>
+              <a:t>引用一下 图 1．</a:t>
             </a:r>
           </a:p>
         </p:txBody>
@@ -3537,7 +6765,32 @@
             </a:pPr>
             <a:r>
               <a:rPr/>
-              <a:t>TikZ</a:t>
+              <a:t>计算图</a:t>
+            </a:r>
+          </a:p>
+        </p:txBody>
+      </p:sp>
+      <p:sp>
+        <p:nvSpPr>
+          <p:cNvPr id="3" name="Content Placeholder 2"/>
+          <p:cNvSpPr>
+            <a:spLocks noGrp="1"/>
+          </p:cNvSpPr>
+          <p:nvPr>
+            <p:ph idx="1"/>
+          </p:nvPr>
+        </p:nvSpPr>
+        <p:spPr/>
+        <p:txBody>
+          <a:bodyPr/>
+          <a:lstStyle/>
+          <a:p>
+            <a:pPr lvl="0" indent="0" marL="0">
+              <a:buNone/>
+            </a:pPr>
+            <a:r>
+              <a:rPr/>
+              <a:t>复杂的并列效果．（图 2, 图 2 (a), 图 2 (b)）</a:t>
             </a:r>
           </a:p>
         </p:txBody>
@@ -3574,12 +6827,7 @@
             <p:ph type="title"/>
           </p:nvPr>
         </p:nvSpPr>
-        <p:spPr>
-          <a:xfrm>
-            <a:off x="722313" y="3305176"/>
-            <a:ext cx="7772400" cy="1021556"/>
-          </a:xfrm>
-        </p:spPr>
+        <p:spPr/>
         <p:txBody>
           <a:bodyPr/>
           <a:lstStyle/>
@@ -3589,7 +6837,7 @@
             </a:pPr>
             <a:r>
               <a:rPr/>
-              <a:t>Subsection 2</a:t>
+              <a:t>TikZ</a:t>
             </a:r>
           </a:p>
         </p:txBody>
@@ -3600,6 +6848,58 @@
 </file>
 
 <file path=ppt/slides/slide16.xml><?xml version="1.0" encoding="utf-8"?>
+<p:sld xmlns:a="http://schemas.openxmlformats.org/drawingml/2006/main" xmlns:r="http://schemas.openxmlformats.org/officeDocument/2006/relationships" xmlns:p="http://schemas.openxmlformats.org/presentationml/2006/main">
+  <p:cSld>
+    <p:spTree>
+      <p:nvGrpSpPr>
+        <p:cNvPr id="1" name=""/>
+        <p:cNvGrpSpPr/>
+        <p:nvPr/>
+      </p:nvGrpSpPr>
+      <p:grpSpPr>
+        <a:xfrm>
+          <a:off x="0" y="0"/>
+          <a:ext cx="0" cy="0"/>
+          <a:chOff x="0" y="0"/>
+          <a:chExt cx="0" cy="0"/>
+        </a:xfrm>
+      </p:grpSpPr>
+      <p:sp>
+        <p:nvSpPr>
+          <p:cNvPr id="2" name="Title 1"/>
+          <p:cNvSpPr>
+            <a:spLocks noGrp="1"/>
+          </p:cNvSpPr>
+          <p:nvPr>
+            <p:ph type="title"/>
+          </p:nvPr>
+        </p:nvSpPr>
+        <p:spPr>
+          <a:xfrm>
+            <a:off x="508001" y="2025651"/>
+            <a:ext cx="6447501" cy="1369936"/>
+          </a:xfrm>
+        </p:spPr>
+        <p:txBody>
+          <a:bodyPr/>
+          <a:lstStyle/>
+          <a:p>
+            <a:pPr lvl="0" indent="0" marL="0">
+              <a:buNone/>
+            </a:pPr>
+            <a:r>
+              <a:rPr/>
+              <a:t>Subsection 2</a:t>
+            </a:r>
+          </a:p>
+        </p:txBody>
+      </p:sp>
+    </p:spTree>
+  </p:cSld>
+</p:sld>
+</file>
+
+<file path=ppt/slides/slide17.xml><?xml version="1.0" encoding="utf-8"?>
 <p:sld xmlns:a="http://schemas.openxmlformats.org/drawingml/2006/main" xmlns:r="http://schemas.openxmlformats.org/officeDocument/2006/relationships" xmlns:p="http://schemas.openxmlformats.org/presentationml/2006/main">
   <p:cSld>
     <p:spTree>
@@ -4030,7 +7330,7 @@
 </p:sld>
 </file>
 
-<file path=ppt/slides/slide17.xml><?xml version="1.0" encoding="utf-8"?>
+<file path=ppt/slides/slide18.xml><?xml version="1.0" encoding="utf-8"?>
 <p:sld xmlns:a="http://schemas.openxmlformats.org/drawingml/2006/main" xmlns:r="http://schemas.openxmlformats.org/officeDocument/2006/relationships" xmlns:p="http://schemas.openxmlformats.org/presentationml/2006/main">
   <p:cSld>
     <p:spTree>
@@ -4129,12 +7429,7 @@
             <p:ph type="title"/>
           </p:nvPr>
         </p:nvSpPr>
-        <p:spPr>
-          <a:xfrm>
-            <a:off x="722313" y="3305176"/>
-            <a:ext cx="7772400" cy="1021556"/>
-          </a:xfrm>
-        </p:spPr>
+        <p:spPr/>
         <p:txBody>
           <a:bodyPr/>
           <a:lstStyle/>
@@ -4144,7 +7439,59 @@
             </a:pPr>
             <a:r>
               <a:rPr/>
+              <a:t>目录</a:t>
+            </a:r>
+          </a:p>
+        </p:txBody>
+      </p:sp>
+      <p:sp>
+        <p:nvSpPr>
+          <p:cNvPr id="3" name="Content Placeholder 2"/>
+          <p:cNvSpPr>
+            <a:spLocks noGrp="1"/>
+          </p:cNvSpPr>
+          <p:nvPr>
+            <p:ph idx="1"/>
+          </p:nvPr>
+        </p:nvSpPr>
+        <p:spPr/>
+        <p:txBody>
+          <a:bodyPr/>
+          <a:lstStyle/>
+          <a:p>
+            <a:pPr lvl="0"/>
+            <a:r>
+              <a:rPr>
+                <a:hlinkClick r:id="rId2" action="ppaction://hlinksldjump"/>
+              </a:rPr>
               <a:t>Section A</a:t>
+            </a:r>
+          </a:p>
+          <a:p>
+            <a:pPr lvl="0"/>
+            <a:r>
+              <a:rPr>
+                <a:hlinkClick r:id="rId3" action="ppaction://hlinksldjump"/>
+              </a:rPr>
+              <a:t>Section B</a:t>
+            </a:r>
+          </a:p>
+          <a:p>
+            <a:pPr lvl="1"/>
+            <a:r>
+              <a:rPr>
+                <a:hlinkClick r:id="rId4" action="ppaction://hlinksldjump"/>
+              </a:rPr>
+              <a:t>Subsection 1</a:t>
+            </a:r>
+          </a:p>
+          <a:p>
+            <a:pPr lvl="1"/>
+            <a:r>
+              <a:rPr>
+                <a:hlinkClick r:id="rId5" action="ppaction://hlinksldjump"/>
+              </a:rPr>
+              <a:t>Subsection 2</a:t>
             </a:r>
           </a:p>
         </p:txBody>
@@ -4181,7 +7528,12 @@
             <p:ph type="title"/>
           </p:nvPr>
         </p:nvSpPr>
-        <p:spPr/>
+        <p:spPr>
+          <a:xfrm>
+            <a:off x="508001" y="2025651"/>
+            <a:ext cx="6447501" cy="1369936"/>
+          </a:xfrm>
+        </p:spPr>
         <p:txBody>
           <a:bodyPr/>
           <a:lstStyle/>
@@ -4191,57 +7543,7 @@
             </a:pPr>
             <a:r>
               <a:rPr/>
-              <a:t>文字</a:t>
-            </a:r>
-          </a:p>
-        </p:txBody>
-      </p:sp>
-      <p:sp>
-        <p:nvSpPr>
-          <p:cNvPr id="3" name="Content Placeholder 2"/>
-          <p:cNvSpPr>
-            <a:spLocks noGrp="1"/>
-          </p:cNvSpPr>
-          <p:nvPr>
-            <p:ph idx="1"/>
-          </p:nvPr>
-        </p:nvSpPr>
-        <p:spPr/>
-        <p:txBody>
-          <a:bodyPr/>
-          <a:lstStyle/>
-          <a:p>
-            <a:pPr lvl="0" indent="0" marL="0">
-              <a:buNone/>
-            </a:pPr>
-            <a:r>
-              <a:rPr/>
-              <a:t>长长长</a:t>
-            </a:r>
-            <a:r>
-              <a:rPr b="1"/>
-              <a:t>长长 long 长长</a:t>
-            </a:r>
-            <a:r>
-              <a:rPr/>
-              <a:t>长长长长长</a:t>
-            </a:r>
-            <a:r>
-              <a:rPr i="1"/>
-              <a:t>长长 long 长长</a:t>
-            </a:r>
-            <a:r>
-              <a:rPr/>
-              <a:t>长长长长长长长长长长长长长长长长长长长长长长长长长长长句子．</a:t>
-            </a:r>
-          </a:p>
-          <a:p>
-            <a:pPr lvl="0" indent="0" marL="0">
-              <a:buNone/>
-            </a:pPr>
-            <a:r>
-              <a:rPr/>
-              <a:t>长长长长长长长长长长长长长长长长长长长长长长长长长长长长长长长长长长长长长长长长长长长段落．</a:t>
+              <a:t>Section A</a:t>
             </a:r>
           </a:p>
         </p:txBody>
@@ -4270,12 +7572,37 @@
       </p:grpSpPr>
       <p:sp>
         <p:nvSpPr>
+          <p:cNvPr id="2" name="Title 1"/>
+          <p:cNvSpPr>
+            <a:spLocks noGrp="1"/>
+          </p:cNvSpPr>
+          <p:nvPr>
+            <p:ph type="title"/>
+          </p:nvPr>
+        </p:nvSpPr>
+        <p:spPr/>
+        <p:txBody>
+          <a:bodyPr/>
+          <a:lstStyle/>
+          <a:p>
+            <a:pPr lvl="0" indent="0" marL="0">
+              <a:buNone/>
+            </a:pPr>
+            <a:r>
+              <a:rPr/>
+              <a:t>文字</a:t>
+            </a:r>
+          </a:p>
+        </p:txBody>
+      </p:sp>
+      <p:sp>
+        <p:nvSpPr>
           <p:cNvPr id="3" name="Content Placeholder 2"/>
           <p:cNvSpPr>
             <a:spLocks noGrp="1"/>
           </p:cNvSpPr>
           <p:nvPr>
-            <p:ph idx="1" sz="half"/>
+            <p:ph idx="1"/>
           </p:nvPr>
         </p:nvSpPr>
         <p:spPr/>
@@ -4283,47 +7610,37 @@
           <a:bodyPr/>
           <a:lstStyle/>
           <a:p>
-            <a:pPr lvl="0"/>
+            <a:pPr lvl="0" indent="0" marL="0">
+              <a:buNone/>
+            </a:pPr>
             <a:r>
               <a:rPr/>
-              <a:t>左栏．</a:t>
-            </a:r>
-          </a:p>
-          <a:p>
-            <a:pPr lvl="0"/>
+              <a:t>长长长</a:t>
+            </a:r>
+            <a:r>
+              <a:rPr b="1"/>
+              <a:t>长长 long 长长</a:t>
+            </a:r>
             <a:r>
               <a:rPr/>
-              <a:t>窄窄窄窄窄窄窄窄窄窄窄窄窄窄窄窄窄的左栏．</a:t>
-            </a:r>
-          </a:p>
-        </p:txBody>
-      </p:sp>
-      <p:sp>
-        <p:nvSpPr>
-          <p:cNvPr id="4" name="Content Placeholder 3"/>
-          <p:cNvSpPr>
-            <a:spLocks noGrp="1"/>
-          </p:cNvSpPr>
-          <p:nvPr>
-            <p:ph idx="2" sz="half"/>
-          </p:nvPr>
-        </p:nvSpPr>
-        <p:spPr/>
-        <p:txBody>
-          <a:bodyPr/>
-          <a:lstStyle/>
-          <a:p>
-            <a:pPr lvl="0"/>
+              <a:t>长长长长长</a:t>
+            </a:r>
+            <a:r>
+              <a:rPr i="1"/>
+              <a:t>长长 long 长长</a:t>
+            </a:r>
             <a:r>
               <a:rPr/>
-              <a:t>右栏．</a:t>
-            </a:r>
-          </a:p>
-          <a:p>
-            <a:pPr lvl="0"/>
+              <a:t>长长长长长长长长长长长长长长长长长长长长长长长长长长长句子．</a:t>
+            </a:r>
+          </a:p>
+          <a:p>
+            <a:pPr lvl="0" indent="0" marL="0">
+              <a:buNone/>
+            </a:pPr>
             <a:r>
               <a:rPr/>
-              <a:t>宽宽宽宽宽宽宽宽宽宽宽宽宽宽宽宽宽宽宽宽宽宽宽宽宽宽宽宽宽宽宽的右栏．</a:t>
+              <a:t>长长长长长长长长长长长长长长长长长长长长长长长长长长长长长长长长长长长长长长长长长长长段落．</a:t>
             </a:r>
           </a:p>
         </p:txBody>
@@ -4334,6 +7651,88 @@
 </file>
 
 <file path=ppt/slides/slide5.xml><?xml version="1.0" encoding="utf-8"?>
+<p:sld xmlns:a="http://schemas.openxmlformats.org/drawingml/2006/main" xmlns:r="http://schemas.openxmlformats.org/officeDocument/2006/relationships" xmlns:p="http://schemas.openxmlformats.org/presentationml/2006/main">
+  <p:cSld>
+    <p:spTree>
+      <p:nvGrpSpPr>
+        <p:cNvPr id="1" name=""/>
+        <p:cNvGrpSpPr/>
+        <p:nvPr/>
+      </p:nvGrpSpPr>
+      <p:grpSpPr>
+        <a:xfrm>
+          <a:off x="0" y="0"/>
+          <a:ext cx="0" cy="0"/>
+          <a:chOff x="0" y="0"/>
+          <a:chExt cx="0" cy="0"/>
+        </a:xfrm>
+      </p:grpSpPr>
+      <p:sp>
+        <p:nvSpPr>
+          <p:cNvPr id="3" name="Content Placeholder 2"/>
+          <p:cNvSpPr>
+            <a:spLocks noGrp="1"/>
+          </p:cNvSpPr>
+          <p:nvPr>
+            <p:ph idx="1" sz="half"/>
+          </p:nvPr>
+        </p:nvSpPr>
+        <p:spPr/>
+        <p:txBody>
+          <a:bodyPr/>
+          <a:lstStyle/>
+          <a:p>
+            <a:pPr lvl="0"/>
+            <a:r>
+              <a:rPr/>
+              <a:t>左栏．</a:t>
+            </a:r>
+          </a:p>
+          <a:p>
+            <a:pPr lvl="0"/>
+            <a:r>
+              <a:rPr/>
+              <a:t>窄窄窄窄窄窄窄窄窄窄窄窄窄窄窄窄窄的左栏．</a:t>
+            </a:r>
+          </a:p>
+        </p:txBody>
+      </p:sp>
+      <p:sp>
+        <p:nvSpPr>
+          <p:cNvPr id="4" name="Content Placeholder 3"/>
+          <p:cNvSpPr>
+            <a:spLocks noGrp="1"/>
+          </p:cNvSpPr>
+          <p:nvPr>
+            <p:ph idx="2" sz="half"/>
+          </p:nvPr>
+        </p:nvSpPr>
+        <p:spPr/>
+        <p:txBody>
+          <a:bodyPr/>
+          <a:lstStyle/>
+          <a:p>
+            <a:pPr lvl="0"/>
+            <a:r>
+              <a:rPr/>
+              <a:t>右栏．</a:t>
+            </a:r>
+          </a:p>
+          <a:p>
+            <a:pPr lvl="0"/>
+            <a:r>
+              <a:rPr/>
+              <a:t>宽宽宽宽宽宽宽宽宽宽宽宽宽宽宽宽宽宽宽宽宽宽宽宽宽宽宽宽宽宽宽的右栏．</a:t>
+            </a:r>
+          </a:p>
+        </p:txBody>
+      </p:sp>
+    </p:spTree>
+  </p:cSld>
+</p:sld>
+</file>
+
+<file path=ppt/slides/slide6.xml><?xml version="1.0" encoding="utf-8"?>
 <p:sld xmlns:a="http://schemas.openxmlformats.org/drawingml/2006/main" xmlns:r="http://schemas.openxmlformats.org/officeDocument/2006/relationships" xmlns:p="http://schemas.openxmlformats.org/presentationml/2006/main">
   <p:cSld>
     <p:spTree>
@@ -4608,88 +8007,6 @@
 </p:sld>
 </file>
 
-<file path=ppt/slides/slide6.xml><?xml version="1.0" encoding="utf-8"?>
-<p:sld xmlns:a="http://schemas.openxmlformats.org/drawingml/2006/main" xmlns:r="http://schemas.openxmlformats.org/officeDocument/2006/relationships" xmlns:p="http://schemas.openxmlformats.org/presentationml/2006/main">
-  <p:cSld>
-    <p:spTree>
-      <p:nvGrpSpPr>
-        <p:cNvPr id="1" name=""/>
-        <p:cNvGrpSpPr/>
-        <p:nvPr/>
-      </p:nvGrpSpPr>
-      <p:grpSpPr>
-        <a:xfrm>
-          <a:off x="0" y="0"/>
-          <a:ext cx="0" cy="0"/>
-          <a:chOff x="0" y="0"/>
-          <a:chExt cx="0" cy="0"/>
-        </a:xfrm>
-      </p:grpSpPr>
-      <p:sp>
-        <p:nvSpPr>
-          <p:cNvPr id="2" name="Title 1"/>
-          <p:cNvSpPr>
-            <a:spLocks noGrp="1"/>
-          </p:cNvSpPr>
-          <p:nvPr>
-            <p:ph type="title"/>
-          </p:nvPr>
-        </p:nvSpPr>
-        <p:spPr/>
-        <p:txBody>
-          <a:bodyPr/>
-          <a:lstStyle/>
-          <a:p>
-            <a:pPr lvl="0" indent="0" marL="0">
-              <a:buNone/>
-            </a:pPr>
-            <a:r>
-              <a:rPr/>
-              <a:t>引用</a:t>
-            </a:r>
-          </a:p>
-        </p:txBody>
-      </p:sp>
-      <p:sp>
-        <p:nvSpPr>
-          <p:cNvPr id="3" name="Content Placeholder 2"/>
-          <p:cNvSpPr>
-            <a:spLocks noGrp="1"/>
-          </p:cNvSpPr>
-          <p:nvPr>
-            <p:ph idx="1"/>
-          </p:nvPr>
-        </p:nvSpPr>
-        <p:spPr/>
-        <p:txBody>
-          <a:bodyPr/>
-          <a:lstStyle/>
-          <a:p>
-            <a:pPr lvl="0" indent="0" marL="0">
-              <a:buNone/>
-            </a:pPr>
-            <a:r>
-              <a:rPr/>
-              <a:t>哇[1, p.1]．哇哦[2], [3]．嗨</a:t>
-            </a:r>
-            <a:r>
-              <a:rPr baseline="30000">
-                <a:hlinkClick r:id="rId2" action="ppaction://hlinksldjump"/>
-              </a:rPr>
-              <a:t>1</a:t>
-            </a:r>
-            <a:r>
-              <a:rPr/>
-              <a:t>．</a:t>
-            </a:r>
-          </a:p>
-        </p:txBody>
-      </p:sp>
-    </p:spTree>
-  </p:cSld>
-</p:sld>
-</file>
-
 <file path=ppt/slides/slide7.xml><?xml version="1.0" encoding="utf-8"?>
 <p:sld xmlns:a="http://schemas.openxmlformats.org/drawingml/2006/main" xmlns:r="http://schemas.openxmlformats.org/officeDocument/2006/relationships" xmlns:p="http://schemas.openxmlformats.org/presentationml/2006/main">
   <p:cSld>
@@ -4717,12 +8034,7 @@
             <p:ph type="title"/>
           </p:nvPr>
         </p:nvSpPr>
-        <p:spPr>
-          <a:xfrm>
-            <a:off x="722313" y="3305176"/>
-            <a:ext cx="7772400" cy="1021556"/>
-          </a:xfrm>
-        </p:spPr>
+        <p:spPr/>
         <p:txBody>
           <a:bodyPr/>
           <a:lstStyle/>
@@ -4732,7 +8044,42 @@
             </a:pPr>
             <a:r>
               <a:rPr/>
-              <a:t>Section B</a:t>
+              <a:t>引用</a:t>
+            </a:r>
+          </a:p>
+        </p:txBody>
+      </p:sp>
+      <p:sp>
+        <p:nvSpPr>
+          <p:cNvPr id="3" name="Content Placeholder 2"/>
+          <p:cNvSpPr>
+            <a:spLocks noGrp="1"/>
+          </p:cNvSpPr>
+          <p:nvPr>
+            <p:ph idx="1"/>
+          </p:nvPr>
+        </p:nvSpPr>
+        <p:spPr/>
+        <p:txBody>
+          <a:bodyPr/>
+          <a:lstStyle/>
+          <a:p>
+            <a:pPr lvl="0" indent="0" marL="0">
+              <a:buNone/>
+            </a:pPr>
+            <a:r>
+              <a:rPr/>
+              <a:t>哇[1, p.1]．哇哦[2], [3]．嗨</a:t>
+            </a:r>
+            <a:r>
+              <a:rPr baseline="30000">
+                <a:hlinkClick r:id="rId2" action="ppaction://hlinksldjump"/>
+              </a:rPr>
+              <a:t>1</a:t>
+            </a:r>
+            <a:r>
+              <a:rPr/>
+              <a:t>．</a:t>
             </a:r>
           </a:p>
         </p:txBody>
@@ -4771,8 +8118,8 @@
         </p:nvSpPr>
         <p:spPr>
           <a:xfrm>
-            <a:off x="722313" y="3305176"/>
-            <a:ext cx="7772400" cy="1021556"/>
+            <a:off x="508001" y="2025651"/>
+            <a:ext cx="6447501" cy="1369936"/>
           </a:xfrm>
         </p:spPr>
         <p:txBody>
@@ -4784,7 +8131,7 @@
             </a:pPr>
             <a:r>
               <a:rPr/>
-              <a:t>Subsection 1</a:t>
+              <a:t>Section B</a:t>
             </a:r>
           </a:p>
         </p:txBody>
@@ -4821,7 +8168,12 @@
             <p:ph type="title"/>
           </p:nvPr>
         </p:nvSpPr>
-        <p:spPr/>
+        <p:spPr>
+          <a:xfrm>
+            <a:off x="508001" y="2025651"/>
+            <a:ext cx="6447501" cy="1369936"/>
+          </a:xfrm>
+        </p:spPr>
         <p:txBody>
           <a:bodyPr/>
           <a:lstStyle/>
@@ -4831,365 +8183,7 @@
             </a:pPr>
             <a:r>
               <a:rPr/>
-              <a:t>代码块</a:t>
-            </a:r>
-          </a:p>
-        </p:txBody>
-      </p:sp>
-      <p:sp>
-        <p:nvSpPr>
-          <p:cNvPr id="3" name="Content Placeholder 2"/>
-          <p:cNvSpPr>
-            <a:spLocks noGrp="1"/>
-          </p:cNvSpPr>
-          <p:nvPr>
-            <p:ph idx="1"/>
-          </p:nvPr>
-        </p:nvSpPr>
-        <p:spPr/>
-        <p:txBody>
-          <a:bodyPr/>
-          <a:lstStyle/>
-          <a:p>
-            <a:pPr lvl="0" indent="0" marL="0">
-              <a:buNone/>
-            </a:pPr>
-            <a:r>
-              <a:rPr/>
-              <a:t>行间代码 </a:t>
-            </a:r>
-            <a:r>
-              <a:rPr>
-                <a:latin typeface="Courier"/>
-              </a:rPr>
-              <a:t>print("Hello, SunQuarTeX")</a:t>
-            </a:r>
-            <a:r>
-              <a:rPr/>
-              <a:t>.</a:t>
-            </a:r>
-          </a:p>
-          <a:p>
-            <a:pPr lvl="0" indent="0">
-              <a:buNone/>
-            </a:pPr>
-            <a:r>
-              <a:rPr>
-                <a:solidFill>
-                  <a:srgbClr val="AD0000"/>
-                </a:solidFill>
-                <a:latin typeface="Courier"/>
-              </a:rPr>
-              <a:t>#include</a:t>
-            </a:r>
-            <a:r>
-              <a:rPr>
-                <a:solidFill>
-                  <a:srgbClr val="00769E"/>
-                </a:solidFill>
-                <a:latin typeface="Courier"/>
-              </a:rPr>
-              <a:t>&lt;bits/stdc++.h&gt;</a:t>
-            </a:r>
-            <a:br/>
-            <a:r>
-              <a:rPr b="1">
-                <a:solidFill>
-                  <a:srgbClr val="003B4F"/>
-                </a:solidFill>
-                <a:latin typeface="Courier"/>
-              </a:rPr>
-              <a:t>using</a:t>
-            </a:r>
-            <a:r>
-              <a:rPr>
-                <a:solidFill>
-                  <a:srgbClr val="003B4F"/>
-                </a:solidFill>
-                <a:latin typeface="Courier"/>
-              </a:rPr>
-              <a:t> </a:t>
-            </a:r>
-            <a:r>
-              <a:rPr b="1">
-                <a:solidFill>
-                  <a:srgbClr val="003B4F"/>
-                </a:solidFill>
-                <a:latin typeface="Courier"/>
-              </a:rPr>
-              <a:t>namespace</a:t>
-            </a:r>
-            <a:r>
-              <a:rPr>
-                <a:solidFill>
-                  <a:srgbClr val="003B4F"/>
-                </a:solidFill>
-                <a:latin typeface="Courier"/>
-              </a:rPr>
-              <a:t> std</a:t>
-            </a:r>
-            <a:r>
-              <a:rPr>
-                <a:solidFill>
-                  <a:srgbClr val="5E5E5E"/>
-                </a:solidFill>
-                <a:latin typeface="Courier"/>
-              </a:rPr>
-              <a:t>;</a:t>
-            </a:r>
-            <a:br/>
-            <a:br/>
-            <a:r>
-              <a:rPr>
-                <a:solidFill>
-                  <a:srgbClr val="AD0000"/>
-                </a:solidFill>
-                <a:latin typeface="Courier"/>
-              </a:rPr>
-              <a:t>int</a:t>
-            </a:r>
-            <a:r>
-              <a:rPr>
-                <a:solidFill>
-                  <a:srgbClr val="003B4F"/>
-                </a:solidFill>
-                <a:latin typeface="Courier"/>
-              </a:rPr>
-              <a:t> main</a:t>
-            </a:r>
-            <a:r>
-              <a:rPr>
-                <a:solidFill>
-                  <a:srgbClr val="5E5E5E"/>
-                </a:solidFill>
-                <a:latin typeface="Courier"/>
-              </a:rPr>
-              <a:t>(){</a:t>
-            </a:r>
-            <a:br/>
-            <a:r>
-              <a:rPr>
-                <a:solidFill>
-                  <a:srgbClr val="003B4F"/>
-                </a:solidFill>
-                <a:latin typeface="Courier"/>
-              </a:rPr>
-              <a:t>    </a:t>
-            </a:r>
-            <a:r>
-              <a:rPr b="1">
-                <a:solidFill>
-                  <a:srgbClr val="003B4F"/>
-                </a:solidFill>
-                <a:latin typeface="Courier"/>
-              </a:rPr>
-              <a:t>return</a:t>
-            </a:r>
-            <a:r>
-              <a:rPr>
-                <a:solidFill>
-                  <a:srgbClr val="003B4F"/>
-                </a:solidFill>
-                <a:latin typeface="Courier"/>
-              </a:rPr>
-              <a:t> </a:t>
-            </a:r>
-            <a:r>
-              <a:rPr>
-                <a:solidFill>
-                  <a:srgbClr val="AD0000"/>
-                </a:solidFill>
-                <a:latin typeface="Courier"/>
-              </a:rPr>
-              <a:t>0</a:t>
-            </a:r>
-            <a:r>
-              <a:rPr>
-                <a:solidFill>
-                  <a:srgbClr val="5E5E5E"/>
-                </a:solidFill>
-                <a:latin typeface="Courier"/>
-              </a:rPr>
-              <a:t>;</a:t>
-            </a:r>
-            <a:r>
-              <a:rPr>
-                <a:solidFill>
-                  <a:srgbClr val="003B4F"/>
-                </a:solidFill>
-                <a:latin typeface="Courier"/>
-              </a:rPr>
-              <a:t> </a:t>
-            </a:r>
-            <a:r>
-              <a:rPr>
-                <a:solidFill>
-                  <a:srgbClr val="5E5E5E"/>
-                </a:solidFill>
-                <a:latin typeface="Courier"/>
-              </a:rPr>
-              <a:t>// 返回 0</a:t>
-            </a:r>
-            <a:br/>
-            <a:r>
-              <a:rPr>
-                <a:solidFill>
-                  <a:srgbClr val="5E5E5E"/>
-                </a:solidFill>
-                <a:latin typeface="Courier"/>
-              </a:rPr>
-              <a:t>}</a:t>
-            </a:r>
-          </a:p>
-          <a:p>
-            <a:pPr lvl="0" indent="0">
-              <a:buNone/>
-            </a:pPr>
-            <a:r>
-              <a:rPr b="1">
-                <a:solidFill>
-                  <a:srgbClr val="003B4F"/>
-                </a:solidFill>
-                <a:latin typeface="Courier"/>
-              </a:rPr>
-              <a:t>example</a:t>
-            </a:r>
-            <a:r>
-              <a:rPr>
-                <a:solidFill>
-                  <a:srgbClr val="003B4F"/>
-                </a:solidFill>
-                <a:latin typeface="Courier"/>
-              </a:rPr>
-              <a:t> : (</a:t>
-            </a:r>
-            <a:r>
-              <a:rPr b="1">
-                <a:solidFill>
-                  <a:srgbClr val="003B4F"/>
-                </a:solidFill>
-                <a:latin typeface="Courier"/>
-              </a:rPr>
-              <a:t>∀</a:t>
-            </a:r>
-            <a:r>
-              <a:rPr>
-                <a:solidFill>
-                  <a:srgbClr val="003B4F"/>
-                </a:solidFill>
-                <a:latin typeface="Courier"/>
-              </a:rPr>
-              <a:t> x, p x → r) → ((</a:t>
-            </a:r>
-            <a:r>
-              <a:rPr b="1">
-                <a:solidFill>
-                  <a:srgbClr val="003B4F"/>
-                </a:solidFill>
-                <a:latin typeface="Courier"/>
-              </a:rPr>
-              <a:t>∃</a:t>
-            </a:r>
-            <a:r>
-              <a:rPr>
-                <a:solidFill>
-                  <a:srgbClr val="003B4F"/>
-                </a:solidFill>
-                <a:latin typeface="Courier"/>
-              </a:rPr>
-              <a:t> x, p x) → r) </a:t>
-            </a:r>
-            <a:r>
-              <a:rPr>
-                <a:solidFill>
-                  <a:srgbClr val="5E5E5E"/>
-                </a:solidFill>
-                <a:latin typeface="Courier"/>
-              </a:rPr>
-              <a:t>:=</a:t>
-            </a:r>
-            <a:r>
-              <a:rPr>
-                <a:solidFill>
-                  <a:srgbClr val="003B4F"/>
-                </a:solidFill>
-                <a:latin typeface="Courier"/>
-              </a:rPr>
-              <a:t> </a:t>
-            </a:r>
-            <a:r>
-              <a:rPr b="1">
-                <a:solidFill>
-                  <a:srgbClr val="003B4F"/>
-                </a:solidFill>
-                <a:latin typeface="Courier"/>
-              </a:rPr>
-              <a:t>by</a:t>
-            </a:r>
-            <a:br/>
-            <a:r>
-              <a:rPr>
-                <a:solidFill>
-                  <a:srgbClr val="003B4F"/>
-                </a:solidFill>
-                <a:latin typeface="Courier"/>
-              </a:rPr>
-              <a:t>  </a:t>
-            </a:r>
-            <a:r>
-              <a:rPr>
-                <a:solidFill>
-                  <a:srgbClr val="4758AB"/>
-                </a:solidFill>
-                <a:latin typeface="Courier"/>
-              </a:rPr>
-              <a:t>intro</a:t>
-            </a:r>
-            <a:r>
-              <a:rPr>
-                <a:solidFill>
-                  <a:srgbClr val="003B4F"/>
-                </a:solidFill>
-                <a:latin typeface="Courier"/>
-              </a:rPr>
-              <a:t> h ⟨a, hpa⟩ </a:t>
-            </a:r>
-            <a:r>
-              <a:rPr>
-                <a:solidFill>
-                  <a:srgbClr val="5E5E5E"/>
-                </a:solidFill>
-                <a:latin typeface="Courier"/>
-              </a:rPr>
-              <a:t>-- you may also `rcases` explicitly</a:t>
-            </a:r>
-            <a:br/>
-            <a:r>
-              <a:rPr>
-                <a:solidFill>
-                  <a:srgbClr val="003B4F"/>
-                </a:solidFill>
-                <a:latin typeface="Courier"/>
-              </a:rPr>
-              <a:t>  </a:t>
-            </a:r>
-            <a:r>
-              <a:rPr>
-                <a:solidFill>
-                  <a:srgbClr val="4758AB"/>
-                </a:solidFill>
-                <a:latin typeface="Courier"/>
-              </a:rPr>
-              <a:t>exact</a:t>
-            </a:r>
-            <a:r>
-              <a:rPr>
-                <a:solidFill>
-                  <a:srgbClr val="003B4F"/>
-                </a:solidFill>
-                <a:latin typeface="Courier"/>
-              </a:rPr>
-              <a:t> h a hpa</a:t>
+              <a:t>Subsection 1</a:t>
             </a:r>
           </a:p>
         </p:txBody>
@@ -5200,9 +8194,9 @@
 </file>
 
 <file path=ppt/theme/theme1.xml><?xml version="1.0" encoding="utf-8"?>
-<a:theme xmlns:a="http://schemas.openxmlformats.org/drawingml/2006/main" name="Office Theme">
+<a:theme xmlns:a="http://schemas.openxmlformats.org/drawingml/2006/main" name="Facet">
   <a:themeElements>
-    <a:clrScheme name="Office">
+    <a:clrScheme name="Facet">
       <a:dk1>
         <a:sysClr val="windowText" lastClr="000000"/>
       </a:dk1>
@@ -5210,52 +8204,52 @@
         <a:sysClr val="window" lastClr="FFFFFF"/>
       </a:lt1>
       <a:dk2>
-        <a:srgbClr val="1F497D"/>
+        <a:srgbClr val="2C3C43"/>
       </a:dk2>
       <a:lt2>
-        <a:srgbClr val="EEECE1"/>
+        <a:srgbClr val="EBEBEB"/>
       </a:lt2>
       <a:accent1>
-        <a:srgbClr val="4F81BD"/>
+        <a:srgbClr val="90C226"/>
       </a:accent1>
       <a:accent2>
-        <a:srgbClr val="C0504D"/>
+        <a:srgbClr val="54A021"/>
       </a:accent2>
       <a:accent3>
-        <a:srgbClr val="9BBB59"/>
+        <a:srgbClr val="E6B91E"/>
       </a:accent3>
       <a:accent4>
-        <a:srgbClr val="8064A2"/>
+        <a:srgbClr val="E76618"/>
       </a:accent4>
       <a:accent5>
-        <a:srgbClr val="4BACC6"/>
+        <a:srgbClr val="C42F1A"/>
       </a:accent5>
       <a:accent6>
-        <a:srgbClr val="F79646"/>
+        <a:srgbClr val="918655"/>
       </a:accent6>
       <a:hlink>
-        <a:srgbClr val="0000FF"/>
+        <a:srgbClr val="99CA3C"/>
       </a:hlink>
       <a:folHlink>
-        <a:srgbClr val="800080"/>
+        <a:srgbClr val="B9D181"/>
       </a:folHlink>
     </a:clrScheme>
-    <a:fontScheme name="Office">
+    <a:fontScheme name="Facet">
       <a:majorFont>
-        <a:latin typeface="Calibri"/>
+        <a:latin typeface="Trebuchet MS" panose="020B0603020202020204"/>
         <a:ea typeface=""/>
         <a:cs typeface=""/>
-        <a:font script="Jpan" typeface="ＭＳ Ｐゴシック"/>
+        <a:font script="Jpan" typeface="メイリオ"/>
         <a:font script="Hang" typeface="맑은 고딕"/>
-        <a:font script="Hans" typeface="宋体"/>
-        <a:font script="Hant" typeface="新細明體"/>
-        <a:font script="Arab" typeface="Times New Roman"/>
-        <a:font script="Hebr" typeface="Times New Roman"/>
-        <a:font script="Thai" typeface="Angsana New"/>
+        <a:font script="Hans" typeface="方正姚体"/>
+        <a:font script="Hant" typeface="微軟正黑體"/>
+        <a:font script="Arab" typeface="Tahoma"/>
+        <a:font script="Hebr" typeface="Arial"/>
+        <a:font script="Thai" typeface="Cordia New"/>
         <a:font script="Ethi" typeface="Nyala"/>
         <a:font script="Beng" typeface="Vrinda"/>
         <a:font script="Gujr" typeface="Shruti"/>
-        <a:font script="Khmr" typeface="MoolBoran"/>
+        <a:font script="Khmr" typeface="DaunPenh"/>
         <a:font script="Knda" typeface="Tunga"/>
         <a:font script="Guru" typeface="Raavi"/>
         <a:font script="Cans" typeface="Euphemia"/>
@@ -5272,21 +8266,21 @@
         <a:font script="Laoo" typeface="DokChampa"/>
         <a:font script="Sinh" typeface="Iskoola Pota"/>
         <a:font script="Mong" typeface="Mongolian Baiti"/>
-        <a:font script="Viet" typeface="Times New Roman"/>
+        <a:font script="Viet" typeface="Tahoma"/>
         <a:font script="Uigh" typeface="Microsoft Uighur"/>
         <a:font script="Geor" typeface="Sylfaen"/>
       </a:majorFont>
       <a:minorFont>
-        <a:latin typeface="Calibri"/>
+        <a:latin typeface="Trebuchet MS" panose="020B0603020202020204"/>
         <a:ea typeface=""/>
         <a:cs typeface=""/>
-        <a:font script="Jpan" typeface="ＭＳ Ｐゴシック"/>
-        <a:font script="Hang" typeface="맑은 고딕"/>
-        <a:font script="Hans" typeface="宋体"/>
-        <a:font script="Hant" typeface="新細明體"/>
-        <a:font script="Arab" typeface="Arial"/>
-        <a:font script="Hebr" typeface="Arial"/>
-        <a:font script="Thai" typeface="Cordia New"/>
+        <a:font script="Jpan" typeface="メイリオ"/>
+        <a:font script="Hang" typeface="HY그래픽M"/>
+        <a:font script="Hans" typeface="华文新魏"/>
+        <a:font script="Hant" typeface="微軟正黑體"/>
+        <a:font script="Arab" typeface="Tahoma"/>
+        <a:font script="Hebr" typeface="Gisha"/>
+        <a:font script="Thai" typeface="IrisUPC"/>
         <a:font script="Ethi" typeface="Nyala"/>
         <a:font script="Beng" typeface="Vrinda"/>
         <a:font script="Gujr" typeface="Shruti"/>
@@ -5312,7 +8306,7 @@
         <a:font script="Geor" typeface="Sylfaen"/>
       </a:minorFont>
     </a:fontScheme>
-    <a:fmtScheme name="Office">
+    <a:fmtScheme name="Facet">
       <a:fillStyleLst>
         <a:solidFill>
           <a:schemeClr val="phClr"/>
@@ -5321,62 +8315,50 @@
           <a:gsLst>
             <a:gs pos="0">
               <a:schemeClr val="phClr">
-                <a:tint val="50000"/>
-                <a:satMod val="300000"/>
+                <a:tint val="65000"/>
+                <a:lumMod val="110000"/>
               </a:schemeClr>
             </a:gs>
-            <a:gs pos="35000">
+            <a:gs pos="88000">
               <a:schemeClr val="phClr">
-                <a:tint val="37000"/>
-                <a:satMod val="300000"/>
-              </a:schemeClr>
-            </a:gs>
-            <a:gs pos="100000">
-              <a:schemeClr val="phClr">
-                <a:tint val="15000"/>
-                <a:satMod val="350000"/>
+                <a:tint val="90000"/>
               </a:schemeClr>
             </a:gs>
           </a:gsLst>
-          <a:lin ang="16200000" scaled="1"/>
+          <a:lin ang="5400000" scaled="0"/>
         </a:gradFill>
         <a:gradFill rotWithShape="1">
           <a:gsLst>
             <a:gs pos="0">
               <a:schemeClr val="phClr">
-                <a:tint val="100000"/>
-                <a:shade val="100000"/>
-                <a:satMod val="130000"/>
+                <a:tint val="96000"/>
+                <a:lumMod val="100000"/>
               </a:schemeClr>
             </a:gs>
-            <a:gs pos="100000">
+            <a:gs pos="78000">
               <a:schemeClr val="phClr">
-                <a:tint val="50000"/>
-                <a:shade val="100000"/>
-                <a:satMod val="350000"/>
+                <a:shade val="94000"/>
+                <a:lumMod val="94000"/>
               </a:schemeClr>
             </a:gs>
           </a:gsLst>
-          <a:lin ang="16200000" scaled="0"/>
+          <a:lin ang="5400000" scaled="0"/>
         </a:gradFill>
       </a:fillStyleLst>
       <a:lnStyleLst>
-        <a:ln w="9525" cap="flat" cmpd="sng" algn="ctr">
-          <a:solidFill>
-            <a:schemeClr val="phClr">
-              <a:shade val="95000"/>
-              <a:satMod val="105000"/>
-            </a:schemeClr>
-          </a:solidFill>
-          <a:prstDash val="solid"/>
-        </a:ln>
-        <a:ln w="25400" cap="flat" cmpd="sng" algn="ctr">
+        <a:ln w="12700" cap="rnd" cmpd="sng" algn="ctr">
           <a:solidFill>
             <a:schemeClr val="phClr"/>
           </a:solidFill>
           <a:prstDash val="solid"/>
         </a:ln>
-        <a:ln w="38100" cap="flat" cmpd="sng" algn="ctr">
+        <a:ln w="19050" cap="rnd" cmpd="sng" algn="ctr">
+          <a:solidFill>
+            <a:schemeClr val="phClr"/>
+          </a:solidFill>
+          <a:prstDash val="solid"/>
+        </a:ln>
+        <a:ln w="25400" cap="rnd" cmpd="sng" algn="ctr">
           <a:solidFill>
             <a:schemeClr val="phClr"/>
           </a:solidFill>
@@ -5385,17 +8367,11 @@
       </a:lnStyleLst>
       <a:effectStyleLst>
         <a:effectStyle>
-          <a:effectLst>
-            <a:outerShdw blurRad="40000" dist="20000" dir="5400000" rotWithShape="0">
-              <a:srgbClr val="000000">
-                <a:alpha val="38000"/>
-              </a:srgbClr>
-            </a:outerShdw>
-          </a:effectLst>
+          <a:effectLst/>
         </a:effectStyle>
         <a:effectStyle>
           <a:effectLst>
-            <a:outerShdw blurRad="40000" dist="23000" dir="5400000" rotWithShape="0">
+            <a:outerShdw blurRad="38100" dist="25400" dir="5400000" rotWithShape="0">
               <a:srgbClr val="000000">
                 <a:alpha val="35000"/>
               </a:srgbClr>
@@ -5404,7 +8380,7 @@
         </a:effectStyle>
         <a:effectStyle>
           <a:effectLst>
-            <a:outerShdw blurRad="40000" dist="23000" dir="5400000" rotWithShape="0">
+            <a:outerShdw blurRad="50800" dist="38100" dir="5400000" rotWithShape="0">
               <a:srgbClr val="000000">
                 <a:alpha val="35000"/>
               </a:srgbClr>
@@ -5414,12 +8390,10 @@
             <a:camera prst="orthographicFront">
               <a:rot lat="0" lon="0" rev="0"/>
             </a:camera>
-            <a:lightRig rig="threePt" dir="t">
-              <a:rot lat="0" lon="0" rev="1200000"/>
-            </a:lightRig>
+            <a:lightRig rig="threePt" dir="tl"/>
           </a:scene3d>
-          <a:sp3d>
-            <a:bevelT w="63500" h="25400"/>
+          <a:sp3d prstMaterial="plastic">
+            <a:bevelT w="0" h="0"/>
           </a:sp3d>
         </a:effectStyle>
       </a:effectStyleLst>
@@ -5431,91 +8405,48 @@
           <a:gsLst>
             <a:gs pos="0">
               <a:schemeClr val="phClr">
-                <a:tint val="40000"/>
-                <a:satMod val="350000"/>
+                <a:tint val="90000"/>
+                <a:lumMod val="104000"/>
               </a:schemeClr>
             </a:gs>
-            <a:gs pos="40000">
+            <a:gs pos="94000">
               <a:schemeClr val="phClr">
-                <a:tint val="45000"/>
-                <a:shade val="99000"/>
-                <a:satMod val="350000"/>
-              </a:schemeClr>
-            </a:gs>
-            <a:gs pos="100000">
-              <a:schemeClr val="phClr">
-                <a:shade val="20000"/>
-                <a:satMod val="255000"/>
+                <a:shade val="96000"/>
+                <a:lumMod val="82000"/>
               </a:schemeClr>
             </a:gs>
           </a:gsLst>
-          <a:path path="circle">
-            <a:fillToRect l="50000" t="-80000" r="50000" b="180000"/>
-          </a:path>
+          <a:lin ang="5400000" scaled="0"/>
         </a:gradFill>
         <a:gradFill rotWithShape="1">
           <a:gsLst>
             <a:gs pos="0">
               <a:schemeClr val="phClr">
-                <a:tint val="80000"/>
-                <a:satMod val="300000"/>
+                <a:tint val="90000"/>
+                <a:lumMod val="110000"/>
               </a:schemeClr>
             </a:gs>
             <a:gs pos="100000">
               <a:schemeClr val="phClr">
-                <a:shade val="30000"/>
-                <a:satMod val="200000"/>
+                <a:shade val="94000"/>
+                <a:lumMod val="96000"/>
               </a:schemeClr>
             </a:gs>
           </a:gsLst>
           <a:path path="circle">
-            <a:fillToRect l="50000" t="50000" r="50000" b="50000"/>
+            <a:fillToRect l="50000" t="50000" r="100000" b="100000"/>
           </a:path>
         </a:gradFill>
       </a:bgFillStyleLst>
     </a:fmtScheme>
   </a:themeElements>
-  <a:objectDefaults>
-    <a:spDef>
-      <a:spPr/>
-      <a:bodyPr/>
-      <a:lstStyle/>
-      <a:style>
-        <a:lnRef idx="1">
-          <a:schemeClr val="accent1"/>
-        </a:lnRef>
-        <a:fillRef idx="3">
-          <a:schemeClr val="accent1"/>
-        </a:fillRef>
-        <a:effectRef idx="2">
-          <a:schemeClr val="accent1"/>
-        </a:effectRef>
-        <a:fontRef idx="minor">
-          <a:schemeClr val="lt1"/>
-        </a:fontRef>
-      </a:style>
-    </a:spDef>
-    <a:lnDef>
-      <a:spPr/>
-      <a:bodyPr/>
-      <a:lstStyle/>
-      <a:style>
-        <a:lnRef idx="2">
-          <a:schemeClr val="accent1"/>
-        </a:lnRef>
-        <a:fillRef idx="0">
-          <a:schemeClr val="accent1"/>
-        </a:fillRef>
-        <a:effectRef idx="1">
-          <a:schemeClr val="accent1"/>
-        </a:effectRef>
-        <a:fontRef idx="minor">
-          <a:schemeClr val="tx1"/>
-        </a:fontRef>
-      </a:style>
-    </a:lnDef>
-  </a:objectDefaults>
+  <a:objectDefaults/>
   <a:extraClrSchemeLst/>
+  <a:extLst>
+    <a:ext uri="{05A4C25C-085E-4340-85A3-A5531E510DB2}">
+      <thm15:themeFamily xmlns:thm15="http://schemas.microsoft.com/office/thememl/2012/main" name="Facet" id="{C0C680CD-088A-49FC-A102-D699147F32B2}" vid="{CFBC31BA-B70F-4F30-BCAA-4F3011E16C4D}"/>
+    </a:ext>
+  </a:extLst>
 </a:theme>
 </file>
 
